--- a/3차과제_1조(이겼조)_[사례8]공학자의 윤리적 의무_20181640안세홍, 20181644우정헌.pptx
+++ b/3차과제_1조(이겼조)_[사례8]공학자의 윤리적 의무_20181640안세홍, 20181644우정헌.pptx
@@ -9,12 +9,10 @@
     <p:sldId id="298" r:id="rId3"/>
     <p:sldId id="299" r:id="rId4"/>
     <p:sldId id="300" r:id="rId5"/>
-    <p:sldId id="303" r:id="rId6"/>
-    <p:sldId id="304" r:id="rId7"/>
-    <p:sldId id="335" r:id="rId8"/>
-    <p:sldId id="337" r:id="rId9"/>
-    <p:sldId id="327" r:id="rId10"/>
-    <p:sldId id="328" r:id="rId11"/>
+    <p:sldId id="304" r:id="rId6"/>
+    <p:sldId id="335" r:id="rId7"/>
+    <p:sldId id="337" r:id="rId8"/>
+    <p:sldId id="328" r:id="rId9"/>
   </p:sldIdLst>
   <p:sldSz cx="12192000" cy="6858000"/>
   <p:notesSz cx="6858000" cy="9144000"/>
@@ -311,7 +309,7 @@
           <a:p>
             <a:fld id="{CAFBD626-7868-4573-9C94-072F39000BA8}" type="datetimeFigureOut">
               <a:rPr lang="ko-KR" altLang="en-US" smtClean="0"/>
-              <a:t>2018-11-11</a:t>
+              <a:t>2018-11-12</a:t>
             </a:fld>
             <a:endParaRPr lang="ko-KR" altLang="en-US"/>
           </a:p>
@@ -549,7 +547,7 @@
           <a:p>
             <a:fld id="{CAFBD626-7868-4573-9C94-072F39000BA8}" type="datetimeFigureOut">
               <a:rPr lang="ko-KR" altLang="en-US" smtClean="0"/>
-              <a:t>2018-11-11</a:t>
+              <a:t>2018-11-12</a:t>
             </a:fld>
             <a:endParaRPr lang="ko-KR" altLang="en-US"/>
           </a:p>
@@ -884,7 +882,7 @@
           <a:p>
             <a:fld id="{CAFBD626-7868-4573-9C94-072F39000BA8}" type="datetimeFigureOut">
               <a:rPr lang="ko-KR" altLang="en-US" smtClean="0"/>
-              <a:t>2018-11-11</a:t>
+              <a:t>2018-11-12</a:t>
             </a:fld>
             <a:endParaRPr lang="ko-KR" altLang="en-US"/>
           </a:p>
@@ -1187,7 +1185,7 @@
           <a:p>
             <a:fld id="{CAFBD626-7868-4573-9C94-072F39000BA8}" type="datetimeFigureOut">
               <a:rPr lang="ko-KR" altLang="en-US" smtClean="0"/>
-              <a:t>2018-11-11</a:t>
+              <a:t>2018-11-12</a:t>
             </a:fld>
             <a:endParaRPr lang="ko-KR" altLang="en-US"/>
           </a:p>
@@ -1638,7 +1636,7 @@
           <a:p>
             <a:fld id="{CAFBD626-7868-4573-9C94-072F39000BA8}" type="datetimeFigureOut">
               <a:rPr lang="ko-KR" altLang="en-US" smtClean="0"/>
-              <a:t>2018-11-11</a:t>
+              <a:t>2018-11-12</a:t>
             </a:fld>
             <a:endParaRPr lang="ko-KR" altLang="en-US"/>
           </a:p>
@@ -1811,7 +1809,7 @@
           <a:p>
             <a:fld id="{CAFBD626-7868-4573-9C94-072F39000BA8}" type="datetimeFigureOut">
               <a:rPr lang="ko-KR" altLang="en-US" smtClean="0"/>
-              <a:t>2018-11-11</a:t>
+              <a:t>2018-11-12</a:t>
             </a:fld>
             <a:endParaRPr lang="ko-KR" altLang="en-US"/>
           </a:p>
@@ -1948,7 +1946,7 @@
           <a:p>
             <a:fld id="{CAFBD626-7868-4573-9C94-072F39000BA8}" type="datetimeFigureOut">
               <a:rPr lang="ko-KR" altLang="en-US" smtClean="0"/>
-              <a:t>2018-11-11</a:t>
+              <a:t>2018-11-12</a:t>
             </a:fld>
             <a:endParaRPr lang="ko-KR" altLang="en-US"/>
           </a:p>
@@ -2292,7 +2290,7 @@
           <a:p>
             <a:fld id="{CAFBD626-7868-4573-9C94-072F39000BA8}" type="datetimeFigureOut">
               <a:rPr lang="ko-KR" altLang="en-US" smtClean="0"/>
-              <a:t>2018-11-11</a:t>
+              <a:t>2018-11-12</a:t>
             </a:fld>
             <a:endParaRPr lang="ko-KR" altLang="en-US"/>
           </a:p>
@@ -2616,7 +2614,7 @@
           <a:p>
             <a:fld id="{CAFBD626-7868-4573-9C94-072F39000BA8}" type="datetimeFigureOut">
               <a:rPr lang="ko-KR" altLang="en-US" smtClean="0"/>
-              <a:t>2018-11-11</a:t>
+              <a:t>2018-11-12</a:t>
             </a:fld>
             <a:endParaRPr lang="ko-KR" altLang="en-US"/>
           </a:p>
@@ -3483,72 +3481,6 @@
 </p:sld>
 </file>
 
-<file path=ppt/slides/slide10.xml><?xml version="1.0" encoding="utf-8"?>
-<p:sld xmlns:a="http://schemas.openxmlformats.org/drawingml/2006/main" xmlns:r="http://schemas.openxmlformats.org/officeDocument/2006/relationships" xmlns:p="http://schemas.openxmlformats.org/presentationml/2006/main">
-  <p:cSld>
-    <p:spTree>
-      <p:nvGrpSpPr>
-        <p:cNvPr id="1" name=""/>
-        <p:cNvGrpSpPr/>
-        <p:nvPr/>
-      </p:nvGrpSpPr>
-      <p:grpSpPr>
-        <a:xfrm>
-          <a:off x="0" y="0"/>
-          <a:ext cx="0" cy="0"/>
-          <a:chOff x="0" y="0"/>
-          <a:chExt cx="0" cy="0"/>
-        </a:xfrm>
-      </p:grpSpPr>
-      <p:pic>
-        <p:nvPicPr>
-          <p:cNvPr id="4" name="그림 3">
-            <a:extLst>
-              <a:ext uri="{FF2B5EF4-FFF2-40B4-BE49-F238E27FC236}">
-                <a16:creationId xmlns:a16="http://schemas.microsoft.com/office/drawing/2014/main" id="{4D8BD8D3-68AB-4E26-B1EB-A42E350DE573}"/>
-              </a:ext>
-            </a:extLst>
-          </p:cNvPr>
-          <p:cNvPicPr>
-            <a:picLocks noChangeAspect="1"/>
-          </p:cNvPicPr>
-          <p:nvPr/>
-        </p:nvPicPr>
-        <p:blipFill>
-          <a:blip r:embed="rId2">
-            <a:extLst>
-              <a:ext uri="{28A0092B-C50C-407E-A947-70E740481C1C}">
-                <a14:useLocalDpi xmlns:a14="http://schemas.microsoft.com/office/drawing/2010/main" val="0"/>
-              </a:ext>
-            </a:extLst>
-          </a:blip>
-          <a:stretch>
-            <a:fillRect/>
-          </a:stretch>
-        </p:blipFill>
-        <p:spPr>
-          <a:xfrm>
-            <a:off x="-172720" y="2286000"/>
-            <a:ext cx="3657600" cy="4572000"/>
-          </a:xfrm>
-          <a:prstGeom prst="rect">
-            <a:avLst/>
-          </a:prstGeom>
-        </p:spPr>
-      </p:pic>
-    </p:spTree>
-    <p:extLst>
-      <p:ext uri="{BB962C8B-B14F-4D97-AF65-F5344CB8AC3E}">
-        <p14:creationId xmlns:p14="http://schemas.microsoft.com/office/powerpoint/2010/main" val="914126224"/>
-      </p:ext>
-    </p:extLst>
-  </p:cSld>
-  <p:clrMapOvr>
-    <a:masterClrMapping/>
-  </p:clrMapOvr>
-</p:sld>
-</file>
-
 <file path=ppt/slides/slide2.xml><?xml version="1.0" encoding="utf-8"?>
 <p:sld xmlns:a="http://schemas.openxmlformats.org/drawingml/2006/main" xmlns:r="http://schemas.openxmlformats.org/officeDocument/2006/relationships" xmlns:p="http://schemas.openxmlformats.org/presentationml/2006/main">
   <p:cSld>
@@ -4325,14 +4257,14 @@
           <a:p>
             <a:pPr algn="ctr"/>
             <a:r>
-              <a:rPr lang="ko-KR" altLang="en-US" sz="3200">
+              <a:rPr lang="ko-KR" altLang="en-US" sz="3200" dirty="0">
                 <a:latin typeface="Arial"/>
                 <a:ea typeface="나눔스퀘어"/>
                 <a:cs typeface="Arial"/>
               </a:rPr>
               <a:t>개인이 아닌 집단으로써 </a:t>
             </a:r>
-            <a:endParaRPr lang="ko-KR" sz="3200">
+            <a:endParaRPr lang="ko-KR" sz="3200" dirty="0">
               <a:latin typeface="맑은 고딕"/>
               <a:ea typeface="맑은 고딕"/>
               <a:cs typeface="Arial"/>
@@ -4341,21 +4273,21 @@
           <a:p>
             <a:pPr algn="ctr"/>
             <a:r>
-              <a:rPr lang="ko-KR" altLang="en-US" sz="3200">
+              <a:rPr lang="ko-KR" altLang="en-US" sz="3200" dirty="0">
                 <a:latin typeface="Arial"/>
                 <a:ea typeface="나눔스퀘어"/>
                 <a:cs typeface="Arial"/>
               </a:rPr>
               <a:t>어떠한 도덕적 원리를 필요로 하는</a:t>
             </a:r>
-            <a:endParaRPr lang="ko-KR" sz="3200">
+            <a:endParaRPr lang="ko-KR" sz="3200" dirty="0">
               <a:ea typeface="맑은 고딕"/>
             </a:endParaRPr>
           </a:p>
           <a:p>
             <a:pPr algn="ctr"/>
             <a:r>
-              <a:rPr lang="ko-KR" altLang="en-US" sz="3200">
+              <a:rPr lang="ko-KR" altLang="en-US" sz="3200" dirty="0">
                 <a:latin typeface="Arial"/>
                 <a:ea typeface="나눔스퀘어"/>
                 <a:cs typeface="Arial"/>
@@ -4363,13 +4295,13 @@
               <a:t>공학이나 기술자의</a:t>
             </a:r>
             <a:r>
-              <a:rPr lang="ko-KR" altLang="en-US" sz="3200">
+              <a:rPr lang="ko-KR" altLang="en-US" sz="3200" dirty="0">
                 <a:ea typeface="나눔스퀘어"/>
               </a:rPr>
               <a:t> </a:t>
             </a:r>
             <a:r>
-              <a:rPr lang="ko-KR" altLang="en-US" sz="3200">
+              <a:rPr lang="ko-KR" altLang="en-US" sz="3200" dirty="0">
                 <a:latin typeface="맑은 고딕"/>
                 <a:ea typeface="맑은 고딕"/>
               </a:rPr>
@@ -4379,25 +4311,25 @@
           <a:p>
             <a:pPr algn="ctr"/>
             <a:r>
-              <a:rPr lang="ko-KR" altLang="en-US" sz="3200">
+              <a:rPr lang="ko-KR" altLang="en-US" sz="3200" dirty="0">
                 <a:latin typeface="맑은 고딕"/>
                 <a:ea typeface="맑은 고딕"/>
               </a:rPr>
               <a:t>판단과</a:t>
             </a:r>
             <a:r>
-              <a:rPr lang="ko-KR" altLang="en-US" sz="3200">
+              <a:rPr lang="ko-KR" altLang="en-US" sz="3200" dirty="0">
                 <a:ea typeface="나눔스퀘어"/>
               </a:rPr>
               <a:t> </a:t>
             </a:r>
             <a:r>
-              <a:rPr lang="ko-KR" altLang="en-US" sz="3200">
+              <a:rPr lang="ko-KR" altLang="en-US" sz="3200" dirty="0">
                 <a:ea typeface="맑은 고딕"/>
               </a:rPr>
               <a:t>결정.</a:t>
             </a:r>
-            <a:endParaRPr lang="ko-KR"/>
+            <a:endParaRPr lang="ko-KR" dirty="0"/>
           </a:p>
         </p:txBody>
       </p:sp>
@@ -4519,8 +4451,8 @@
         </p:blipFill>
         <p:spPr>
           <a:xfrm>
-            <a:off x="1541779" y="1810577"/>
-            <a:ext cx="3634100" cy="3538886"/>
+            <a:off x="1615802" y="1837356"/>
+            <a:ext cx="3792550" cy="3538886"/>
           </a:xfrm>
           <a:prstGeom prst="rect">
             <a:avLst/>
@@ -4569,207 +4501,6 @@
           <a:chExt cx="0" cy="0"/>
         </a:xfrm>
       </p:grpSpPr>
-      <p:pic>
-        <p:nvPicPr>
-          <p:cNvPr id="3" name="그림 2">
-            <a:extLst>
-              <a:ext uri="{FF2B5EF4-FFF2-40B4-BE49-F238E27FC236}">
-                <a16:creationId xmlns:a16="http://schemas.microsoft.com/office/drawing/2014/main" id="{52C5FF2F-BA29-4A5B-9ADB-BFAB7266FD0F}"/>
-              </a:ext>
-            </a:extLst>
-          </p:cNvPr>
-          <p:cNvPicPr>
-            <a:picLocks noChangeAspect="1"/>
-          </p:cNvPicPr>
-          <p:nvPr/>
-        </p:nvPicPr>
-        <p:blipFill>
-          <a:blip r:embed="rId2">
-            <a:extLst>
-              <a:ext uri="{28A0092B-C50C-407E-A947-70E740481C1C}">
-                <a14:useLocalDpi xmlns:a14="http://schemas.microsoft.com/office/drawing/2010/main" val="0"/>
-              </a:ext>
-            </a:extLst>
-          </a:blip>
-          <a:stretch>
-            <a:fillRect/>
-          </a:stretch>
-        </p:blipFill>
-        <p:spPr>
-          <a:xfrm>
-            <a:off x="4267200" y="1143000"/>
-            <a:ext cx="3657600" cy="4572000"/>
-          </a:xfrm>
-          <a:prstGeom prst="rect">
-            <a:avLst/>
-          </a:prstGeom>
-        </p:spPr>
-      </p:pic>
-    </p:spTree>
-    <p:extLst>
-      <p:ext uri="{BB962C8B-B14F-4D97-AF65-F5344CB8AC3E}">
-        <p14:creationId xmlns:p14="http://schemas.microsoft.com/office/powerpoint/2010/main" val="3584825561"/>
-      </p:ext>
-    </p:extLst>
-  </p:cSld>
-  <p:clrMapOvr>
-    <a:masterClrMapping/>
-  </p:clrMapOvr>
-</p:sld>
-</file>
-
-<file path=ppt/slides/slide6.xml><?xml version="1.0" encoding="utf-8"?>
-<p:sld xmlns:a="http://schemas.openxmlformats.org/drawingml/2006/main" xmlns:r="http://schemas.openxmlformats.org/officeDocument/2006/relationships" xmlns:p="http://schemas.openxmlformats.org/presentationml/2006/main">
-  <p:cSld>
-    <p:spTree>
-      <p:nvGrpSpPr>
-        <p:cNvPr id="1" name=""/>
-        <p:cNvGrpSpPr/>
-        <p:nvPr/>
-      </p:nvGrpSpPr>
-      <p:grpSpPr>
-        <a:xfrm>
-          <a:off x="0" y="0"/>
-          <a:ext cx="0" cy="0"/>
-          <a:chOff x="0" y="0"/>
-          <a:chExt cx="0" cy="0"/>
-        </a:xfrm>
-      </p:grpSpPr>
-      <p:pic>
-        <p:nvPicPr>
-          <p:cNvPr id="3" name="그림 2">
-            <a:extLst>
-              <a:ext uri="{FF2B5EF4-FFF2-40B4-BE49-F238E27FC236}">
-                <a16:creationId xmlns:a16="http://schemas.microsoft.com/office/drawing/2014/main" id="{7E41B359-FA2D-4D6B-A8A7-059ADE1F0DCE}"/>
-              </a:ext>
-            </a:extLst>
-          </p:cNvPr>
-          <p:cNvPicPr>
-            <a:picLocks noChangeAspect="1"/>
-          </p:cNvPicPr>
-          <p:nvPr/>
-        </p:nvPicPr>
-        <p:blipFill>
-          <a:blip r:embed="rId2">
-            <a:extLst>
-              <a:ext uri="{28A0092B-C50C-407E-A947-70E740481C1C}">
-                <a14:useLocalDpi xmlns:a14="http://schemas.microsoft.com/office/drawing/2010/main" val="0"/>
-              </a:ext>
-            </a:extLst>
-          </a:blip>
-          <a:stretch>
-            <a:fillRect/>
-          </a:stretch>
-        </p:blipFill>
-        <p:spPr>
-          <a:xfrm>
-            <a:off x="164267" y="203201"/>
-            <a:ext cx="580800" cy="580800"/>
-          </a:xfrm>
-          <a:prstGeom prst="rect">
-            <a:avLst/>
-          </a:prstGeom>
-        </p:spPr>
-      </p:pic>
-      <p:sp>
-        <p:nvSpPr>
-          <p:cNvPr id="8" name="직사각형 7">
-            <a:extLst>
-              <a:ext uri="{FF2B5EF4-FFF2-40B4-BE49-F238E27FC236}">
-                <a16:creationId xmlns:a16="http://schemas.microsoft.com/office/drawing/2014/main" id="{843D0539-10CC-4089-BE46-BC39BCC4D5E9}"/>
-              </a:ext>
-            </a:extLst>
-          </p:cNvPr>
-          <p:cNvSpPr/>
-          <p:nvPr/>
-        </p:nvSpPr>
-        <p:spPr>
-          <a:xfrm>
-            <a:off x="754457" y="186268"/>
-            <a:ext cx="992579" cy="307777"/>
-          </a:xfrm>
-          <a:prstGeom prst="rect">
-            <a:avLst/>
-          </a:prstGeom>
-        </p:spPr>
-        <p:txBody>
-          <a:bodyPr wrap="none">
-            <a:spAutoFit/>
-          </a:bodyPr>
-          <a:lstStyle/>
-          <a:p>
-            <a:r>
-              <a:rPr lang="ko-KR" altLang="en-US" sz="1400" spc="300">
-                <a:solidFill>
-                  <a:srgbClr val="28B9ED"/>
-                </a:solidFill>
-                <a:latin typeface="나눔스퀘어 ExtraBold" panose="020B0600000101010101" pitchFamily="50" charset="-127"/>
-                <a:ea typeface="나눔스퀘어 ExtraBold" panose="020B0600000101010101" pitchFamily="50" charset="-127"/>
-              </a:rPr>
-              <a:t>보노보노</a:t>
-            </a:r>
-            <a:endParaRPr lang="ko-KR" altLang="en-US" sz="1400"/>
-          </a:p>
-        </p:txBody>
-      </p:sp>
-      <p:sp>
-        <p:nvSpPr>
-          <p:cNvPr id="9" name="TextBox 8">
-            <a:extLst>
-              <a:ext uri="{FF2B5EF4-FFF2-40B4-BE49-F238E27FC236}">
-                <a16:creationId xmlns:a16="http://schemas.microsoft.com/office/drawing/2014/main" id="{D2650CD9-6260-4532-A0E7-E8EBC41AC835}"/>
-              </a:ext>
-            </a:extLst>
-          </p:cNvPr>
-          <p:cNvSpPr txBox="1"/>
-          <p:nvPr/>
-        </p:nvSpPr>
-        <p:spPr>
-          <a:xfrm>
-            <a:off x="771990" y="400466"/>
-            <a:ext cx="1111202" cy="276999"/>
-          </a:xfrm>
-          <a:prstGeom prst="rect">
-            <a:avLst/>
-          </a:prstGeom>
-          <a:noFill/>
-        </p:spPr>
-        <p:txBody>
-          <a:bodyPr wrap="none" rtlCol="0">
-            <a:spAutoFit/>
-          </a:bodyPr>
-          <a:lstStyle/>
-          <a:p>
-            <a:pPr algn="ctr"/>
-            <a:r>
-              <a:rPr lang="en-US" altLang="ko-KR" sz="1200" spc="300">
-                <a:solidFill>
-                  <a:schemeClr val="tx1">
-                    <a:lumMod val="65000"/>
-                    <a:lumOff val="35000"/>
-                  </a:schemeClr>
-                </a:solidFill>
-                <a:latin typeface="나눔스퀘어 Bold" panose="020B0600000101010101" pitchFamily="50" charset="-127"/>
-                <a:ea typeface="나눔스퀘어 Bold" panose="020B0600000101010101" pitchFamily="50" charset="-127"/>
-              </a:rPr>
-              <a:t>PPT</a:t>
-            </a:r>
-            <a:r>
-              <a:rPr lang="ko-KR" altLang="en-US" sz="1200" spc="300">
-                <a:solidFill>
-                  <a:schemeClr val="tx1">
-                    <a:lumMod val="65000"/>
-                    <a:lumOff val="35000"/>
-                  </a:schemeClr>
-                </a:solidFill>
-                <a:latin typeface="나눔스퀘어" panose="020B0600000101010101" pitchFamily="50" charset="-127"/>
-                <a:ea typeface="나눔스퀘어" panose="020B0600000101010101" pitchFamily="50" charset="-127"/>
-              </a:rPr>
-              <a:t>템플릿</a:t>
-            </a:r>
-          </a:p>
-        </p:txBody>
-      </p:sp>
       <p:sp>
         <p:nvSpPr>
           <p:cNvPr id="45" name="자유형: 도형 44">
@@ -4914,7 +4645,7 @@
         </p:nvSpPr>
         <p:spPr>
           <a:xfrm>
-            <a:off x="5671884" y="5693444"/>
+            <a:off x="5671884" y="5787711"/>
             <a:ext cx="848231" cy="848231"/>
           </a:xfrm>
           <a:prstGeom prst="rect">
@@ -4968,8 +4699,8 @@
         </p:nvSpPr>
         <p:spPr>
           <a:xfrm>
-            <a:off x="454667" y="5653642"/>
-            <a:ext cx="2204450" cy="707886"/>
+            <a:off x="5498721" y="83302"/>
+            <a:ext cx="1194558" cy="707886"/>
           </a:xfrm>
           <a:prstGeom prst="rect">
             <a:avLst/>
@@ -4982,7 +4713,7 @@
           <a:lstStyle/>
           <a:p>
             <a:r>
-              <a:rPr lang="ko-KR" altLang="en-US" sz="4000" spc="300">
+              <a:rPr lang="ko-KR" altLang="en-US" sz="4000" spc="300" dirty="0">
                 <a:solidFill>
                   <a:schemeClr val="tx1">
                     <a:lumMod val="75000"/>
@@ -4992,9 +4723,9 @@
                 <a:latin typeface="나눔스퀘어 ExtraBold" panose="020B0600000101010101" pitchFamily="50" charset="-127"/>
                 <a:ea typeface="나눔스퀘어 ExtraBold" panose="020B0600000101010101" pitchFamily="50" charset="-127"/>
               </a:rPr>
-              <a:t>보노보노</a:t>
-            </a:r>
-            <a:endParaRPr lang="ko-KR" altLang="en-US" sz="4000">
+              <a:t>사례</a:t>
+            </a:r>
+            <a:endParaRPr lang="ko-KR" altLang="en-US" sz="4000" dirty="0">
               <a:solidFill>
                 <a:schemeClr val="tx1">
                   <a:lumMod val="75000"/>
@@ -5005,12 +4736,119 @@
           </a:p>
         </p:txBody>
       </p:sp>
-      <p:sp>
-        <p:nvSpPr>
-          <p:cNvPr id="47" name="TextBox 46">
-            <a:extLst>
-              <a:ext uri="{FF2B5EF4-FFF2-40B4-BE49-F238E27FC236}">
-                <a16:creationId xmlns:a16="http://schemas.microsoft.com/office/drawing/2014/main" id="{8F2648AD-2B19-47AF-B3C0-E4AEB38651BE}"/>
+      <p:pic>
+        <p:nvPicPr>
+          <p:cNvPr id="2" name="그림 1">
+            <a:extLst>
+              <a:ext uri="{FF2B5EF4-FFF2-40B4-BE49-F238E27FC236}">
+                <a16:creationId xmlns:a16="http://schemas.microsoft.com/office/drawing/2014/main" id="{0ED8579B-1CE0-408B-A98F-3314302BC011}"/>
+              </a:ext>
+            </a:extLst>
+          </p:cNvPr>
+          <p:cNvPicPr>
+            <a:picLocks noChangeAspect="1"/>
+          </p:cNvPicPr>
+          <p:nvPr/>
+        </p:nvPicPr>
+        <p:blipFill>
+          <a:blip r:embed="rId2"/>
+          <a:stretch>
+            <a:fillRect/>
+          </a:stretch>
+        </p:blipFill>
+        <p:spPr>
+          <a:xfrm>
+            <a:off x="1090613" y="857174"/>
+            <a:ext cx="10010775" cy="4895850"/>
+          </a:xfrm>
+          <a:prstGeom prst="rect">
+            <a:avLst/>
+          </a:prstGeom>
+        </p:spPr>
+      </p:pic>
+      <p:pic>
+        <p:nvPicPr>
+          <p:cNvPr id="13" name="그림 12">
+            <a:extLst>
+              <a:ext uri="{FF2B5EF4-FFF2-40B4-BE49-F238E27FC236}">
+                <a16:creationId xmlns:a16="http://schemas.microsoft.com/office/drawing/2014/main" id="{0891946B-31EA-4E5E-A6A9-42948E9F6AE8}"/>
+              </a:ext>
+            </a:extLst>
+          </p:cNvPr>
+          <p:cNvPicPr>
+            <a:picLocks noChangeAspect="1"/>
+          </p:cNvPicPr>
+          <p:nvPr/>
+        </p:nvPicPr>
+        <p:blipFill>
+          <a:blip r:embed="rId3">
+            <a:extLst>
+              <a:ext uri="{28A0092B-C50C-407E-A947-70E740481C1C}">
+                <a14:useLocalDpi xmlns:a14="http://schemas.microsoft.com/office/drawing/2010/main" val="0"/>
+              </a:ext>
+            </a:extLst>
+          </a:blip>
+          <a:stretch>
+            <a:fillRect/>
+          </a:stretch>
+        </p:blipFill>
+        <p:spPr>
+          <a:xfrm>
+            <a:off x="164267" y="203201"/>
+            <a:ext cx="580800" cy="580800"/>
+          </a:xfrm>
+          <a:prstGeom prst="rect">
+            <a:avLst/>
+          </a:prstGeom>
+        </p:spPr>
+      </p:pic>
+      <p:sp>
+        <p:nvSpPr>
+          <p:cNvPr id="14" name="직사각형 13">
+            <a:extLst>
+              <a:ext uri="{FF2B5EF4-FFF2-40B4-BE49-F238E27FC236}">
+                <a16:creationId xmlns:a16="http://schemas.microsoft.com/office/drawing/2014/main" id="{2295B1D4-EA1D-40DC-AE13-B5D48C5734C9}"/>
+              </a:ext>
+            </a:extLst>
+          </p:cNvPr>
+          <p:cNvSpPr/>
+          <p:nvPr/>
+        </p:nvSpPr>
+        <p:spPr>
+          <a:xfrm>
+            <a:off x="754457" y="186268"/>
+            <a:ext cx="992579" cy="307777"/>
+          </a:xfrm>
+          <a:prstGeom prst="rect">
+            <a:avLst/>
+          </a:prstGeom>
+        </p:spPr>
+        <p:txBody>
+          <a:bodyPr wrap="none">
+            <a:spAutoFit/>
+          </a:bodyPr>
+          <a:lstStyle/>
+          <a:p>
+            <a:r>
+              <a:rPr lang="ko-KR" altLang="en-US" sz="1400" spc="300">
+                <a:solidFill>
+                  <a:srgbClr val="28B9ED"/>
+                </a:solidFill>
+                <a:latin typeface="나눔스퀘어 ExtraBold" panose="020B0600000101010101" pitchFamily="50" charset="-127"/>
+                <a:ea typeface="나눔스퀘어 ExtraBold" panose="020B0600000101010101" pitchFamily="50" charset="-127"/>
+              </a:rPr>
+              <a:t>공학윤리</a:t>
+            </a:r>
+            <a:endParaRPr lang="ko-KR" altLang="en-US" sz="1400"/>
+          </a:p>
+        </p:txBody>
+      </p:sp>
+      <p:sp>
+        <p:nvSpPr>
+          <p:cNvPr id="15" name="TextBox 14">
+            <a:extLst>
+              <a:ext uri="{FF2B5EF4-FFF2-40B4-BE49-F238E27FC236}">
+                <a16:creationId xmlns:a16="http://schemas.microsoft.com/office/drawing/2014/main" id="{6801636F-2973-47FF-BD08-E3122BDBDED9}"/>
               </a:ext>
             </a:extLst>
           </p:cNvPr>
@@ -5019,8 +4857,8 @@
         </p:nvSpPr>
         <p:spPr>
           <a:xfrm>
-            <a:off x="477038" y="6342118"/>
-            <a:ext cx="1406154" cy="230832"/>
+            <a:off x="897336" y="400466"/>
+            <a:ext cx="718466" cy="276999"/>
           </a:xfrm>
           <a:prstGeom prst="rect">
             <a:avLst/>
@@ -5035,7 +4873,7 @@
           <a:p>
             <a:pPr algn="ctr"/>
             <a:r>
-              <a:rPr lang="ko-KR" altLang="en-US" sz="900">
+              <a:rPr lang="ko-KR" altLang="en-US" sz="1200" spc="300" err="1">
                 <a:solidFill>
                   <a:schemeClr val="tx1">
                     <a:lumMod val="65000"/>
@@ -5045,22 +4883,9 @@
                 <a:latin typeface="나눔스퀘어 Bold" panose="020B0600000101010101" pitchFamily="50" charset="-127"/>
                 <a:ea typeface="나눔스퀘어 Bold" panose="020B0600000101010101" pitchFamily="50" charset="-127"/>
               </a:rPr>
-              <a:t>여기에는 내용을 </a:t>
-            </a:r>
-            <a:r>
-              <a:rPr lang="ko-KR" altLang="en-US" sz="900" err="1">
-                <a:solidFill>
-                  <a:schemeClr val="tx1">
-                    <a:lumMod val="65000"/>
-                    <a:lumOff val="35000"/>
-                  </a:schemeClr>
-                </a:solidFill>
-                <a:latin typeface="나눔스퀘어 Bold" panose="020B0600000101010101" pitchFamily="50" charset="-127"/>
-                <a:ea typeface="나눔스퀘어 Bold" panose="020B0600000101010101" pitchFamily="50" charset="-127"/>
-              </a:rPr>
-              <a:t>넣어주렴</a:t>
-            </a:r>
-            <a:endParaRPr lang="ko-KR" altLang="en-US" sz="900">
+              <a:t>이겼조</a:t>
+            </a:r>
+            <a:endParaRPr lang="ko-KR" altLang="en-US" sz="1200" spc="300">
               <a:solidFill>
                 <a:schemeClr val="tx1">
                   <a:lumMod val="65000"/>
@@ -5075,10 +4900,10 @@
       </p:sp>
       <p:pic>
         <p:nvPicPr>
-          <p:cNvPr id="48" name="그림 47">
-            <a:extLst>
-              <a:ext uri="{FF2B5EF4-FFF2-40B4-BE49-F238E27FC236}">
-                <a16:creationId xmlns:a16="http://schemas.microsoft.com/office/drawing/2014/main" id="{10AF655B-C978-490E-8395-5E51643F4F6A}"/>
+          <p:cNvPr id="16" name="그림 15">
+            <a:extLst>
+              <a:ext uri="{FF2B5EF4-FFF2-40B4-BE49-F238E27FC236}">
+                <a16:creationId xmlns:a16="http://schemas.microsoft.com/office/drawing/2014/main" id="{D7FDC25B-2F91-4B81-B4C0-15F72675D116}"/>
               </a:ext>
             </a:extLst>
           </p:cNvPr>
@@ -5088,7 +4913,7 @@
           <p:nvPr/>
         </p:nvPicPr>
         <p:blipFill>
-          <a:blip r:embed="rId2">
+          <a:blip r:embed="rId4">
             <a:extLst>
               <a:ext uri="{28A0092B-C50C-407E-A947-70E740481C1C}">
                 <a14:useLocalDpi xmlns:a14="http://schemas.microsoft.com/office/drawing/2010/main" val="0"/>
@@ -5101,157 +4926,8 @@
         </p:blipFill>
         <p:spPr>
           <a:xfrm>
-            <a:off x="5969852" y="6007585"/>
-            <a:ext cx="252293" cy="252293"/>
-          </a:xfrm>
-          <a:prstGeom prst="rect">
-            <a:avLst/>
-          </a:prstGeom>
-        </p:spPr>
-      </p:pic>
-      <p:sp>
-        <p:nvSpPr>
-          <p:cNvPr id="50" name="직사각형 49">
-            <a:extLst>
-              <a:ext uri="{FF2B5EF4-FFF2-40B4-BE49-F238E27FC236}">
-                <a16:creationId xmlns:a16="http://schemas.microsoft.com/office/drawing/2014/main" id="{A0D65191-3E15-4D76-A2CD-96FE03E9D536}"/>
-              </a:ext>
-            </a:extLst>
-          </p:cNvPr>
-          <p:cNvSpPr/>
-          <p:nvPr/>
-        </p:nvSpPr>
-        <p:spPr>
-          <a:xfrm>
-            <a:off x="9649588" y="5619848"/>
-            <a:ext cx="2204450" cy="707886"/>
-          </a:xfrm>
-          <a:prstGeom prst="rect">
-            <a:avLst/>
-          </a:prstGeom>
-        </p:spPr>
-        <p:txBody>
-          <a:bodyPr wrap="none">
-            <a:spAutoFit/>
-          </a:bodyPr>
-          <a:lstStyle/>
-          <a:p>
-            <a:r>
-              <a:rPr lang="ko-KR" altLang="en-US" sz="4000" spc="300">
-                <a:solidFill>
-                  <a:schemeClr val="tx1">
-                    <a:lumMod val="75000"/>
-                    <a:lumOff val="25000"/>
-                  </a:schemeClr>
-                </a:solidFill>
-                <a:latin typeface="나눔스퀘어 ExtraBold" panose="020B0600000101010101" pitchFamily="50" charset="-127"/>
-                <a:ea typeface="나눔스퀘어 ExtraBold" panose="020B0600000101010101" pitchFamily="50" charset="-127"/>
-              </a:rPr>
-              <a:t>보노보노</a:t>
-            </a:r>
-            <a:endParaRPr lang="ko-KR" altLang="en-US" sz="4000">
-              <a:solidFill>
-                <a:schemeClr val="tx1">
-                  <a:lumMod val="75000"/>
-                  <a:lumOff val="25000"/>
-                </a:schemeClr>
-              </a:solidFill>
-            </a:endParaRPr>
-          </a:p>
-        </p:txBody>
-      </p:sp>
-      <p:sp>
-        <p:nvSpPr>
-          <p:cNvPr id="51" name="TextBox 50">
-            <a:extLst>
-              <a:ext uri="{FF2B5EF4-FFF2-40B4-BE49-F238E27FC236}">
-                <a16:creationId xmlns:a16="http://schemas.microsoft.com/office/drawing/2014/main" id="{44AEF64F-B288-457A-82FE-064BC99E4C6B}"/>
-              </a:ext>
-            </a:extLst>
-          </p:cNvPr>
-          <p:cNvSpPr txBox="1"/>
-          <p:nvPr/>
-        </p:nvSpPr>
-        <p:spPr>
-          <a:xfrm>
-            <a:off x="10376764" y="6308324"/>
-            <a:ext cx="1406154" cy="230832"/>
-          </a:xfrm>
-          <a:prstGeom prst="rect">
-            <a:avLst/>
-          </a:prstGeom>
-          <a:noFill/>
-        </p:spPr>
-        <p:txBody>
-          <a:bodyPr wrap="none" rtlCol="0">
-            <a:spAutoFit/>
-          </a:bodyPr>
-          <a:lstStyle/>
-          <a:p>
-            <a:pPr algn="ctr"/>
-            <a:r>
-              <a:rPr lang="ko-KR" altLang="en-US" sz="900">
-                <a:solidFill>
-                  <a:schemeClr val="tx1">
-                    <a:lumMod val="65000"/>
-                    <a:lumOff val="35000"/>
-                  </a:schemeClr>
-                </a:solidFill>
-                <a:latin typeface="나눔스퀘어 Bold" panose="020B0600000101010101" pitchFamily="50" charset="-127"/>
-                <a:ea typeface="나눔스퀘어 Bold" panose="020B0600000101010101" pitchFamily="50" charset="-127"/>
-              </a:rPr>
-              <a:t>여기에는 내용을 </a:t>
-            </a:r>
-            <a:r>
-              <a:rPr lang="ko-KR" altLang="en-US" sz="900" err="1">
-                <a:solidFill>
-                  <a:schemeClr val="tx1">
-                    <a:lumMod val="65000"/>
-                    <a:lumOff val="35000"/>
-                  </a:schemeClr>
-                </a:solidFill>
-                <a:latin typeface="나눔스퀘어 Bold" panose="020B0600000101010101" pitchFamily="50" charset="-127"/>
-                <a:ea typeface="나눔스퀘어 Bold" panose="020B0600000101010101" pitchFamily="50" charset="-127"/>
-              </a:rPr>
-              <a:t>넣어주렴</a:t>
-            </a:r>
-            <a:endParaRPr lang="ko-KR" altLang="en-US" sz="900">
-              <a:solidFill>
-                <a:schemeClr val="tx1">
-                  <a:lumMod val="65000"/>
-                  <a:lumOff val="35000"/>
-                </a:schemeClr>
-              </a:solidFill>
-              <a:latin typeface="나눔스퀘어" panose="020B0600000101010101" pitchFamily="50" charset="-127"/>
-              <a:ea typeface="나눔스퀘어" panose="020B0600000101010101" pitchFamily="50" charset="-127"/>
-            </a:endParaRPr>
-          </a:p>
-        </p:txBody>
-      </p:sp>
-      <p:pic>
-        <p:nvPicPr>
-          <p:cNvPr id="2" name="그림 1">
-            <a:extLst>
-              <a:ext uri="{FF2B5EF4-FFF2-40B4-BE49-F238E27FC236}">
-                <a16:creationId xmlns:a16="http://schemas.microsoft.com/office/drawing/2014/main" id="{0ED8579B-1CE0-408B-A98F-3314302BC011}"/>
-              </a:ext>
-            </a:extLst>
-          </p:cNvPr>
-          <p:cNvPicPr>
-            <a:picLocks noChangeAspect="1"/>
-          </p:cNvPicPr>
-          <p:nvPr/>
-        </p:nvPicPr>
-        <p:blipFill>
-          <a:blip r:embed="rId3"/>
-          <a:stretch>
-            <a:fillRect/>
-          </a:stretch>
-        </p:blipFill>
-        <p:spPr>
-          <a:xfrm>
-            <a:off x="1090613" y="762907"/>
-            <a:ext cx="10010775" cy="4895850"/>
+            <a:off x="10665808" y="4844876"/>
+            <a:ext cx="980885" cy="1226106"/>
           </a:xfrm>
           <a:prstGeom prst="rect">
             <a:avLst/>
@@ -5283,7 +4959,7 @@
 </p:sld>
 </file>
 
-<file path=ppt/slides/slide7.xml><?xml version="1.0" encoding="utf-8"?>
+<file path=ppt/slides/slide6.xml><?xml version="1.0" encoding="utf-8"?>
 <p:sld xmlns:a="http://schemas.openxmlformats.org/drawingml/2006/main" xmlns:r="http://schemas.openxmlformats.org/officeDocument/2006/relationships" xmlns:p="http://schemas.openxmlformats.org/presentationml/2006/main">
   <p:cSld>
     <p:spTree>
@@ -5677,7 +5353,7 @@
           <a:lstStyle/>
           <a:p>
             <a:r>
-              <a:rPr lang="ko-KR" altLang="en-US" sz="4000" spc="300">
+              <a:rPr lang="ko-KR" altLang="en-US" sz="4000" spc="300" dirty="0">
                 <a:solidFill>
                   <a:schemeClr val="tx1">
                     <a:lumMod val="75000"/>
@@ -5690,7 +5366,7 @@
               <a:t>기술자</a:t>
             </a:r>
             <a:r>
-              <a:rPr lang="en-US" altLang="ko-KR" sz="4000" spc="300">
+              <a:rPr lang="en-US" altLang="ko-KR" sz="4000" spc="300" dirty="0">
                 <a:solidFill>
                   <a:schemeClr val="tx1">
                     <a:lumMod val="75000"/>
@@ -5702,7 +5378,7 @@
               </a:rPr>
               <a:t>A</a:t>
             </a:r>
-            <a:endParaRPr lang="ko-KR" altLang="en-US" sz="4000">
+            <a:endParaRPr lang="ko-KR" altLang="en-US" sz="4000" dirty="0">
               <a:solidFill>
                 <a:schemeClr val="tx1">
                   <a:lumMod val="75000"/>
@@ -5741,7 +5417,7 @@
           <a:lstStyle/>
           <a:p>
             <a:r>
-              <a:rPr lang="ko-KR" altLang="en-US" sz="4000" spc="300">
+              <a:rPr lang="ko-KR" altLang="en-US" sz="4000" spc="300" dirty="0">
                 <a:solidFill>
                   <a:schemeClr val="tx1">
                     <a:lumMod val="75000"/>
@@ -5754,7 +5430,7 @@
               <a:t>공학자</a:t>
             </a:r>
             <a:r>
-              <a:rPr lang="en-US" altLang="ko-KR" sz="4000" spc="300">
+              <a:rPr lang="en-US" altLang="ko-KR" sz="4000" spc="300" dirty="0">
                 <a:solidFill>
                   <a:schemeClr val="tx1">
                     <a:lumMod val="75000"/>
@@ -5766,7 +5442,7 @@
               </a:rPr>
               <a:t>B</a:t>
             </a:r>
-            <a:endParaRPr lang="ko-KR" altLang="en-US" sz="4000">
+            <a:endParaRPr lang="ko-KR" altLang="en-US" sz="4000" dirty="0">
               <a:solidFill>
                 <a:schemeClr val="tx1">
                   <a:lumMod val="75000"/>
@@ -5846,7 +5522,7 @@
         </p:nvSpPr>
         <p:spPr>
           <a:xfrm>
-            <a:off x="10576142" y="6421613"/>
+            <a:off x="10880942" y="6421613"/>
             <a:ext cx="463589" cy="276999"/>
           </a:xfrm>
           <a:prstGeom prst="rect">
@@ -5862,7 +5538,7 @@
           <a:p>
             <a:pPr algn="ctr"/>
             <a:r>
-              <a:rPr lang="ko-KR" altLang="en-US" sz="1200">
+              <a:rPr lang="ko-KR" altLang="en-US" sz="1200" dirty="0">
                 <a:solidFill>
                   <a:schemeClr val="tx1">
                     <a:lumMod val="65000"/>
@@ -5874,7 +5550,7 @@
               </a:rPr>
               <a:t>상사</a:t>
             </a:r>
-            <a:endParaRPr lang="ko-KR" altLang="en-US" sz="1200">
+            <a:endParaRPr lang="ko-KR" altLang="en-US" sz="1200" dirty="0">
               <a:solidFill>
                 <a:schemeClr val="tx1">
                   <a:lumMod val="65000"/>
@@ -5901,8 +5577,8 @@
         </p:nvSpPr>
         <p:spPr>
           <a:xfrm rot="11667171">
-            <a:off x="4982021" y="3563960"/>
-            <a:ext cx="4870379" cy="287327"/>
+            <a:off x="4993993" y="3469531"/>
+            <a:ext cx="4870379" cy="383274"/>
           </a:xfrm>
           <a:custGeom>
             <a:avLst/>
@@ -6077,7 +5753,7 @@
           <a:p>
             <a:pPr algn="ctr"/>
             <a:r>
-              <a:rPr lang="ko-KR" altLang="en-US" sz="1200">
+              <a:rPr lang="ko-KR" altLang="en-US" sz="1200" dirty="0">
                 <a:solidFill>
                   <a:schemeClr val="tx1">
                     <a:lumMod val="65000"/>
@@ -6090,7 +5766,7 @@
               <a:t>원칙</a:t>
             </a:r>
             <a:r>
-              <a:rPr lang="en-US" altLang="ko-KR" sz="1200">
+              <a:rPr lang="en-US" altLang="ko-KR" sz="1200" dirty="0">
                 <a:solidFill>
                   <a:schemeClr val="tx1">
                     <a:lumMod val="65000"/>
@@ -6103,7 +5779,7 @@
               <a:t>: </a:t>
             </a:r>
             <a:r>
-              <a:rPr lang="ko-KR" altLang="en-US" sz="1200">
+              <a:rPr lang="ko-KR" altLang="en-US" sz="1200" dirty="0">
                 <a:solidFill>
                   <a:schemeClr val="tx1">
                     <a:lumMod val="65000"/>
@@ -6116,7 +5792,7 @@
               <a:t>드럼통은 적절한 장소로 이동한 다음</a:t>
             </a:r>
             <a:r>
-              <a:rPr lang="en-US" altLang="ko-KR" sz="1200">
+              <a:rPr lang="en-US" altLang="ko-KR" sz="1200" dirty="0">
                 <a:solidFill>
                   <a:schemeClr val="tx1">
                     <a:lumMod val="65000"/>
@@ -6129,7 +5805,7 @@
               <a:t>, </a:t>
             </a:r>
             <a:r>
-              <a:rPr lang="ko-KR" altLang="en-US" sz="1200">
+              <a:rPr lang="ko-KR" altLang="en-US" sz="1200" dirty="0">
                 <a:solidFill>
                   <a:schemeClr val="tx1">
                     <a:lumMod val="65000"/>
@@ -6141,7 +5817,7 @@
               </a:rPr>
               <a:t>정부에 알리고 법적인 절차를 밟아서 폐기</a:t>
             </a:r>
-            <a:endParaRPr lang="ko-KR" altLang="en-US" sz="1200">
+            <a:endParaRPr lang="ko-KR" altLang="en-US" sz="1200" dirty="0">
               <a:solidFill>
                 <a:schemeClr val="tx1">
                   <a:lumMod val="65000"/>
@@ -6168,8 +5844,8 @@
         </p:nvSpPr>
         <p:spPr>
           <a:xfrm rot="917733">
-            <a:off x="5581093" y="1590204"/>
-            <a:ext cx="4666447" cy="309909"/>
+            <a:off x="5591706" y="1511169"/>
+            <a:ext cx="4666447" cy="390370"/>
           </a:xfrm>
           <a:custGeom>
             <a:avLst/>
@@ -6281,7 +5957,7 @@
         </p:nvSpPr>
         <p:spPr>
           <a:xfrm rot="854600">
-            <a:off x="5480168" y="3558928"/>
+            <a:off x="5470741" y="3511793"/>
             <a:ext cx="4200189" cy="369332"/>
           </a:xfrm>
           <a:prstGeom prst="rect">
@@ -6295,7 +5971,7 @@
           <a:lstStyle/>
           <a:p>
             <a:r>
-              <a:rPr lang="ko-KR" altLang="en-US" spc="300">
+              <a:rPr lang="ko-KR" altLang="en-US" spc="300" dirty="0">
                 <a:solidFill>
                   <a:schemeClr val="tx1">
                     <a:lumMod val="75000"/>
@@ -6307,7 +5983,7 @@
               </a:rPr>
               <a:t>샘플의 존재를 문서로만 남겨놓으라</a:t>
             </a:r>
-            <a:endParaRPr lang="ko-KR" altLang="en-US">
+            <a:endParaRPr lang="ko-KR" altLang="en-US" dirty="0">
               <a:solidFill>
                 <a:schemeClr val="tx1">
                   <a:lumMod val="75000"/>
@@ -6331,8 +6007,8 @@
           <p:nvPr/>
         </p:nvSpPr>
         <p:spPr>
-          <a:xfrm rot="854863">
-            <a:off x="6540626" y="1470598"/>
+          <a:xfrm rot="949906">
+            <a:off x="6644323" y="1461171"/>
             <a:ext cx="2239716" cy="400110"/>
           </a:xfrm>
           <a:prstGeom prst="rect">
@@ -6346,7 +6022,7 @@
           <a:lstStyle/>
           <a:p>
             <a:r>
-              <a:rPr lang="ko-KR" altLang="en-US" sz="2000" spc="300">
+              <a:rPr lang="ko-KR" altLang="en-US" sz="2000" spc="300" dirty="0">
                 <a:solidFill>
                   <a:schemeClr val="tx1">
                     <a:lumMod val="75000"/>
@@ -6359,7 +6035,7 @@
               <a:t>어떻게 할까요</a:t>
             </a:r>
             <a:r>
-              <a:rPr lang="en-US" altLang="ko-KR" sz="2000" spc="300">
+              <a:rPr lang="en-US" altLang="ko-KR" sz="2000" spc="300" dirty="0">
                 <a:solidFill>
                   <a:schemeClr val="tx1">
                     <a:lumMod val="75000"/>
@@ -6371,7 +6047,7 @@
               </a:rPr>
               <a:t>?</a:t>
             </a:r>
-            <a:endParaRPr lang="ko-KR" altLang="en-US" sz="2000">
+            <a:endParaRPr lang="ko-KR" altLang="en-US" sz="2000" dirty="0">
               <a:solidFill>
                 <a:schemeClr val="tx1">
                   <a:lumMod val="75000"/>
@@ -6538,8 +6214,8 @@
           <p:nvPr/>
         </p:nvSpPr>
         <p:spPr>
-          <a:xfrm rot="1319274">
-            <a:off x="1313357" y="4251722"/>
+          <a:xfrm rot="1545879">
+            <a:off x="1322784" y="4242295"/>
             <a:ext cx="1002197" cy="400110"/>
           </a:xfrm>
           <a:prstGeom prst="rect">
@@ -6553,7 +6229,7 @@
           <a:lstStyle/>
           <a:p>
             <a:r>
-              <a:rPr lang="ko-KR" altLang="en-US" sz="2000" spc="300">
+              <a:rPr lang="ko-KR" altLang="en-US" sz="2000" spc="300" dirty="0">
                 <a:solidFill>
                   <a:schemeClr val="tx1">
                     <a:lumMod val="75000"/>
@@ -6565,7 +6241,7 @@
               </a:rPr>
               <a:t>의뢰인</a:t>
             </a:r>
-            <a:endParaRPr lang="ko-KR" altLang="en-US" sz="2000">
+            <a:endParaRPr lang="ko-KR" altLang="en-US" sz="2000" dirty="0">
               <a:solidFill>
                 <a:schemeClr val="tx1">
                   <a:lumMod val="75000"/>
@@ -6589,8 +6265,8 @@
           <p:nvPr/>
         </p:nvSpPr>
         <p:spPr>
-          <a:xfrm rot="18942963">
-            <a:off x="-370267" y="2598680"/>
+          <a:xfrm rot="19030807">
+            <a:off x="-398548" y="2598680"/>
             <a:ext cx="4608954" cy="584775"/>
           </a:xfrm>
           <a:prstGeom prst="rect">
@@ -6604,7 +6280,7 @@
           <a:lstStyle/>
           <a:p>
             <a:r>
-              <a:rPr lang="ko-KR" altLang="en-US" sz="1600" spc="300">
+              <a:rPr lang="ko-KR" altLang="en-US" sz="1600" spc="300" dirty="0">
                 <a:solidFill>
                   <a:schemeClr val="tx1">
                     <a:lumMod val="75000"/>
@@ -6617,7 +6293,7 @@
               <a:t>드럼통 에 위험한 물질이 들어있습니다</a:t>
             </a:r>
             <a:r>
-              <a:rPr lang="en-US" altLang="ko-KR" sz="1600" spc="300">
+              <a:rPr lang="en-US" altLang="ko-KR" sz="1600" spc="300" dirty="0">
                 <a:solidFill>
                   <a:schemeClr val="tx1">
                     <a:lumMod val="75000"/>
@@ -6632,7 +6308,7 @@
           </a:p>
           <a:p>
             <a:r>
-              <a:rPr lang="ko-KR" altLang="en-US" sz="1600" spc="300">
+              <a:rPr lang="ko-KR" altLang="en-US" sz="1600" spc="300" dirty="0">
                 <a:solidFill>
                   <a:schemeClr val="tx1">
                     <a:lumMod val="75000"/>
@@ -6645,7 +6321,7 @@
               <a:t>빨리 </a:t>
             </a:r>
             <a:r>
-              <a:rPr lang="ko-KR" altLang="en-US" sz="1600" spc="300" err="1">
+              <a:rPr lang="ko-KR" altLang="en-US" sz="1600" spc="300" dirty="0" err="1">
                 <a:solidFill>
                   <a:schemeClr val="tx1">
                     <a:lumMod val="75000"/>
@@ -6658,7 +6334,7 @@
               <a:t>치우시는게</a:t>
             </a:r>
             <a:r>
-              <a:rPr lang="ko-KR" altLang="en-US" sz="1600" spc="300">
+              <a:rPr lang="ko-KR" altLang="en-US" sz="1600" spc="300" dirty="0">
                 <a:solidFill>
                   <a:schemeClr val="tx1">
                     <a:lumMod val="75000"/>
@@ -6671,7 +6347,7 @@
               <a:t> </a:t>
             </a:r>
             <a:r>
-              <a:rPr lang="ko-KR" altLang="en-US" sz="1600" spc="300" err="1">
+              <a:rPr lang="ko-KR" altLang="en-US" sz="1600" spc="300" dirty="0" err="1">
                 <a:solidFill>
                   <a:schemeClr val="tx1">
                     <a:lumMod val="75000"/>
@@ -6684,7 +6360,7 @@
               <a:t>좋을거에요</a:t>
             </a:r>
             <a:r>
-              <a:rPr lang="en-US" altLang="ko-KR" sz="1600" spc="300">
+              <a:rPr lang="en-US" altLang="ko-KR" sz="1600" spc="300" dirty="0">
                 <a:solidFill>
                   <a:schemeClr val="tx1">
                     <a:lumMod val="75000"/>
@@ -6696,7 +6372,7 @@
               </a:rPr>
               <a:t>.</a:t>
             </a:r>
-            <a:endParaRPr lang="ko-KR" altLang="en-US" sz="1600">
+            <a:endParaRPr lang="ko-KR" altLang="en-US" sz="1600" dirty="0">
               <a:solidFill>
                 <a:schemeClr val="tx1">
                   <a:lumMod val="75000"/>
@@ -6729,10 +6405,1061 @@
       </p:transition>
     </mc:Fallback>
   </mc:AlternateContent>
+  <p:timing>
+    <p:tnLst>
+      <p:par>
+        <p:cTn id="1" dur="indefinite" restart="never" nodeType="tmRoot">
+          <p:childTnLst>
+            <p:seq concurrent="1" nextAc="seek">
+              <p:cTn id="2" dur="indefinite" nodeType="mainSeq">
+                <p:childTnLst>
+                  <p:par>
+                    <p:cTn id="3" fill="hold">
+                      <p:stCondLst>
+                        <p:cond delay="indefinite"/>
+                        <p:cond evt="onBegin" delay="0">
+                          <p:tn val="2"/>
+                        </p:cond>
+                      </p:stCondLst>
+                      <p:childTnLst>
+                        <p:par>
+                          <p:cTn id="4" fill="hold">
+                            <p:stCondLst>
+                              <p:cond delay="0"/>
+                            </p:stCondLst>
+                            <p:childTnLst>
+                              <p:par>
+                                <p:cTn id="5" presetID="50" presetClass="entr" presetSubtype="0" decel="100000" fill="hold" nodeType="withEffect">
+                                  <p:stCondLst>
+                                    <p:cond delay="0"/>
+                                  </p:stCondLst>
+                                  <p:childTnLst>
+                                    <p:set>
+                                      <p:cBhvr>
+                                        <p:cTn id="6" dur="1" fill="hold">
+                                          <p:stCondLst>
+                                            <p:cond delay="0"/>
+                                          </p:stCondLst>
+                                        </p:cTn>
+                                        <p:tgtEl>
+                                          <p:spTgt spid="1026"/>
+                                        </p:tgtEl>
+                                        <p:attrNameLst>
+                                          <p:attrName>style.visibility</p:attrName>
+                                        </p:attrNameLst>
+                                      </p:cBhvr>
+                                      <p:to>
+                                        <p:strVal val="visible"/>
+                                      </p:to>
+                                    </p:set>
+                                    <p:anim calcmode="lin" valueType="num">
+                                      <p:cBhvr>
+                                        <p:cTn id="7" dur="1000" fill="hold"/>
+                                        <p:tgtEl>
+                                          <p:spTgt spid="1026"/>
+                                        </p:tgtEl>
+                                        <p:attrNameLst>
+                                          <p:attrName>ppt_w</p:attrName>
+                                        </p:attrNameLst>
+                                      </p:cBhvr>
+                                      <p:tavLst>
+                                        <p:tav tm="0">
+                                          <p:val>
+                                            <p:strVal val="#ppt_w+.3"/>
+                                          </p:val>
+                                        </p:tav>
+                                        <p:tav tm="100000">
+                                          <p:val>
+                                            <p:strVal val="#ppt_w"/>
+                                          </p:val>
+                                        </p:tav>
+                                      </p:tavLst>
+                                    </p:anim>
+                                    <p:anim calcmode="lin" valueType="num">
+                                      <p:cBhvr>
+                                        <p:cTn id="8" dur="1000" fill="hold"/>
+                                        <p:tgtEl>
+                                          <p:spTgt spid="1026"/>
+                                        </p:tgtEl>
+                                        <p:attrNameLst>
+                                          <p:attrName>ppt_h</p:attrName>
+                                        </p:attrNameLst>
+                                      </p:cBhvr>
+                                      <p:tavLst>
+                                        <p:tav tm="0">
+                                          <p:val>
+                                            <p:strVal val="#ppt_h"/>
+                                          </p:val>
+                                        </p:tav>
+                                        <p:tav tm="100000">
+                                          <p:val>
+                                            <p:strVal val="#ppt_h"/>
+                                          </p:val>
+                                        </p:tav>
+                                      </p:tavLst>
+                                    </p:anim>
+                                    <p:animEffect transition="in" filter="fade">
+                                      <p:cBhvr>
+                                        <p:cTn id="9" dur="1000"/>
+                                        <p:tgtEl>
+                                          <p:spTgt spid="1026"/>
+                                        </p:tgtEl>
+                                      </p:cBhvr>
+                                    </p:animEffect>
+                                  </p:childTnLst>
+                                </p:cTn>
+                              </p:par>
+                              <p:par>
+                                <p:cTn id="10" presetID="53" presetClass="entr" presetSubtype="16" fill="hold" grpId="0" nodeType="withEffect">
+                                  <p:stCondLst>
+                                    <p:cond delay="0"/>
+                                  </p:stCondLst>
+                                  <p:childTnLst>
+                                    <p:set>
+                                      <p:cBhvr>
+                                        <p:cTn id="11" dur="1" fill="hold">
+                                          <p:stCondLst>
+                                            <p:cond delay="0"/>
+                                          </p:stCondLst>
+                                        </p:cTn>
+                                        <p:tgtEl>
+                                          <p:spTgt spid="27"/>
+                                        </p:tgtEl>
+                                        <p:attrNameLst>
+                                          <p:attrName>style.visibility</p:attrName>
+                                        </p:attrNameLst>
+                                      </p:cBhvr>
+                                      <p:to>
+                                        <p:strVal val="visible"/>
+                                      </p:to>
+                                    </p:set>
+                                    <p:anim calcmode="lin" valueType="num">
+                                      <p:cBhvr>
+                                        <p:cTn id="12" dur="500" fill="hold"/>
+                                        <p:tgtEl>
+                                          <p:spTgt spid="27"/>
+                                        </p:tgtEl>
+                                        <p:attrNameLst>
+                                          <p:attrName>ppt_w</p:attrName>
+                                        </p:attrNameLst>
+                                      </p:cBhvr>
+                                      <p:tavLst>
+                                        <p:tav tm="0">
+                                          <p:val>
+                                            <p:fltVal val="0"/>
+                                          </p:val>
+                                        </p:tav>
+                                        <p:tav tm="100000">
+                                          <p:val>
+                                            <p:strVal val="#ppt_w"/>
+                                          </p:val>
+                                        </p:tav>
+                                      </p:tavLst>
+                                    </p:anim>
+                                    <p:anim calcmode="lin" valueType="num">
+                                      <p:cBhvr>
+                                        <p:cTn id="13" dur="500" fill="hold"/>
+                                        <p:tgtEl>
+                                          <p:spTgt spid="27"/>
+                                        </p:tgtEl>
+                                        <p:attrNameLst>
+                                          <p:attrName>ppt_h</p:attrName>
+                                        </p:attrNameLst>
+                                      </p:cBhvr>
+                                      <p:tavLst>
+                                        <p:tav tm="0">
+                                          <p:val>
+                                            <p:fltVal val="0"/>
+                                          </p:val>
+                                        </p:tav>
+                                        <p:tav tm="100000">
+                                          <p:val>
+                                            <p:strVal val="#ppt_h"/>
+                                          </p:val>
+                                        </p:tav>
+                                      </p:tavLst>
+                                    </p:anim>
+                                    <p:animEffect transition="in" filter="fade">
+                                      <p:cBhvr>
+                                        <p:cTn id="14" dur="500"/>
+                                        <p:tgtEl>
+                                          <p:spTgt spid="27"/>
+                                        </p:tgtEl>
+                                      </p:cBhvr>
+                                    </p:animEffect>
+                                  </p:childTnLst>
+                                </p:cTn>
+                              </p:par>
+                            </p:childTnLst>
+                          </p:cTn>
+                        </p:par>
+                      </p:childTnLst>
+                    </p:cTn>
+                  </p:par>
+                  <p:par>
+                    <p:cTn id="15" fill="hold">
+                      <p:stCondLst>
+                        <p:cond delay="indefinite"/>
+                      </p:stCondLst>
+                      <p:childTnLst>
+                        <p:par>
+                          <p:cTn id="16" fill="hold">
+                            <p:stCondLst>
+                              <p:cond delay="0"/>
+                            </p:stCondLst>
+                            <p:childTnLst>
+                              <p:par>
+                                <p:cTn id="17" presetID="12" presetClass="entr" presetSubtype="4" fill="hold" nodeType="clickEffect">
+                                  <p:stCondLst>
+                                    <p:cond delay="0"/>
+                                  </p:stCondLst>
+                                  <p:childTnLst>
+                                    <p:set>
+                                      <p:cBhvr>
+                                        <p:cTn id="18" dur="1" fill="hold">
+                                          <p:stCondLst>
+                                            <p:cond delay="0"/>
+                                          </p:stCondLst>
+                                        </p:cTn>
+                                        <p:tgtEl>
+                                          <p:spTgt spid="14"/>
+                                        </p:tgtEl>
+                                        <p:attrNameLst>
+                                          <p:attrName>style.visibility</p:attrName>
+                                        </p:attrNameLst>
+                                      </p:cBhvr>
+                                      <p:to>
+                                        <p:strVal val="visible"/>
+                                      </p:to>
+                                    </p:set>
+                                    <p:anim calcmode="lin" valueType="num">
+                                      <p:cBhvr additive="base">
+                                        <p:cTn id="19" dur="500"/>
+                                        <p:tgtEl>
+                                          <p:spTgt spid="14"/>
+                                        </p:tgtEl>
+                                        <p:attrNameLst>
+                                          <p:attrName>ppt_y</p:attrName>
+                                        </p:attrNameLst>
+                                      </p:cBhvr>
+                                      <p:tavLst>
+                                        <p:tav tm="0">
+                                          <p:val>
+                                            <p:strVal val="#ppt_y+#ppt_h*1.125000"/>
+                                          </p:val>
+                                        </p:tav>
+                                        <p:tav tm="100000">
+                                          <p:val>
+                                            <p:strVal val="#ppt_y"/>
+                                          </p:val>
+                                        </p:tav>
+                                      </p:tavLst>
+                                    </p:anim>
+                                    <p:animEffect transition="in" filter="wipe(up)">
+                                      <p:cBhvr>
+                                        <p:cTn id="20" dur="500"/>
+                                        <p:tgtEl>
+                                          <p:spTgt spid="14"/>
+                                        </p:tgtEl>
+                                      </p:cBhvr>
+                                    </p:animEffect>
+                                  </p:childTnLst>
+                                </p:cTn>
+                              </p:par>
+                              <p:par>
+                                <p:cTn id="21" presetID="12" presetClass="entr" presetSubtype="4" fill="hold" grpId="0" nodeType="withEffect">
+                                  <p:stCondLst>
+                                    <p:cond delay="0"/>
+                                  </p:stCondLst>
+                                  <p:childTnLst>
+                                    <p:set>
+                                      <p:cBhvr>
+                                        <p:cTn id="22" dur="1" fill="hold">
+                                          <p:stCondLst>
+                                            <p:cond delay="0"/>
+                                          </p:stCondLst>
+                                        </p:cTn>
+                                        <p:tgtEl>
+                                          <p:spTgt spid="22"/>
+                                        </p:tgtEl>
+                                        <p:attrNameLst>
+                                          <p:attrName>style.visibility</p:attrName>
+                                        </p:attrNameLst>
+                                      </p:cBhvr>
+                                      <p:to>
+                                        <p:strVal val="visible"/>
+                                      </p:to>
+                                    </p:set>
+                                    <p:anim calcmode="lin" valueType="num">
+                                      <p:cBhvr additive="base">
+                                        <p:cTn id="23" dur="500"/>
+                                        <p:tgtEl>
+                                          <p:spTgt spid="22"/>
+                                        </p:tgtEl>
+                                        <p:attrNameLst>
+                                          <p:attrName>ppt_y</p:attrName>
+                                        </p:attrNameLst>
+                                      </p:cBhvr>
+                                      <p:tavLst>
+                                        <p:tav tm="0">
+                                          <p:val>
+                                            <p:strVal val="#ppt_y+#ppt_h*1.125000"/>
+                                          </p:val>
+                                        </p:tav>
+                                        <p:tav tm="100000">
+                                          <p:val>
+                                            <p:strVal val="#ppt_y"/>
+                                          </p:val>
+                                        </p:tav>
+                                      </p:tavLst>
+                                    </p:anim>
+                                    <p:animEffect transition="in" filter="wipe(up)">
+                                      <p:cBhvr>
+                                        <p:cTn id="24" dur="500"/>
+                                        <p:tgtEl>
+                                          <p:spTgt spid="22"/>
+                                        </p:tgtEl>
+                                      </p:cBhvr>
+                                    </p:animEffect>
+                                  </p:childTnLst>
+                                </p:cTn>
+                              </p:par>
+                              <p:par>
+                                <p:cTn id="25" presetID="12" presetClass="entr" presetSubtype="4" fill="hold" grpId="0" nodeType="withEffect">
+                                  <p:stCondLst>
+                                    <p:cond delay="0"/>
+                                  </p:stCondLst>
+                                  <p:childTnLst>
+                                    <p:set>
+                                      <p:cBhvr>
+                                        <p:cTn id="26" dur="1" fill="hold">
+                                          <p:stCondLst>
+                                            <p:cond delay="0"/>
+                                          </p:stCondLst>
+                                        </p:cTn>
+                                        <p:tgtEl>
+                                          <p:spTgt spid="24"/>
+                                        </p:tgtEl>
+                                        <p:attrNameLst>
+                                          <p:attrName>style.visibility</p:attrName>
+                                        </p:attrNameLst>
+                                      </p:cBhvr>
+                                      <p:to>
+                                        <p:strVal val="visible"/>
+                                      </p:to>
+                                    </p:set>
+                                    <p:anim calcmode="lin" valueType="num">
+                                      <p:cBhvr additive="base">
+                                        <p:cTn id="27" dur="500"/>
+                                        <p:tgtEl>
+                                          <p:spTgt spid="24"/>
+                                        </p:tgtEl>
+                                        <p:attrNameLst>
+                                          <p:attrName>ppt_y</p:attrName>
+                                        </p:attrNameLst>
+                                      </p:cBhvr>
+                                      <p:tavLst>
+                                        <p:tav tm="0">
+                                          <p:val>
+                                            <p:strVal val="#ppt_y+#ppt_h*1.125000"/>
+                                          </p:val>
+                                        </p:tav>
+                                        <p:tav tm="100000">
+                                          <p:val>
+                                            <p:strVal val="#ppt_y"/>
+                                          </p:val>
+                                        </p:tav>
+                                      </p:tavLst>
+                                    </p:anim>
+                                    <p:animEffect transition="in" filter="wipe(up)">
+                                      <p:cBhvr>
+                                        <p:cTn id="28" dur="500"/>
+                                        <p:tgtEl>
+                                          <p:spTgt spid="24"/>
+                                        </p:tgtEl>
+                                      </p:cBhvr>
+                                    </p:animEffect>
+                                  </p:childTnLst>
+                                </p:cTn>
+                              </p:par>
+                            </p:childTnLst>
+                          </p:cTn>
+                        </p:par>
+                        <p:par>
+                          <p:cTn id="29" fill="hold">
+                            <p:stCondLst>
+                              <p:cond delay="500"/>
+                            </p:stCondLst>
+                            <p:childTnLst>
+                              <p:par>
+                                <p:cTn id="30" presetID="22" presetClass="entr" presetSubtype="8" fill="hold" grpId="0" nodeType="afterEffect">
+                                  <p:stCondLst>
+                                    <p:cond delay="0"/>
+                                  </p:stCondLst>
+                                  <p:childTnLst>
+                                    <p:set>
+                                      <p:cBhvr>
+                                        <p:cTn id="31" dur="1" fill="hold">
+                                          <p:stCondLst>
+                                            <p:cond delay="0"/>
+                                          </p:stCondLst>
+                                        </p:cTn>
+                                        <p:tgtEl>
+                                          <p:spTgt spid="29"/>
+                                        </p:tgtEl>
+                                        <p:attrNameLst>
+                                          <p:attrName>style.visibility</p:attrName>
+                                        </p:attrNameLst>
+                                      </p:cBhvr>
+                                      <p:to>
+                                        <p:strVal val="visible"/>
+                                      </p:to>
+                                    </p:set>
+                                    <p:animEffect transition="in" filter="wipe(left)">
+                                      <p:cBhvr>
+                                        <p:cTn id="32" dur="500"/>
+                                        <p:tgtEl>
+                                          <p:spTgt spid="29"/>
+                                        </p:tgtEl>
+                                      </p:cBhvr>
+                                    </p:animEffect>
+                                  </p:childTnLst>
+                                </p:cTn>
+                              </p:par>
+                              <p:par>
+                                <p:cTn id="33" presetID="12" presetClass="entr" presetSubtype="8" fill="hold" grpId="0" nodeType="withEffect">
+                                  <p:stCondLst>
+                                    <p:cond delay="0"/>
+                                  </p:stCondLst>
+                                  <p:childTnLst>
+                                    <p:set>
+                                      <p:cBhvr>
+                                        <p:cTn id="34" dur="1" fill="hold">
+                                          <p:stCondLst>
+                                            <p:cond delay="0"/>
+                                          </p:stCondLst>
+                                        </p:cTn>
+                                        <p:tgtEl>
+                                          <p:spTgt spid="31"/>
+                                        </p:tgtEl>
+                                        <p:attrNameLst>
+                                          <p:attrName>style.visibility</p:attrName>
+                                        </p:attrNameLst>
+                                      </p:cBhvr>
+                                      <p:to>
+                                        <p:strVal val="visible"/>
+                                      </p:to>
+                                    </p:set>
+                                    <p:anim calcmode="lin" valueType="num">
+                                      <p:cBhvr additive="base">
+                                        <p:cTn id="35" dur="500"/>
+                                        <p:tgtEl>
+                                          <p:spTgt spid="31"/>
+                                        </p:tgtEl>
+                                        <p:attrNameLst>
+                                          <p:attrName>ppt_x</p:attrName>
+                                        </p:attrNameLst>
+                                      </p:cBhvr>
+                                      <p:tavLst>
+                                        <p:tav tm="0">
+                                          <p:val>
+                                            <p:strVal val="#ppt_x-#ppt_w*1.125000"/>
+                                          </p:val>
+                                        </p:tav>
+                                        <p:tav tm="100000">
+                                          <p:val>
+                                            <p:strVal val="#ppt_x"/>
+                                          </p:val>
+                                        </p:tav>
+                                      </p:tavLst>
+                                    </p:anim>
+                                    <p:animEffect transition="in" filter="wipe(right)">
+                                      <p:cBhvr>
+                                        <p:cTn id="36" dur="500"/>
+                                        <p:tgtEl>
+                                          <p:spTgt spid="31"/>
+                                        </p:tgtEl>
+                                      </p:cBhvr>
+                                    </p:animEffect>
+                                  </p:childTnLst>
+                                </p:cTn>
+                              </p:par>
+                            </p:childTnLst>
+                          </p:cTn>
+                        </p:par>
+                        <p:par>
+                          <p:cTn id="37" fill="hold">
+                            <p:stCondLst>
+                              <p:cond delay="1000"/>
+                            </p:stCondLst>
+                            <p:childTnLst>
+                              <p:par>
+                                <p:cTn id="38" presetID="12" presetClass="entr" presetSubtype="4" fill="hold" nodeType="afterEffect">
+                                  <p:stCondLst>
+                                    <p:cond delay="0"/>
+                                  </p:stCondLst>
+                                  <p:childTnLst>
+                                    <p:set>
+                                      <p:cBhvr>
+                                        <p:cTn id="39" dur="1" fill="hold">
+                                          <p:stCondLst>
+                                            <p:cond delay="0"/>
+                                          </p:stCondLst>
+                                        </p:cTn>
+                                        <p:tgtEl>
+                                          <p:spTgt spid="21"/>
+                                        </p:tgtEl>
+                                        <p:attrNameLst>
+                                          <p:attrName>style.visibility</p:attrName>
+                                        </p:attrNameLst>
+                                      </p:cBhvr>
+                                      <p:to>
+                                        <p:strVal val="visible"/>
+                                      </p:to>
+                                    </p:set>
+                                    <p:anim calcmode="lin" valueType="num">
+                                      <p:cBhvr additive="base">
+                                        <p:cTn id="40" dur="500"/>
+                                        <p:tgtEl>
+                                          <p:spTgt spid="21"/>
+                                        </p:tgtEl>
+                                        <p:attrNameLst>
+                                          <p:attrName>ppt_y</p:attrName>
+                                        </p:attrNameLst>
+                                      </p:cBhvr>
+                                      <p:tavLst>
+                                        <p:tav tm="0">
+                                          <p:val>
+                                            <p:strVal val="#ppt_y+#ppt_h*1.125000"/>
+                                          </p:val>
+                                        </p:tav>
+                                        <p:tav tm="100000">
+                                          <p:val>
+                                            <p:strVal val="#ppt_y"/>
+                                          </p:val>
+                                        </p:tav>
+                                      </p:tavLst>
+                                    </p:anim>
+                                    <p:animEffect transition="in" filter="wipe(up)">
+                                      <p:cBhvr>
+                                        <p:cTn id="41" dur="500"/>
+                                        <p:tgtEl>
+                                          <p:spTgt spid="21"/>
+                                        </p:tgtEl>
+                                      </p:cBhvr>
+                                    </p:animEffect>
+                                  </p:childTnLst>
+                                </p:cTn>
+                              </p:par>
+                              <p:par>
+                                <p:cTn id="42" presetID="12" presetClass="entr" presetSubtype="4" fill="hold" grpId="0" nodeType="withEffect">
+                                  <p:stCondLst>
+                                    <p:cond delay="0"/>
+                                  </p:stCondLst>
+                                  <p:childTnLst>
+                                    <p:set>
+                                      <p:cBhvr>
+                                        <p:cTn id="43" dur="1" fill="hold">
+                                          <p:stCondLst>
+                                            <p:cond delay="0"/>
+                                          </p:stCondLst>
+                                        </p:cTn>
+                                        <p:tgtEl>
+                                          <p:spTgt spid="23"/>
+                                        </p:tgtEl>
+                                        <p:attrNameLst>
+                                          <p:attrName>style.visibility</p:attrName>
+                                        </p:attrNameLst>
+                                      </p:cBhvr>
+                                      <p:to>
+                                        <p:strVal val="visible"/>
+                                      </p:to>
+                                    </p:set>
+                                    <p:anim calcmode="lin" valueType="num">
+                                      <p:cBhvr additive="base">
+                                        <p:cTn id="44" dur="500"/>
+                                        <p:tgtEl>
+                                          <p:spTgt spid="23"/>
+                                        </p:tgtEl>
+                                        <p:attrNameLst>
+                                          <p:attrName>ppt_y</p:attrName>
+                                        </p:attrNameLst>
+                                      </p:cBhvr>
+                                      <p:tavLst>
+                                        <p:tav tm="0">
+                                          <p:val>
+                                            <p:strVal val="#ppt_y+#ppt_h*1.125000"/>
+                                          </p:val>
+                                        </p:tav>
+                                        <p:tav tm="100000">
+                                          <p:val>
+                                            <p:strVal val="#ppt_y"/>
+                                          </p:val>
+                                        </p:tav>
+                                      </p:tavLst>
+                                    </p:anim>
+                                    <p:animEffect transition="in" filter="wipe(up)">
+                                      <p:cBhvr>
+                                        <p:cTn id="45" dur="500"/>
+                                        <p:tgtEl>
+                                          <p:spTgt spid="23"/>
+                                        </p:tgtEl>
+                                      </p:cBhvr>
+                                    </p:animEffect>
+                                  </p:childTnLst>
+                                </p:cTn>
+                              </p:par>
+                              <p:par>
+                                <p:cTn id="46" presetID="12" presetClass="entr" presetSubtype="4" fill="hold" grpId="0" nodeType="withEffect">
+                                  <p:stCondLst>
+                                    <p:cond delay="0"/>
+                                  </p:stCondLst>
+                                  <p:childTnLst>
+                                    <p:set>
+                                      <p:cBhvr>
+                                        <p:cTn id="47" dur="1" fill="hold">
+                                          <p:stCondLst>
+                                            <p:cond delay="0"/>
+                                          </p:stCondLst>
+                                        </p:cTn>
+                                        <p:tgtEl>
+                                          <p:spTgt spid="25"/>
+                                        </p:tgtEl>
+                                        <p:attrNameLst>
+                                          <p:attrName>style.visibility</p:attrName>
+                                        </p:attrNameLst>
+                                      </p:cBhvr>
+                                      <p:to>
+                                        <p:strVal val="visible"/>
+                                      </p:to>
+                                    </p:set>
+                                    <p:anim calcmode="lin" valueType="num">
+                                      <p:cBhvr additive="base">
+                                        <p:cTn id="48" dur="500"/>
+                                        <p:tgtEl>
+                                          <p:spTgt spid="25"/>
+                                        </p:tgtEl>
+                                        <p:attrNameLst>
+                                          <p:attrName>ppt_y</p:attrName>
+                                        </p:attrNameLst>
+                                      </p:cBhvr>
+                                      <p:tavLst>
+                                        <p:tav tm="0">
+                                          <p:val>
+                                            <p:strVal val="#ppt_y+#ppt_h*1.125000"/>
+                                          </p:val>
+                                        </p:tav>
+                                        <p:tav tm="100000">
+                                          <p:val>
+                                            <p:strVal val="#ppt_y"/>
+                                          </p:val>
+                                        </p:tav>
+                                      </p:tavLst>
+                                    </p:anim>
+                                    <p:animEffect transition="in" filter="wipe(up)">
+                                      <p:cBhvr>
+                                        <p:cTn id="49" dur="500"/>
+                                        <p:tgtEl>
+                                          <p:spTgt spid="25"/>
+                                        </p:tgtEl>
+                                      </p:cBhvr>
+                                    </p:animEffect>
+                                  </p:childTnLst>
+                                </p:cTn>
+                              </p:par>
+                            </p:childTnLst>
+                          </p:cTn>
+                        </p:par>
+                      </p:childTnLst>
+                    </p:cTn>
+                  </p:par>
+                  <p:par>
+                    <p:cTn id="50" fill="hold">
+                      <p:stCondLst>
+                        <p:cond delay="indefinite"/>
+                      </p:stCondLst>
+                      <p:childTnLst>
+                        <p:par>
+                          <p:cTn id="51" fill="hold">
+                            <p:stCondLst>
+                              <p:cond delay="0"/>
+                            </p:stCondLst>
+                            <p:childTnLst>
+                              <p:par>
+                                <p:cTn id="52" presetID="22" presetClass="entr" presetSubtype="4" fill="hold" grpId="0" nodeType="clickEffect">
+                                  <p:stCondLst>
+                                    <p:cond delay="0"/>
+                                  </p:stCondLst>
+                                  <p:childTnLst>
+                                    <p:set>
+                                      <p:cBhvr>
+                                        <p:cTn id="53" dur="1" fill="hold">
+                                          <p:stCondLst>
+                                            <p:cond delay="0"/>
+                                          </p:stCondLst>
+                                        </p:cTn>
+                                        <p:tgtEl>
+                                          <p:spTgt spid="26"/>
+                                        </p:tgtEl>
+                                        <p:attrNameLst>
+                                          <p:attrName>style.visibility</p:attrName>
+                                        </p:attrNameLst>
+                                      </p:cBhvr>
+                                      <p:to>
+                                        <p:strVal val="visible"/>
+                                      </p:to>
+                                    </p:set>
+                                    <p:animEffect transition="in" filter="wipe(down)">
+                                      <p:cBhvr>
+                                        <p:cTn id="54" dur="500"/>
+                                        <p:tgtEl>
+                                          <p:spTgt spid="26"/>
+                                        </p:tgtEl>
+                                      </p:cBhvr>
+                                    </p:animEffect>
+                                  </p:childTnLst>
+                                </p:cTn>
+                              </p:par>
+                              <p:par>
+                                <p:cTn id="55" presetID="12" presetClass="entr" presetSubtype="4" fill="hold" grpId="0" nodeType="withEffect">
+                                  <p:stCondLst>
+                                    <p:cond delay="0"/>
+                                  </p:stCondLst>
+                                  <p:childTnLst>
+                                    <p:set>
+                                      <p:cBhvr>
+                                        <p:cTn id="56" dur="1" fill="hold">
+                                          <p:stCondLst>
+                                            <p:cond delay="0"/>
+                                          </p:stCondLst>
+                                        </p:cTn>
+                                        <p:tgtEl>
+                                          <p:spTgt spid="30"/>
+                                        </p:tgtEl>
+                                        <p:attrNameLst>
+                                          <p:attrName>style.visibility</p:attrName>
+                                        </p:attrNameLst>
+                                      </p:cBhvr>
+                                      <p:to>
+                                        <p:strVal val="visible"/>
+                                      </p:to>
+                                    </p:set>
+                                    <p:anim calcmode="lin" valueType="num">
+                                      <p:cBhvr additive="base">
+                                        <p:cTn id="57" dur="500"/>
+                                        <p:tgtEl>
+                                          <p:spTgt spid="30"/>
+                                        </p:tgtEl>
+                                        <p:attrNameLst>
+                                          <p:attrName>ppt_y</p:attrName>
+                                        </p:attrNameLst>
+                                      </p:cBhvr>
+                                      <p:tavLst>
+                                        <p:tav tm="0">
+                                          <p:val>
+                                            <p:strVal val="#ppt_y+#ppt_h*1.125000"/>
+                                          </p:val>
+                                        </p:tav>
+                                        <p:tav tm="100000">
+                                          <p:val>
+                                            <p:strVal val="#ppt_y"/>
+                                          </p:val>
+                                        </p:tav>
+                                      </p:tavLst>
+                                    </p:anim>
+                                    <p:animEffect transition="in" filter="wipe(up)">
+                                      <p:cBhvr>
+                                        <p:cTn id="58" dur="500"/>
+                                        <p:tgtEl>
+                                          <p:spTgt spid="30"/>
+                                        </p:tgtEl>
+                                      </p:cBhvr>
+                                    </p:animEffect>
+                                  </p:childTnLst>
+                                </p:cTn>
+                              </p:par>
+                            </p:childTnLst>
+                          </p:cTn>
+                        </p:par>
+                      </p:childTnLst>
+                    </p:cTn>
+                  </p:par>
+                  <p:par>
+                    <p:cTn id="59" fill="hold">
+                      <p:stCondLst>
+                        <p:cond delay="indefinite"/>
+                      </p:stCondLst>
+                      <p:childTnLst>
+                        <p:par>
+                          <p:cTn id="60" fill="hold">
+                            <p:stCondLst>
+                              <p:cond delay="0"/>
+                            </p:stCondLst>
+                            <p:childTnLst>
+                              <p:par>
+                                <p:cTn id="61" presetID="12" presetClass="entr" presetSubtype="4" fill="hold" nodeType="clickEffect">
+                                  <p:stCondLst>
+                                    <p:cond delay="0"/>
+                                  </p:stCondLst>
+                                  <p:childTnLst>
+                                    <p:set>
+                                      <p:cBhvr>
+                                        <p:cTn id="62" dur="1" fill="hold">
+                                          <p:stCondLst>
+                                            <p:cond delay="0"/>
+                                          </p:stCondLst>
+                                        </p:cTn>
+                                        <p:tgtEl>
+                                          <p:spTgt spid="2"/>
+                                        </p:tgtEl>
+                                        <p:attrNameLst>
+                                          <p:attrName>style.visibility</p:attrName>
+                                        </p:attrNameLst>
+                                      </p:cBhvr>
+                                      <p:to>
+                                        <p:strVal val="visible"/>
+                                      </p:to>
+                                    </p:set>
+                                    <p:anim calcmode="lin" valueType="num">
+                                      <p:cBhvr additive="base">
+                                        <p:cTn id="63" dur="500"/>
+                                        <p:tgtEl>
+                                          <p:spTgt spid="2"/>
+                                        </p:tgtEl>
+                                        <p:attrNameLst>
+                                          <p:attrName>ppt_y</p:attrName>
+                                        </p:attrNameLst>
+                                      </p:cBhvr>
+                                      <p:tavLst>
+                                        <p:tav tm="0">
+                                          <p:val>
+                                            <p:strVal val="#ppt_y+#ppt_h*1.125000"/>
+                                          </p:val>
+                                        </p:tav>
+                                        <p:tav tm="100000">
+                                          <p:val>
+                                            <p:strVal val="#ppt_y"/>
+                                          </p:val>
+                                        </p:tav>
+                                      </p:tavLst>
+                                    </p:anim>
+                                    <p:animEffect transition="in" filter="wipe(up)">
+                                      <p:cBhvr>
+                                        <p:cTn id="64" dur="500"/>
+                                        <p:tgtEl>
+                                          <p:spTgt spid="2"/>
+                                        </p:tgtEl>
+                                      </p:cBhvr>
+                                    </p:animEffect>
+                                  </p:childTnLst>
+                                </p:cTn>
+                              </p:par>
+                              <p:par>
+                                <p:cTn id="65" presetID="12" presetClass="entr" presetSubtype="4" fill="hold" grpId="0" nodeType="withEffect">
+                                  <p:stCondLst>
+                                    <p:cond delay="0"/>
+                                  </p:stCondLst>
+                                  <p:childTnLst>
+                                    <p:set>
+                                      <p:cBhvr>
+                                        <p:cTn id="66" dur="1" fill="hold">
+                                          <p:stCondLst>
+                                            <p:cond delay="0"/>
+                                          </p:stCondLst>
+                                        </p:cTn>
+                                        <p:tgtEl>
+                                          <p:spTgt spid="33"/>
+                                        </p:tgtEl>
+                                        <p:attrNameLst>
+                                          <p:attrName>style.visibility</p:attrName>
+                                        </p:attrNameLst>
+                                      </p:cBhvr>
+                                      <p:to>
+                                        <p:strVal val="visible"/>
+                                      </p:to>
+                                    </p:set>
+                                    <p:anim calcmode="lin" valueType="num">
+                                      <p:cBhvr additive="base">
+                                        <p:cTn id="67" dur="500"/>
+                                        <p:tgtEl>
+                                          <p:spTgt spid="33"/>
+                                        </p:tgtEl>
+                                        <p:attrNameLst>
+                                          <p:attrName>ppt_y</p:attrName>
+                                        </p:attrNameLst>
+                                      </p:cBhvr>
+                                      <p:tavLst>
+                                        <p:tav tm="0">
+                                          <p:val>
+                                            <p:strVal val="#ppt_y+#ppt_h*1.125000"/>
+                                          </p:val>
+                                        </p:tav>
+                                        <p:tav tm="100000">
+                                          <p:val>
+                                            <p:strVal val="#ppt_y"/>
+                                          </p:val>
+                                        </p:tav>
+                                      </p:tavLst>
+                                    </p:anim>
+                                    <p:animEffect transition="in" filter="wipe(up)">
+                                      <p:cBhvr>
+                                        <p:cTn id="68" dur="500"/>
+                                        <p:tgtEl>
+                                          <p:spTgt spid="33"/>
+                                        </p:tgtEl>
+                                      </p:cBhvr>
+                                    </p:animEffect>
+                                  </p:childTnLst>
+                                </p:cTn>
+                              </p:par>
+                            </p:childTnLst>
+                          </p:cTn>
+                        </p:par>
+                        <p:par>
+                          <p:cTn id="69" fill="hold">
+                            <p:stCondLst>
+                              <p:cond delay="500"/>
+                            </p:stCondLst>
+                            <p:childTnLst>
+                              <p:par>
+                                <p:cTn id="70" presetID="22" presetClass="entr" presetSubtype="2" fill="hold" grpId="0" nodeType="afterEffect">
+                                  <p:stCondLst>
+                                    <p:cond delay="0"/>
+                                  </p:stCondLst>
+                                  <p:childTnLst>
+                                    <p:set>
+                                      <p:cBhvr>
+                                        <p:cTn id="71" dur="1" fill="hold">
+                                          <p:stCondLst>
+                                            <p:cond delay="0"/>
+                                          </p:stCondLst>
+                                        </p:cTn>
+                                        <p:tgtEl>
+                                          <p:spTgt spid="32"/>
+                                        </p:tgtEl>
+                                        <p:attrNameLst>
+                                          <p:attrName>style.visibility</p:attrName>
+                                        </p:attrNameLst>
+                                      </p:cBhvr>
+                                      <p:to>
+                                        <p:strVal val="visible"/>
+                                      </p:to>
+                                    </p:set>
+                                    <p:animEffect transition="in" filter="wipe(right)">
+                                      <p:cBhvr>
+                                        <p:cTn id="72" dur="500"/>
+                                        <p:tgtEl>
+                                          <p:spTgt spid="32"/>
+                                        </p:tgtEl>
+                                      </p:cBhvr>
+                                    </p:animEffect>
+                                  </p:childTnLst>
+                                </p:cTn>
+                              </p:par>
+                              <p:par>
+                                <p:cTn id="73" presetID="12" presetClass="entr" presetSubtype="2" fill="hold" grpId="0" nodeType="withEffect">
+                                  <p:stCondLst>
+                                    <p:cond delay="0"/>
+                                  </p:stCondLst>
+                                  <p:childTnLst>
+                                    <p:set>
+                                      <p:cBhvr>
+                                        <p:cTn id="74" dur="1" fill="hold">
+                                          <p:stCondLst>
+                                            <p:cond delay="0"/>
+                                          </p:stCondLst>
+                                        </p:cTn>
+                                        <p:tgtEl>
+                                          <p:spTgt spid="34"/>
+                                        </p:tgtEl>
+                                        <p:attrNameLst>
+                                          <p:attrName>style.visibility</p:attrName>
+                                        </p:attrNameLst>
+                                      </p:cBhvr>
+                                      <p:to>
+                                        <p:strVal val="visible"/>
+                                      </p:to>
+                                    </p:set>
+                                    <p:anim calcmode="lin" valueType="num">
+                                      <p:cBhvr additive="base">
+                                        <p:cTn id="75" dur="500"/>
+                                        <p:tgtEl>
+                                          <p:spTgt spid="34"/>
+                                        </p:tgtEl>
+                                        <p:attrNameLst>
+                                          <p:attrName>ppt_x</p:attrName>
+                                        </p:attrNameLst>
+                                      </p:cBhvr>
+                                      <p:tavLst>
+                                        <p:tav tm="0">
+                                          <p:val>
+                                            <p:strVal val="#ppt_x+#ppt_w*1.125000"/>
+                                          </p:val>
+                                        </p:tav>
+                                        <p:tav tm="100000">
+                                          <p:val>
+                                            <p:strVal val="#ppt_x"/>
+                                          </p:val>
+                                        </p:tav>
+                                      </p:tavLst>
+                                    </p:anim>
+                                    <p:animEffect transition="in" filter="wipe(left)">
+                                      <p:cBhvr>
+                                        <p:cTn id="76" dur="500"/>
+                                        <p:tgtEl>
+                                          <p:spTgt spid="34"/>
+                                        </p:tgtEl>
+                                      </p:cBhvr>
+                                    </p:animEffect>
+                                  </p:childTnLst>
+                                </p:cTn>
+                              </p:par>
+                            </p:childTnLst>
+                          </p:cTn>
+                        </p:par>
+                      </p:childTnLst>
+                    </p:cTn>
+                  </p:par>
+                </p:childTnLst>
+              </p:cTn>
+              <p:prevCondLst>
+                <p:cond evt="onPrev" delay="0">
+                  <p:tgtEl>
+                    <p:sldTgt/>
+                  </p:tgtEl>
+                </p:cond>
+              </p:prevCondLst>
+              <p:nextCondLst>
+                <p:cond evt="onNext" delay="0">
+                  <p:tgtEl>
+                    <p:sldTgt/>
+                  </p:tgtEl>
+                </p:cond>
+              </p:nextCondLst>
+            </p:seq>
+          </p:childTnLst>
+        </p:cTn>
+      </p:par>
+    </p:tnLst>
+    <p:bldLst>
+      <p:bldP spid="22" grpId="0"/>
+      <p:bldP spid="23" grpId="0"/>
+      <p:bldP spid="24" grpId="0"/>
+      <p:bldP spid="25" grpId="0"/>
+      <p:bldP spid="26" grpId="0" animBg="1"/>
+      <p:bldP spid="27" grpId="0"/>
+      <p:bldP spid="29" grpId="0" animBg="1"/>
+      <p:bldP spid="30" grpId="0"/>
+      <p:bldP spid="31" grpId="0"/>
+      <p:bldP spid="32" grpId="0" animBg="1"/>
+      <p:bldP spid="33" grpId="0"/>
+      <p:bldP spid="34" grpId="0"/>
+    </p:bldLst>
+  </p:timing>
 </p:sld>
 </file>
 
-<file path=ppt/slides/slide8.xml><?xml version="1.0" encoding="utf-8"?>
+<file path=ppt/slides/slide7.xml><?xml version="1.0" encoding="utf-8"?>
 <p:sld xmlns:a="http://schemas.openxmlformats.org/drawingml/2006/main" xmlns:r="http://schemas.openxmlformats.org/officeDocument/2006/relationships" xmlns:p="http://schemas.openxmlformats.org/presentationml/2006/main">
   <p:cSld>
     <p:spTree>
@@ -6749,12 +7476,510 @@
           <a:chExt cx="0" cy="0"/>
         </a:xfrm>
       </p:grpSpPr>
+      <p:sp>
+        <p:nvSpPr>
+          <p:cNvPr id="11" name="TextBox 10">
+            <a:extLst>
+              <a:ext uri="{FF2B5EF4-FFF2-40B4-BE49-F238E27FC236}">
+                <a16:creationId xmlns:a16="http://schemas.microsoft.com/office/drawing/2014/main" id="{DF0A2C2C-B018-4F93-9328-752329450023}"/>
+              </a:ext>
+            </a:extLst>
+          </p:cNvPr>
+          <p:cNvSpPr txBox="1"/>
+          <p:nvPr/>
+        </p:nvSpPr>
+        <p:spPr>
+          <a:xfrm>
+            <a:off x="435538" y="110344"/>
+            <a:ext cx="9927661" cy="6924973"/>
+          </a:xfrm>
+          <a:prstGeom prst="rect">
+            <a:avLst/>
+          </a:prstGeom>
+          <a:noFill/>
+        </p:spPr>
+        <p:txBody>
+          <a:bodyPr wrap="square" rtlCol="0" anchor="t">
+            <a:spAutoFit/>
+          </a:bodyPr>
+          <a:lstStyle/>
+          <a:p>
+            <a:r>
+              <a:rPr lang="ko-KR" altLang="ko-KR" sz="3600" b="1" dirty="0">
+                <a:solidFill>
+                  <a:schemeClr val="accent2">
+                    <a:lumMod val="75000"/>
+                  </a:schemeClr>
+                </a:solidFill>
+                <a:ea typeface="맑은 고딕"/>
+              </a:rPr>
+              <a:t>윤리적이</a:t>
+            </a:r>
+            <a:r>
+              <a:rPr lang="ko-KR" altLang="en-US" sz="3600" b="1" dirty="0">
+                <a:solidFill>
+                  <a:schemeClr val="accent2">
+                    <a:lumMod val="75000"/>
+                  </a:schemeClr>
+                </a:solidFill>
+                <a:ea typeface="맑은 고딕"/>
+              </a:rPr>
+              <a:t>지 않다</a:t>
+            </a:r>
+            <a:r>
+              <a:rPr lang="en-US" altLang="ko-KR" sz="3600" b="1" dirty="0">
+                <a:solidFill>
+                  <a:schemeClr val="accent2">
+                    <a:lumMod val="75000"/>
+                  </a:schemeClr>
+                </a:solidFill>
+                <a:ea typeface="맑은 고딕"/>
+              </a:rPr>
+              <a:t>.</a:t>
+            </a:r>
+          </a:p>
+          <a:p>
+            <a:endParaRPr lang="ko-KR" altLang="en-US" sz="2000" b="1" dirty="0">
+              <a:solidFill>
+                <a:schemeClr val="accent2">
+                  <a:lumMod val="75000"/>
+                </a:schemeClr>
+              </a:solidFill>
+              <a:latin typeface="나눔스퀘어"/>
+              <a:ea typeface="나눔스퀘어"/>
+            </a:endParaRPr>
+          </a:p>
+          <a:p>
+            <a:pPr marL="514350" indent="-514350">
+              <a:buAutoNum type="arabicPeriod"/>
+            </a:pPr>
+            <a:r>
+              <a:rPr lang="ko-KR" sz="2800" dirty="0">
+                <a:solidFill>
+                  <a:srgbClr val="000000"/>
+                </a:solidFill>
+                <a:ea typeface="나눔스퀘어"/>
+              </a:rPr>
+              <a:t>의뢰인이 매우 위험한 폐기물을 가지고</a:t>
+            </a:r>
+            <a:r>
+              <a:rPr lang="en-US" altLang="ko-KR" sz="2800" dirty="0">
+                <a:solidFill>
+                  <a:srgbClr val="000000"/>
+                </a:solidFill>
+                <a:ea typeface="나눔스퀘어"/>
+              </a:rPr>
+              <a:t> </a:t>
+            </a:r>
+            <a:r>
+              <a:rPr lang="ko-KR" sz="2800" dirty="0">
+                <a:solidFill>
+                  <a:srgbClr val="000000"/>
+                </a:solidFill>
+                <a:ea typeface="나눔스퀘어"/>
+              </a:rPr>
+              <a:t>국민의 안전을 해칠 수도 있기 때문에 제거를 </a:t>
+            </a:r>
+            <a:r>
+              <a:rPr lang="ko-KR" altLang="en-US" sz="2800" dirty="0">
+                <a:solidFill>
+                  <a:srgbClr val="000000"/>
+                </a:solidFill>
+                <a:ea typeface="나눔스퀘어"/>
+              </a:rPr>
+              <a:t>하지 않은 것은 </a:t>
+            </a:r>
+            <a:r>
+              <a:rPr lang="ko-KR" sz="2800" dirty="0">
+                <a:solidFill>
+                  <a:srgbClr val="000000"/>
+                </a:solidFill>
+                <a:ea typeface="나눔스퀘어"/>
+              </a:rPr>
+              <a:t>윤리적이지 않다.</a:t>
+            </a:r>
+            <a:endParaRPr lang="en-US" altLang="ko-KR" sz="2800" dirty="0">
+              <a:solidFill>
+                <a:srgbClr val="000000"/>
+              </a:solidFill>
+              <a:ea typeface="나눔스퀘어"/>
+            </a:endParaRPr>
+          </a:p>
+          <a:p>
+            <a:pPr marL="514350" indent="-514350">
+              <a:buAutoNum type="arabicPeriod"/>
+            </a:pPr>
+            <a:endParaRPr lang="ko-KR" sz="2800" dirty="0">
+              <a:ea typeface="맑은 고딕"/>
+            </a:endParaRPr>
+          </a:p>
+          <a:p>
+            <a:r>
+              <a:rPr lang="ko-KR" sz="2800" dirty="0">
+                <a:solidFill>
+                  <a:srgbClr val="000000"/>
+                </a:solidFill>
+                <a:ea typeface="나눔스퀘어"/>
+              </a:rPr>
+              <a:t>2. </a:t>
+            </a:r>
+            <a:r>
+              <a:rPr lang="ko-KR" altLang="en-US" sz="2800" dirty="0">
+                <a:solidFill>
+                  <a:srgbClr val="000000"/>
+                </a:solidFill>
+                <a:ea typeface="나눔스퀘어"/>
+              </a:rPr>
+              <a:t>원칙에 따라 </a:t>
+            </a:r>
+            <a:r>
+              <a:rPr lang="ko-KR" sz="2800" dirty="0">
+                <a:solidFill>
+                  <a:srgbClr val="000000"/>
+                </a:solidFill>
+                <a:ea typeface="나눔스퀘어"/>
+              </a:rPr>
+              <a:t>안전한 곳에 옮기고</a:t>
+            </a:r>
+            <a:r>
+              <a:rPr lang="en-US" altLang="ko-KR" sz="2800" dirty="0">
+                <a:solidFill>
+                  <a:srgbClr val="000000"/>
+                </a:solidFill>
+                <a:ea typeface="나눔스퀘어"/>
+              </a:rPr>
+              <a:t> </a:t>
+            </a:r>
+            <a:r>
+              <a:rPr lang="ko-KR" altLang="en-US" sz="2800" dirty="0">
+                <a:solidFill>
+                  <a:srgbClr val="000000"/>
+                </a:solidFill>
+                <a:ea typeface="나눔스퀘어"/>
+              </a:rPr>
+              <a:t>절차대로</a:t>
+            </a:r>
+            <a:r>
+              <a:rPr lang="ko-KR" sz="2800" dirty="0">
+                <a:solidFill>
+                  <a:srgbClr val="000000"/>
+                </a:solidFill>
+                <a:ea typeface="나눔스퀘어"/>
+              </a:rPr>
+              <a:t> 제거를 했어야 </a:t>
+            </a:r>
+            <a:r>
+              <a:rPr lang="ko-KR" altLang="en-US" sz="2800" dirty="0">
+                <a:solidFill>
+                  <a:srgbClr val="000000"/>
+                </a:solidFill>
+                <a:ea typeface="나눔스퀘어"/>
+              </a:rPr>
+              <a:t>됐</a:t>
+            </a:r>
+            <a:r>
+              <a:rPr lang="ko-KR" sz="2800" dirty="0">
+                <a:solidFill>
+                  <a:srgbClr val="000000"/>
+                </a:solidFill>
+                <a:ea typeface="나눔스퀘어"/>
+              </a:rPr>
+              <a:t>다.</a:t>
+            </a:r>
+            <a:endParaRPr lang="ko-KR" sz="2800" dirty="0">
+              <a:ea typeface="맑은 고딕"/>
+            </a:endParaRPr>
+          </a:p>
+          <a:p>
+            <a:endParaRPr lang="en-US" altLang="ko-KR" sz="3600" b="1" dirty="0">
+              <a:solidFill>
+                <a:schemeClr val="accent2">
+                  <a:lumMod val="75000"/>
+                </a:schemeClr>
+              </a:solidFill>
+              <a:ea typeface="맑은 고딕"/>
+            </a:endParaRPr>
+          </a:p>
+          <a:p>
+            <a:r>
+              <a:rPr lang="ko-KR" sz="3600" b="1" dirty="0">
+                <a:solidFill>
+                  <a:schemeClr val="accent2">
+                    <a:lumMod val="75000"/>
+                  </a:schemeClr>
+                </a:solidFill>
+                <a:ea typeface="맑은 고딕"/>
+              </a:rPr>
+              <a:t>윤리적이다</a:t>
+            </a:r>
+            <a:r>
+              <a:rPr lang="en-US" altLang="ko-KR" sz="3600" b="1" dirty="0">
+                <a:solidFill>
+                  <a:schemeClr val="accent2">
+                    <a:lumMod val="75000"/>
+                  </a:schemeClr>
+                </a:solidFill>
+                <a:ea typeface="맑은 고딕"/>
+              </a:rPr>
+              <a:t>.</a:t>
+            </a:r>
+          </a:p>
+          <a:p>
+            <a:endParaRPr lang="ko-KR" sz="2000" b="1" dirty="0">
+              <a:solidFill>
+                <a:schemeClr val="accent2">
+                  <a:lumMod val="75000"/>
+                </a:schemeClr>
+              </a:solidFill>
+              <a:ea typeface="맑은 고딕"/>
+            </a:endParaRPr>
+          </a:p>
+          <a:p>
+            <a:pPr marL="514350" indent="-514350">
+              <a:buAutoNum type="arabicPeriod"/>
+            </a:pPr>
+            <a:r>
+              <a:rPr lang="ko-KR" sz="2800" dirty="0">
+                <a:solidFill>
+                  <a:srgbClr val="000000"/>
+                </a:solidFill>
+                <a:ea typeface="나눔스퀘어"/>
+              </a:rPr>
+              <a:t>공학자 </a:t>
+            </a:r>
+            <a:r>
+              <a:rPr lang="ko-KR" sz="2800" dirty="0" err="1">
+                <a:solidFill>
+                  <a:srgbClr val="000000"/>
+                </a:solidFill>
+                <a:ea typeface="나눔스퀘어"/>
+              </a:rPr>
+              <a:t>B는</a:t>
+            </a:r>
+            <a:r>
+              <a:rPr lang="ko-KR" sz="2800" dirty="0">
+                <a:solidFill>
+                  <a:srgbClr val="000000"/>
+                </a:solidFill>
+                <a:ea typeface="나눔스퀘어"/>
+              </a:rPr>
+              <a:t> 위험물질의 자료를 </a:t>
+            </a:r>
+            <a:r>
+              <a:rPr lang="ko-KR" altLang="en-US" sz="2800" dirty="0">
+                <a:solidFill>
+                  <a:srgbClr val="000000"/>
+                </a:solidFill>
+                <a:latin typeface="맑은 고딕"/>
+                <a:ea typeface="맑은 고딕"/>
+              </a:rPr>
+              <a:t>남겨뒀고, </a:t>
+            </a:r>
+            <a:r>
+              <a:rPr lang="ko-KR" sz="2800" dirty="0">
+                <a:solidFill>
+                  <a:srgbClr val="000000"/>
+                </a:solidFill>
+                <a:ea typeface="나눔스퀘어"/>
+              </a:rPr>
+              <a:t>의뢰</a:t>
+            </a:r>
+            <a:r>
+              <a:rPr lang="ko-KR" sz="2800" dirty="0">
+                <a:solidFill>
+                  <a:srgbClr val="000000"/>
+                </a:solidFill>
+                <a:latin typeface="맑은 고딕"/>
+                <a:ea typeface="맑은 고딕"/>
+              </a:rPr>
+              <a:t>인에게</a:t>
+            </a:r>
+            <a:endParaRPr lang="en-US" altLang="ko-KR" sz="2800" dirty="0">
+              <a:solidFill>
+                <a:srgbClr val="000000"/>
+              </a:solidFill>
+              <a:latin typeface="맑은 고딕"/>
+              <a:ea typeface="맑은 고딕"/>
+            </a:endParaRPr>
+          </a:p>
+          <a:p>
+            <a:r>
+              <a:rPr lang="ko-KR" sz="2800" dirty="0">
+                <a:solidFill>
+                  <a:srgbClr val="000000"/>
+                </a:solidFill>
+                <a:latin typeface="맑은 고딕"/>
+                <a:ea typeface="맑은 고딕"/>
+              </a:rPr>
+              <a:t>위험물질이 있으니 제거하라고 말했다.</a:t>
+            </a:r>
+            <a:endParaRPr lang="en-US" altLang="ko-KR" sz="2800" dirty="0">
+              <a:solidFill>
+                <a:srgbClr val="000000"/>
+              </a:solidFill>
+              <a:latin typeface="맑은 고딕"/>
+              <a:ea typeface="맑은 고딕"/>
+            </a:endParaRPr>
+          </a:p>
+          <a:p>
+            <a:endParaRPr lang="ko-KR" altLang="en-US" sz="2800" dirty="0">
+              <a:solidFill>
+                <a:srgbClr val="000000"/>
+              </a:solidFill>
+              <a:latin typeface="맑은 고딕"/>
+              <a:ea typeface="맑은 고딕"/>
+            </a:endParaRPr>
+          </a:p>
+          <a:p>
+            <a:r>
+              <a:rPr lang="en-US" altLang="ko-KR" sz="2800" dirty="0">
+                <a:solidFill>
+                  <a:srgbClr val="000000"/>
+                </a:solidFill>
+                <a:latin typeface="맑은 고딕"/>
+                <a:ea typeface="맑은 고딕"/>
+              </a:rPr>
+              <a:t>2. </a:t>
+            </a:r>
+            <a:r>
+              <a:rPr lang="ko-KR" sz="2800" dirty="0">
+                <a:solidFill>
+                  <a:srgbClr val="000000"/>
+                </a:solidFill>
+                <a:latin typeface="맑은 고딕"/>
+                <a:ea typeface="맑은 고딕"/>
+              </a:rPr>
+              <a:t>의뢰인이 그 물질을 가지고 위험한</a:t>
+            </a:r>
+            <a:r>
+              <a:rPr lang="en-US" altLang="ko-KR" sz="2800" dirty="0">
+                <a:solidFill>
+                  <a:srgbClr val="000000"/>
+                </a:solidFill>
+                <a:latin typeface="맑은 고딕"/>
+                <a:ea typeface="맑은 고딕"/>
+              </a:rPr>
+              <a:t> </a:t>
+            </a:r>
+            <a:r>
+              <a:rPr lang="ko-KR" sz="2800" dirty="0">
+                <a:solidFill>
+                  <a:srgbClr val="000000"/>
+                </a:solidFill>
+                <a:ea typeface="나눔스퀘어"/>
+              </a:rPr>
+              <a:t>행동을 할 수도 있지만</a:t>
+            </a:r>
+            <a:endParaRPr lang="en-US" altLang="ko-KR" sz="2800" dirty="0">
+              <a:solidFill>
+                <a:srgbClr val="000000"/>
+              </a:solidFill>
+              <a:ea typeface="나눔스퀘어"/>
+            </a:endParaRPr>
+          </a:p>
+          <a:p>
+            <a:r>
+              <a:rPr lang="ko-KR" sz="2800" dirty="0">
+                <a:solidFill>
+                  <a:srgbClr val="000000"/>
+                </a:solidFill>
+                <a:ea typeface="나눔스퀘어"/>
+              </a:rPr>
+              <a:t>그것은 공학자가 윤리적이지 못해</a:t>
+            </a:r>
+            <a:r>
+              <a:rPr lang="en-US" altLang="ko-KR" sz="2800" dirty="0">
+                <a:solidFill>
+                  <a:srgbClr val="000000"/>
+                </a:solidFill>
+                <a:ea typeface="나눔스퀘어"/>
+              </a:rPr>
+              <a:t> </a:t>
+            </a:r>
+            <a:r>
+              <a:rPr lang="ko-KR" sz="2800" dirty="0">
+                <a:solidFill>
+                  <a:srgbClr val="000000"/>
+                </a:solidFill>
+                <a:ea typeface="나눔스퀘어"/>
+              </a:rPr>
+              <a:t>일어난 일이 아니라 생각하고</a:t>
+            </a:r>
+            <a:endParaRPr lang="ko-KR" altLang="en-US" sz="2800" dirty="0">
+              <a:solidFill>
+                <a:srgbClr val="000000"/>
+              </a:solidFill>
+              <a:latin typeface="맑은 고딕"/>
+              <a:ea typeface="맑은 고딕"/>
+            </a:endParaRPr>
+          </a:p>
+          <a:p>
+            <a:r>
+              <a:rPr lang="ko-KR" sz="2800" dirty="0">
+                <a:solidFill>
+                  <a:srgbClr val="000000"/>
+                </a:solidFill>
+                <a:ea typeface="나눔스퀘어"/>
+              </a:rPr>
+              <a:t>공학자 </a:t>
+            </a:r>
+            <a:r>
+              <a:rPr lang="ko-KR" sz="2800" dirty="0" err="1">
+                <a:solidFill>
+                  <a:srgbClr val="000000"/>
+                </a:solidFill>
+                <a:ea typeface="나눔스퀘어"/>
+              </a:rPr>
+              <a:t>B는</a:t>
+            </a:r>
+            <a:r>
+              <a:rPr lang="ko-KR" sz="2800" dirty="0">
+                <a:solidFill>
+                  <a:srgbClr val="000000"/>
+                </a:solidFill>
+                <a:ea typeface="나눔스퀘어"/>
+              </a:rPr>
+              <a:t> 공학자로</a:t>
+            </a:r>
+            <a:r>
+              <a:rPr lang="ko-KR" altLang="en-US" sz="2800" dirty="0">
+                <a:solidFill>
+                  <a:srgbClr val="000000"/>
+                </a:solidFill>
+                <a:ea typeface="나눔스퀘어"/>
+              </a:rPr>
+              <a:t>서</a:t>
+            </a:r>
+            <a:r>
+              <a:rPr lang="ko-KR" sz="2800" dirty="0">
+                <a:solidFill>
+                  <a:srgbClr val="000000"/>
+                </a:solidFill>
+                <a:ea typeface="나눔스퀘어"/>
+              </a:rPr>
+              <a:t> 할 일을 다했다고 생각한다</a:t>
+            </a:r>
+            <a:r>
+              <a:rPr lang="en-US" altLang="ko-KR" sz="2800" dirty="0">
+                <a:solidFill>
+                  <a:srgbClr val="000000"/>
+                </a:solidFill>
+                <a:ea typeface="나눔스퀘어"/>
+              </a:rPr>
+              <a:t>.</a:t>
+            </a:r>
+            <a:endParaRPr lang="ko-KR" sz="2800" dirty="0">
+              <a:ea typeface="맑은 고딕"/>
+            </a:endParaRPr>
+          </a:p>
+        </p:txBody>
+      </p:sp>
       <p:pic>
         <p:nvPicPr>
-          <p:cNvPr id="3" name="그림 2">
-            <a:extLst>
-              <a:ext uri="{FF2B5EF4-FFF2-40B4-BE49-F238E27FC236}">
-                <a16:creationId xmlns:a16="http://schemas.microsoft.com/office/drawing/2014/main" id="{45E66A48-FD32-4896-94C2-2D23C31A8E40}"/>
+          <p:cNvPr id="6" name="그림 5">
+            <a:extLst>
+              <a:ext uri="{FF2B5EF4-FFF2-40B4-BE49-F238E27FC236}">
+                <a16:creationId xmlns:a16="http://schemas.microsoft.com/office/drawing/2014/main" id="{B099FF1A-13EF-43D5-AD22-319CB12D3946}"/>
               </a:ext>
             </a:extLst>
           </p:cNvPr>
@@ -6771,8 +7996,8 @@
         </p:blipFill>
         <p:spPr>
           <a:xfrm>
-            <a:off x="9524234" y="2427600"/>
-            <a:ext cx="2579601" cy="3224440"/>
+            <a:off x="9768649" y="2427600"/>
+            <a:ext cx="2565224" cy="3206529"/>
           </a:xfrm>
           <a:prstGeom prst="rect">
             <a:avLst/>
@@ -6781,10 +8006,10 @@
       </p:pic>
       <p:sp>
         <p:nvSpPr>
-          <p:cNvPr id="5" name="직사각형 4">
-            <a:extLst>
-              <a:ext uri="{FF2B5EF4-FFF2-40B4-BE49-F238E27FC236}">
-                <a16:creationId xmlns:a16="http://schemas.microsoft.com/office/drawing/2014/main" id="{1697F40B-4FF1-47DC-9ED9-01861913319B}"/>
+          <p:cNvPr id="8" name="직사각형 7">
+            <a:extLst>
+              <a:ext uri="{FF2B5EF4-FFF2-40B4-BE49-F238E27FC236}">
+                <a16:creationId xmlns:a16="http://schemas.microsoft.com/office/drawing/2014/main" id="{FE3B0B98-9E45-4380-8B7C-011BE8E704FD}"/>
               </a:ext>
             </a:extLst>
           </p:cNvPr>
@@ -6793,21 +8018,21 @@
         </p:nvSpPr>
         <p:spPr>
           <a:xfrm>
-            <a:off x="9908054" y="5781564"/>
-            <a:ext cx="2092190" cy="1323439"/>
-          </a:xfrm>
-          <a:prstGeom prst="rect">
-            <a:avLst/>
-          </a:prstGeom>
-        </p:spPr>
-        <p:txBody>
-          <a:bodyPr wrap="square">
+            <a:off x="10152469" y="5781564"/>
+            <a:ext cx="2077813" cy="707886"/>
+          </a:xfrm>
+          <a:prstGeom prst="rect">
+            <a:avLst/>
+          </a:prstGeom>
+        </p:spPr>
+        <p:txBody>
+          <a:bodyPr wrap="none">
             <a:spAutoFit/>
           </a:bodyPr>
           <a:lstStyle/>
           <a:p>
             <a:r>
-              <a:rPr lang="ko-KR" altLang="en-US" sz="4000" spc="300">
+              <a:rPr lang="ko-KR" altLang="en-US" sz="4000" spc="300" dirty="0">
                 <a:solidFill>
                   <a:schemeClr val="tx1">
                     <a:lumMod val="75000"/>
@@ -6820,7 +8045,7 @@
               <a:t>공학자</a:t>
             </a:r>
             <a:r>
-              <a:rPr lang="en-US" altLang="ko-KR" sz="4000" spc="300">
+              <a:rPr lang="en-US" altLang="ko-KR" sz="4000" spc="300" dirty="0">
                 <a:solidFill>
                   <a:schemeClr val="tx1">
                     <a:lumMod val="75000"/>
@@ -6832,7 +8057,7 @@
               </a:rPr>
               <a:t>B</a:t>
             </a:r>
-            <a:endParaRPr lang="ko-KR" altLang="en-US" sz="4000">
+            <a:endParaRPr lang="ko-KR" altLang="en-US" sz="4000" dirty="0">
               <a:solidFill>
                 <a:schemeClr val="tx1">
                   <a:lumMod val="75000"/>
@@ -6845,10 +8070,10 @@
       </p:sp>
       <p:sp>
         <p:nvSpPr>
-          <p:cNvPr id="7" name="TextBox 6">
-            <a:extLst>
-              <a:ext uri="{FF2B5EF4-FFF2-40B4-BE49-F238E27FC236}">
-                <a16:creationId xmlns:a16="http://schemas.microsoft.com/office/drawing/2014/main" id="{3191707B-46D8-42CF-840B-EAD742BBB500}"/>
+          <p:cNvPr id="9" name="TextBox 8">
+            <a:extLst>
+              <a:ext uri="{FF2B5EF4-FFF2-40B4-BE49-F238E27FC236}">
+                <a16:creationId xmlns:a16="http://schemas.microsoft.com/office/drawing/2014/main" id="{A07321CB-F216-4480-B71E-80984AFA1C22}"/>
               </a:ext>
             </a:extLst>
           </p:cNvPr>
@@ -6857,8 +8082,8 @@
         </p:nvSpPr>
         <p:spPr>
           <a:xfrm>
-            <a:off x="10331727" y="6421613"/>
-            <a:ext cx="477966" cy="461665"/>
+            <a:off x="10880942" y="6421613"/>
+            <a:ext cx="463589" cy="276999"/>
           </a:xfrm>
           <a:prstGeom prst="rect">
             <a:avLst/>
@@ -6866,14 +8091,14 @@
           <a:noFill/>
         </p:spPr>
         <p:txBody>
-          <a:bodyPr wrap="square" rtlCol="0">
+          <a:bodyPr wrap="none" rtlCol="0">
             <a:spAutoFit/>
           </a:bodyPr>
           <a:lstStyle/>
           <a:p>
             <a:pPr algn="ctr"/>
             <a:r>
-              <a:rPr lang="ko-KR" altLang="en-US" sz="1200">
+              <a:rPr lang="ko-KR" altLang="en-US" sz="1200" dirty="0">
                 <a:solidFill>
                   <a:schemeClr val="tx1">
                     <a:lumMod val="65000"/>
@@ -6885,7 +8110,7 @@
               </a:rPr>
               <a:t>상사</a:t>
             </a:r>
-            <a:endParaRPr lang="ko-KR" altLang="en-US" sz="1200">
+            <a:endParaRPr lang="ko-KR" altLang="en-US" sz="1200" dirty="0">
               <a:solidFill>
                 <a:schemeClr val="tx1">
                   <a:lumMod val="65000"/>
@@ -6894,388 +8119,6 @@
               </a:solidFill>
               <a:latin typeface="나눔스퀘어" panose="020B0600000101010101" pitchFamily="50" charset="-127"/>
               <a:ea typeface="나눔스퀘어" panose="020B0600000101010101" pitchFamily="50" charset="-127"/>
-            </a:endParaRPr>
-          </a:p>
-        </p:txBody>
-      </p:sp>
-      <p:sp>
-        <p:nvSpPr>
-          <p:cNvPr id="11" name="TextBox 10">
-            <a:extLst>
-              <a:ext uri="{FF2B5EF4-FFF2-40B4-BE49-F238E27FC236}">
-                <a16:creationId xmlns:a16="http://schemas.microsoft.com/office/drawing/2014/main" id="{DF0A2C2C-B018-4F93-9328-752329450023}"/>
-              </a:ext>
-            </a:extLst>
-          </p:cNvPr>
-          <p:cNvSpPr txBox="1"/>
-          <p:nvPr/>
-        </p:nvSpPr>
-        <p:spPr>
-          <a:xfrm>
-            <a:off x="435539" y="110344"/>
-            <a:ext cx="8106654" cy="7663636"/>
-          </a:xfrm>
-          <a:prstGeom prst="rect">
-            <a:avLst/>
-          </a:prstGeom>
-          <a:noFill/>
-        </p:spPr>
-        <p:txBody>
-          <a:bodyPr wrap="square" rtlCol="0" anchor="t">
-            <a:spAutoFit/>
-          </a:bodyPr>
-          <a:lstStyle/>
-          <a:p>
-            <a:r>
-              <a:rPr lang="ko-KR" altLang="en-US" sz="3600" b="1">
-                <a:solidFill>
-                  <a:schemeClr val="accent2">
-                    <a:lumMod val="75000"/>
-                  </a:schemeClr>
-                </a:solidFill>
-                <a:ea typeface="나눔스퀘어"/>
-              </a:rPr>
-              <a:t>윤리적이지 않다.</a:t>
-            </a:r>
-            <a:endParaRPr lang="ko-KR" altLang="en-US" sz="3600" b="1">
-              <a:solidFill>
-                <a:schemeClr val="accent2">
-                  <a:lumMod val="75000"/>
-                </a:schemeClr>
-              </a:solidFill>
-              <a:latin typeface="나눔스퀘어"/>
-              <a:ea typeface="나눔스퀘어"/>
-            </a:endParaRPr>
-          </a:p>
-          <a:p>
-            <a:r>
-              <a:rPr lang="ko-KR" sz="2800">
-                <a:solidFill>
-                  <a:srgbClr val="000000"/>
-                </a:solidFill>
-                <a:ea typeface="나눔스퀘어"/>
-              </a:rPr>
-              <a:t>1. 의뢰인이 매우 위험한 폐기물을 가지고</a:t>
-            </a:r>
-            <a:endParaRPr lang="ko-KR" altLang="en-US" sz="2800">
-              <a:solidFill>
-                <a:srgbClr val="000000"/>
-              </a:solidFill>
-              <a:latin typeface="나눔스퀘어"/>
-              <a:ea typeface="나눔스퀘어"/>
-            </a:endParaRPr>
-          </a:p>
-          <a:p>
-            <a:r>
-              <a:rPr lang="ko-KR" sz="2800">
-                <a:solidFill>
-                  <a:srgbClr val="000000"/>
-                </a:solidFill>
-                <a:ea typeface="나눔스퀘어"/>
-              </a:rPr>
-              <a:t>국민의 안전을 해칠 수도 있기 때문에 제거를 </a:t>
-            </a:r>
-            <a:r>
-              <a:rPr lang="ko-KR" sz="2800" err="1">
-                <a:solidFill>
-                  <a:srgbClr val="000000"/>
-                </a:solidFill>
-                <a:ea typeface="나눔스퀘어"/>
-              </a:rPr>
-              <a:t>안한</a:t>
-            </a:r>
-            <a:r>
-              <a:rPr lang="ko-KR" sz="2800">
-                <a:solidFill>
-                  <a:srgbClr val="000000"/>
-                </a:solidFill>
-                <a:ea typeface="나눔스퀘어"/>
-              </a:rPr>
-              <a:t> 것은</a:t>
-            </a:r>
-            <a:endParaRPr lang="ko-KR" altLang="en-US" sz="2800">
-              <a:solidFill>
-                <a:srgbClr val="000000"/>
-              </a:solidFill>
-              <a:latin typeface="맑은 고딕"/>
-              <a:ea typeface="맑은 고딕"/>
-            </a:endParaRPr>
-          </a:p>
-          <a:p>
-            <a:r>
-              <a:rPr lang="ko-KR" sz="2800">
-                <a:solidFill>
-                  <a:srgbClr val="000000"/>
-                </a:solidFill>
-                <a:ea typeface="나눔스퀘어"/>
-              </a:rPr>
-              <a:t>윤리적이지 않다.</a:t>
-            </a:r>
-            <a:endParaRPr lang="ko-KR" sz="2800">
-              <a:ea typeface="맑은 고딕"/>
-            </a:endParaRPr>
-          </a:p>
-          <a:p>
-            <a:r>
-              <a:rPr lang="ko-KR" sz="2800">
-                <a:solidFill>
-                  <a:srgbClr val="000000"/>
-                </a:solidFill>
-                <a:ea typeface="나눔스퀘어"/>
-              </a:rPr>
-              <a:t>2. 안전한 곳에 옮기고 제거를 했어야 </a:t>
-            </a:r>
-            <a:r>
-              <a:rPr lang="ko-KR" sz="2800" err="1">
-                <a:solidFill>
-                  <a:srgbClr val="000000"/>
-                </a:solidFill>
-                <a:ea typeface="나눔스퀘어"/>
-              </a:rPr>
-              <a:t>됬다</a:t>
-            </a:r>
-            <a:r>
-              <a:rPr lang="ko-KR" sz="2800">
-                <a:solidFill>
-                  <a:srgbClr val="000000"/>
-                </a:solidFill>
-                <a:ea typeface="나눔스퀘어"/>
-              </a:rPr>
-              <a:t>.</a:t>
-            </a:r>
-            <a:endParaRPr lang="ko-KR" sz="2800">
-              <a:ea typeface="맑은 고딕"/>
-            </a:endParaRPr>
-          </a:p>
-          <a:p>
-            <a:r>
-              <a:rPr lang="ko-KR" sz="3600" b="1">
-                <a:solidFill>
-                  <a:schemeClr val="accent2">
-                    <a:lumMod val="75000"/>
-                  </a:schemeClr>
-                </a:solidFill>
-                <a:ea typeface="맑은 고딕"/>
-              </a:rPr>
-              <a:t>윤리적이다</a:t>
-            </a:r>
-            <a:r>
-              <a:rPr lang="en-US" altLang="ko-KR" sz="3600" b="1">
-                <a:solidFill>
-                  <a:schemeClr val="accent2">
-                    <a:lumMod val="75000"/>
-                  </a:schemeClr>
-                </a:solidFill>
-                <a:ea typeface="맑은 고딕"/>
-              </a:rPr>
-              <a:t>.</a:t>
-            </a:r>
-            <a:endParaRPr lang="ko-KR" sz="3600" b="1">
-              <a:solidFill>
-                <a:schemeClr val="accent2">
-                  <a:lumMod val="75000"/>
-                </a:schemeClr>
-              </a:solidFill>
-              <a:ea typeface="맑은 고딕"/>
-            </a:endParaRPr>
-          </a:p>
-          <a:p>
-            <a:r>
-              <a:rPr lang="ko-KR" sz="2800">
-                <a:solidFill>
-                  <a:srgbClr val="000000"/>
-                </a:solidFill>
-                <a:ea typeface="나눔스퀘어"/>
-              </a:rPr>
-              <a:t>1. 공학자 </a:t>
-            </a:r>
-            <a:r>
-              <a:rPr lang="ko-KR" sz="2800" err="1">
-                <a:solidFill>
-                  <a:srgbClr val="000000"/>
-                </a:solidFill>
-                <a:ea typeface="나눔스퀘어"/>
-              </a:rPr>
-              <a:t>B는</a:t>
-            </a:r>
-            <a:r>
-              <a:rPr lang="ko-KR" sz="2800">
-                <a:solidFill>
-                  <a:srgbClr val="000000"/>
-                </a:solidFill>
-                <a:ea typeface="나눔스퀘어"/>
-              </a:rPr>
-              <a:t> 위험물질의 자료를 </a:t>
-            </a:r>
-            <a:r>
-              <a:rPr lang="ko-KR" altLang="en-US" sz="2800">
-                <a:solidFill>
-                  <a:srgbClr val="000000"/>
-                </a:solidFill>
-                <a:latin typeface="맑은 고딕"/>
-                <a:ea typeface="맑은 고딕"/>
-              </a:rPr>
-              <a:t>남겨뒀고,</a:t>
-            </a:r>
-            <a:endParaRPr lang="en-US" altLang="ko-KR" sz="2800">
-              <a:solidFill>
-                <a:srgbClr val="000000"/>
-              </a:solidFill>
-              <a:latin typeface="맑은 고딕"/>
-              <a:ea typeface="맑은 고딕"/>
-            </a:endParaRPr>
-          </a:p>
-          <a:p>
-            <a:r>
-              <a:rPr lang="ko-KR" sz="2800">
-                <a:solidFill>
-                  <a:srgbClr val="000000"/>
-                </a:solidFill>
-                <a:ea typeface="나눔스퀘어"/>
-              </a:rPr>
-              <a:t>의뢰</a:t>
-            </a:r>
-            <a:r>
-              <a:rPr lang="ko-KR" sz="2800">
-                <a:solidFill>
-                  <a:srgbClr val="000000"/>
-                </a:solidFill>
-                <a:latin typeface="맑은 고딕"/>
-                <a:ea typeface="맑은 고딕"/>
-              </a:rPr>
-              <a:t>인에게 위험물질이 있으니 제거하라고 말했다.</a:t>
-            </a:r>
-            <a:endParaRPr lang="ko-KR" altLang="en-US" sz="2800">
-              <a:solidFill>
-                <a:srgbClr val="000000"/>
-              </a:solidFill>
-              <a:latin typeface="맑은 고딕"/>
-              <a:ea typeface="맑은 고딕"/>
-            </a:endParaRPr>
-          </a:p>
-          <a:p>
-            <a:r>
-              <a:rPr lang="ko-KR" sz="2800">
-                <a:solidFill>
-                  <a:srgbClr val="000000"/>
-                </a:solidFill>
-                <a:latin typeface="맑은 고딕"/>
-                <a:ea typeface="맑은 고딕"/>
-              </a:rPr>
-              <a:t>의뢰인이 그 물질을 가지고 위험한</a:t>
-            </a:r>
-            <a:endParaRPr lang="ko-KR" sz="2800">
-              <a:latin typeface="맑은 고딕"/>
-              <a:ea typeface="맑은 고딕"/>
-            </a:endParaRPr>
-          </a:p>
-          <a:p>
-            <a:r>
-              <a:rPr lang="ko-KR" sz="2800">
-                <a:solidFill>
-                  <a:srgbClr val="000000"/>
-                </a:solidFill>
-                <a:ea typeface="나눔스퀘어"/>
-              </a:rPr>
-              <a:t>행동을 할 수도 있지만 그것은 공학자가 윤리적이지 못해</a:t>
-            </a:r>
-            <a:endParaRPr lang="ko-KR" altLang="en-US" sz="2800">
-              <a:solidFill>
-                <a:srgbClr val="000000"/>
-              </a:solidFill>
-              <a:latin typeface="맑은 고딕"/>
-              <a:ea typeface="맑은 고딕"/>
-            </a:endParaRPr>
-          </a:p>
-          <a:p>
-            <a:r>
-              <a:rPr lang="ko-KR" sz="2800">
-                <a:solidFill>
-                  <a:srgbClr val="000000"/>
-                </a:solidFill>
-                <a:ea typeface="나눔스퀘어"/>
-              </a:rPr>
-              <a:t>일어난 일이 아니라 생각하고</a:t>
-            </a:r>
-            <a:endParaRPr lang="ko-KR" altLang="en-US" sz="2800">
-              <a:solidFill>
-                <a:srgbClr val="000000"/>
-              </a:solidFill>
-              <a:latin typeface="맑은 고딕"/>
-              <a:ea typeface="맑은 고딕"/>
-            </a:endParaRPr>
-          </a:p>
-          <a:p>
-            <a:r>
-              <a:rPr lang="ko-KR" sz="2800">
-                <a:solidFill>
-                  <a:srgbClr val="000000"/>
-                </a:solidFill>
-                <a:ea typeface="나눔스퀘어"/>
-              </a:rPr>
-              <a:t>공학자 </a:t>
-            </a:r>
-            <a:r>
-              <a:rPr lang="ko-KR" sz="2800" err="1">
-                <a:solidFill>
-                  <a:srgbClr val="000000"/>
-                </a:solidFill>
-                <a:ea typeface="나눔스퀘어"/>
-              </a:rPr>
-              <a:t>B는</a:t>
-            </a:r>
-            <a:r>
-              <a:rPr lang="ko-KR" sz="2800">
-                <a:solidFill>
-                  <a:srgbClr val="000000"/>
-                </a:solidFill>
-                <a:ea typeface="나눔스퀘어"/>
-              </a:rPr>
-              <a:t> 공학자로써 할 일을 다했다고 생각한다</a:t>
-            </a:r>
-            <a:r>
-              <a:rPr lang="en-US" altLang="ko-KR" sz="2800">
-                <a:solidFill>
-                  <a:srgbClr val="000000"/>
-                </a:solidFill>
-                <a:ea typeface="나눔스퀘어"/>
-              </a:rPr>
-              <a:t>.</a:t>
-            </a:r>
-            <a:endParaRPr lang="ko-KR" sz="2800">
-              <a:ea typeface="맑은 고딕"/>
-            </a:endParaRPr>
-          </a:p>
-          <a:p>
-            <a:r>
-              <a:rPr lang="ko-KR" sz="2800">
-                <a:solidFill>
-                  <a:srgbClr val="000000"/>
-                </a:solidFill>
-                <a:ea typeface="나눔스퀘어"/>
-              </a:rPr>
-              <a:t>2. 없다고 생각한다.</a:t>
-            </a:r>
-            <a:r>
-              <a:rPr lang="ko-KR" altLang="en-US" sz="2800">
-                <a:solidFill>
-                  <a:schemeClr val="tx1">
-                    <a:lumMod val="65000"/>
-                    <a:lumOff val="35000"/>
-                  </a:schemeClr>
-                </a:solidFill>
-                <a:ea typeface="나눔스퀘어"/>
-              </a:rPr>
-              <a:t> </a:t>
-            </a:r>
-            <a:endParaRPr lang="ko-KR" sz="2800">
-              <a:solidFill>
-                <a:schemeClr val="tx1">
-                  <a:lumMod val="65000"/>
-                  <a:lumOff val="35000"/>
-                </a:schemeClr>
-              </a:solidFill>
-              <a:ea typeface="맑은 고딕"/>
             </a:endParaRPr>
           </a:p>
         </p:txBody>
@@ -7290,12 +8133,173 @@
   <p:clrMapOvr>
     <a:masterClrMapping/>
   </p:clrMapOvr>
+  <p:timing>
+    <p:tnLst>
+      <p:par>
+        <p:cTn id="1" dur="indefinite" restart="never" nodeType="tmRoot">
+          <p:childTnLst>
+            <p:seq concurrent="1" nextAc="seek">
+              <p:cTn id="2" dur="indefinite" nodeType="mainSeq">
+                <p:childTnLst>
+                  <p:par>
+                    <p:cTn id="3" fill="hold">
+                      <p:stCondLst>
+                        <p:cond delay="indefinite"/>
+                        <p:cond evt="onBegin" delay="0">
+                          <p:tn val="2"/>
+                        </p:cond>
+                      </p:stCondLst>
+                      <p:childTnLst>
+                        <p:par>
+                          <p:cTn id="4" fill="hold">
+                            <p:stCondLst>
+                              <p:cond delay="0"/>
+                            </p:stCondLst>
+                            <p:childTnLst>
+                              <p:par>
+                                <p:cTn id="5" presetID="23" presetClass="entr" presetSubtype="16" fill="hold" grpId="1" nodeType="afterEffect">
+                                  <p:stCondLst>
+                                    <p:cond delay="0"/>
+                                  </p:stCondLst>
+                                  <p:childTnLst>
+                                    <p:set>
+                                      <p:cBhvr>
+                                        <p:cTn id="6" dur="1" fill="hold">
+                                          <p:stCondLst>
+                                            <p:cond delay="0"/>
+                                          </p:stCondLst>
+                                        </p:cTn>
+                                        <p:tgtEl>
+                                          <p:spTgt spid="11"/>
+                                        </p:tgtEl>
+                                        <p:attrNameLst>
+                                          <p:attrName>style.visibility</p:attrName>
+                                        </p:attrNameLst>
+                                      </p:cBhvr>
+                                      <p:to>
+                                        <p:strVal val="visible"/>
+                                      </p:to>
+                                    </p:set>
+                                    <p:anim calcmode="lin" valueType="num">
+                                      <p:cBhvr>
+                                        <p:cTn id="7" dur="500" fill="hold"/>
+                                        <p:tgtEl>
+                                          <p:spTgt spid="11"/>
+                                        </p:tgtEl>
+                                        <p:attrNameLst>
+                                          <p:attrName>ppt_w</p:attrName>
+                                        </p:attrNameLst>
+                                      </p:cBhvr>
+                                      <p:tavLst>
+                                        <p:tav tm="0">
+                                          <p:val>
+                                            <p:fltVal val="0"/>
+                                          </p:val>
+                                        </p:tav>
+                                        <p:tav tm="100000">
+                                          <p:val>
+                                            <p:strVal val="#ppt_w"/>
+                                          </p:val>
+                                        </p:tav>
+                                      </p:tavLst>
+                                    </p:anim>
+                                    <p:anim calcmode="lin" valueType="num">
+                                      <p:cBhvr>
+                                        <p:cTn id="8" dur="500" fill="hold"/>
+                                        <p:tgtEl>
+                                          <p:spTgt spid="11"/>
+                                        </p:tgtEl>
+                                        <p:attrNameLst>
+                                          <p:attrName>ppt_h</p:attrName>
+                                        </p:attrNameLst>
+                                      </p:cBhvr>
+                                      <p:tavLst>
+                                        <p:tav tm="0">
+                                          <p:val>
+                                            <p:fltVal val="0"/>
+                                          </p:val>
+                                        </p:tav>
+                                        <p:tav tm="100000">
+                                          <p:val>
+                                            <p:strVal val="#ppt_h"/>
+                                          </p:val>
+                                        </p:tav>
+                                      </p:tavLst>
+                                    </p:anim>
+                                  </p:childTnLst>
+                                </p:cTn>
+                              </p:par>
+                            </p:childTnLst>
+                          </p:cTn>
+                        </p:par>
+                      </p:childTnLst>
+                    </p:cTn>
+                  </p:par>
+                </p:childTnLst>
+              </p:cTn>
+              <p:prevCondLst>
+                <p:cond evt="onPrev" delay="0">
+                  <p:tgtEl>
+                    <p:sldTgt/>
+                  </p:tgtEl>
+                </p:cond>
+              </p:prevCondLst>
+              <p:nextCondLst>
+                <p:cond evt="onNext" delay="0">
+                  <p:tgtEl>
+                    <p:sldTgt/>
+                  </p:tgtEl>
+                </p:cond>
+              </p:nextCondLst>
+            </p:seq>
+          </p:childTnLst>
+        </p:cTn>
+      </p:par>
+    </p:tnLst>
+    <p:bldLst>
+      <p:bldP spid="11" grpId="1"/>
+    </p:bldLst>
+  </p:timing>
 </p:sld>
 </file>
 
-<file path=ppt/slides/slide9.xml><?xml version="1.0" encoding="utf-8"?>
+<file path=ppt/slides/slide8.xml><?xml version="1.0" encoding="utf-8"?>
 <p:sld xmlns:a="http://schemas.openxmlformats.org/drawingml/2006/main" xmlns:r="http://schemas.openxmlformats.org/officeDocument/2006/relationships" xmlns:p="http://schemas.openxmlformats.org/presentationml/2006/main">
   <p:cSld>
+    <p:bg>
+      <p:bgPr>
+        <a:gradFill>
+          <a:gsLst>
+            <a:gs pos="0">
+              <a:srgbClr val="A603AB"/>
+            </a:gs>
+            <a:gs pos="21001">
+              <a:srgbClr val="0819FB"/>
+            </a:gs>
+            <a:gs pos="35001">
+              <a:srgbClr val="1A8D48"/>
+            </a:gs>
+            <a:gs pos="52000">
+              <a:srgbClr val="FFFF00"/>
+            </a:gs>
+            <a:gs pos="73000">
+              <a:srgbClr val="EE3F17"/>
+            </a:gs>
+            <a:gs pos="88000">
+              <a:srgbClr val="E81766"/>
+            </a:gs>
+            <a:gs pos="95416">
+              <a:srgbClr val="BF0B91"/>
+            </a:gs>
+            <a:gs pos="100000">
+              <a:srgbClr val="A603AB"/>
+            </a:gs>
+          </a:gsLst>
+          <a:lin ang="2700000" scaled="1"/>
+        </a:gradFill>
+        <a:effectLst/>
+      </p:bgPr>
+    </p:bg>
     <p:spTree>
       <p:nvGrpSpPr>
         <p:cNvPr id="1" name=""/>
@@ -7312,10 +8316,10 @@
       </p:grpSpPr>
       <p:pic>
         <p:nvPicPr>
-          <p:cNvPr id="3" name="그림 2">
-            <a:extLst>
-              <a:ext uri="{FF2B5EF4-FFF2-40B4-BE49-F238E27FC236}">
-                <a16:creationId xmlns:a16="http://schemas.microsoft.com/office/drawing/2014/main" id="{355486AE-1A6C-49B7-8C43-A2102A31C942}"/>
+          <p:cNvPr id="4" name="그림 3">
+            <a:extLst>
+              <a:ext uri="{FF2B5EF4-FFF2-40B4-BE49-F238E27FC236}">
+                <a16:creationId xmlns:a16="http://schemas.microsoft.com/office/drawing/2014/main" id="{4D8BD8D3-68AB-4E26-B1EB-A42E350DE573}"/>
               </a:ext>
             </a:extLst>
           </p:cNvPr>
@@ -7338,18 +8342,56 @@
         </p:blipFill>
         <p:spPr>
           <a:xfrm>
-            <a:off x="3810000" y="1143000"/>
-            <a:ext cx="4572000" cy="4572000"/>
-          </a:xfrm>
-          <a:prstGeom prst="rect">
-            <a:avLst/>
-          </a:prstGeom>
+            <a:off x="0" y="2286000"/>
+            <a:ext cx="3657600" cy="4572000"/>
+          </a:xfrm>
+          <a:prstGeom prst="rect">
+            <a:avLst/>
+          </a:prstGeom>
+        </p:spPr>
+      </p:pic>
+      <p:pic>
+        <p:nvPicPr>
+          <p:cNvPr id="5" name="그림 4">
+            <a:extLst>
+              <a:ext uri="{FF2B5EF4-FFF2-40B4-BE49-F238E27FC236}">
+                <a16:creationId xmlns:a16="http://schemas.microsoft.com/office/drawing/2014/main" id="{B3F75FF3-6714-4283-AF21-027196A7D7BE}"/>
+              </a:ext>
+            </a:extLst>
+          </p:cNvPr>
+          <p:cNvPicPr>
+            <a:picLocks noChangeAspect="1"/>
+          </p:cNvPicPr>
+          <p:nvPr/>
+        </p:nvPicPr>
+        <p:blipFill rotWithShape="1">
+          <a:blip r:embed="rId3">
+            <a:extLst>
+              <a:ext uri="{28A0092B-C50C-407E-A947-70E740481C1C}">
+                <a14:useLocalDpi xmlns:a14="http://schemas.microsoft.com/office/drawing/2010/main" val="0"/>
+              </a:ext>
+            </a:extLst>
+          </a:blip>
+          <a:srcRect r="35505"/>
+          <a:stretch/>
+        </p:blipFill>
+        <p:spPr>
+          <a:xfrm>
+            <a:off x="5208460" y="0"/>
+            <a:ext cx="5897461" cy="6858000"/>
+          </a:xfrm>
+          <a:prstGeom prst="rect">
+            <a:avLst/>
+          </a:prstGeom>
+          <a:effectLst>
+            <a:softEdge rad="139700"/>
+          </a:effectLst>
         </p:spPr>
       </p:pic>
     </p:spTree>
     <p:extLst>
       <p:ext uri="{BB962C8B-B14F-4D97-AF65-F5344CB8AC3E}">
-        <p14:creationId xmlns:p14="http://schemas.microsoft.com/office/powerpoint/2010/main" val="3922364374"/>
+        <p14:creationId xmlns:p14="http://schemas.microsoft.com/office/powerpoint/2010/main" val="914126224"/>
       </p:ext>
     </p:extLst>
   </p:cSld>

--- a/3차과제_1조(이겼조)_[사례8]공학자의 윤리적 의무_20181640안세홍, 20181644우정헌.pptx
+++ b/3차과제_1조(이겼조)_[사례8]공학자의 윤리적 의무_20181640안세홍, 20181644우정헌.pptx
@@ -12,7 +12,9 @@
     <p:sldId id="304" r:id="rId6"/>
     <p:sldId id="335" r:id="rId7"/>
     <p:sldId id="337" r:id="rId8"/>
-    <p:sldId id="328" r:id="rId9"/>
+    <p:sldId id="338" r:id="rId9"/>
+    <p:sldId id="339" r:id="rId10"/>
+    <p:sldId id="328" r:id="rId11"/>
   </p:sldIdLst>
   <p:sldSz cx="12192000" cy="6858000"/>
   <p:notesSz cx="6858000" cy="9144000"/>
@@ -3478,6 +3480,144 @@
       </p:transition>
     </mc:Fallback>
   </mc:AlternateContent>
+</p:sld>
+</file>
+
+<file path=ppt/slides/slide10.xml><?xml version="1.0" encoding="utf-8"?>
+<p:sld xmlns:a="http://schemas.openxmlformats.org/drawingml/2006/main" xmlns:r="http://schemas.openxmlformats.org/officeDocument/2006/relationships" xmlns:p="http://schemas.openxmlformats.org/presentationml/2006/main">
+  <p:cSld>
+    <p:bg>
+      <p:bgPr>
+        <a:gradFill>
+          <a:gsLst>
+            <a:gs pos="0">
+              <a:srgbClr val="A603AB"/>
+            </a:gs>
+            <a:gs pos="21001">
+              <a:srgbClr val="0819FB"/>
+            </a:gs>
+            <a:gs pos="35001">
+              <a:srgbClr val="1A8D48"/>
+            </a:gs>
+            <a:gs pos="52000">
+              <a:srgbClr val="FFFF00"/>
+            </a:gs>
+            <a:gs pos="73000">
+              <a:srgbClr val="EE3F17"/>
+            </a:gs>
+            <a:gs pos="88000">
+              <a:srgbClr val="E81766"/>
+            </a:gs>
+            <a:gs pos="95416">
+              <a:srgbClr val="BF0B91"/>
+            </a:gs>
+            <a:gs pos="100000">
+              <a:srgbClr val="A603AB"/>
+            </a:gs>
+          </a:gsLst>
+          <a:lin ang="2700000" scaled="1"/>
+        </a:gradFill>
+        <a:effectLst/>
+      </p:bgPr>
+    </p:bg>
+    <p:spTree>
+      <p:nvGrpSpPr>
+        <p:cNvPr id="1" name=""/>
+        <p:cNvGrpSpPr/>
+        <p:nvPr/>
+      </p:nvGrpSpPr>
+      <p:grpSpPr>
+        <a:xfrm>
+          <a:off x="0" y="0"/>
+          <a:ext cx="0" cy="0"/>
+          <a:chOff x="0" y="0"/>
+          <a:chExt cx="0" cy="0"/>
+        </a:xfrm>
+      </p:grpSpPr>
+      <p:pic>
+        <p:nvPicPr>
+          <p:cNvPr id="4" name="그림 3">
+            <a:extLst>
+              <a:ext uri="{FF2B5EF4-FFF2-40B4-BE49-F238E27FC236}">
+                <a16:creationId xmlns:a16="http://schemas.microsoft.com/office/drawing/2014/main" id="{4D8BD8D3-68AB-4E26-B1EB-A42E350DE573}"/>
+              </a:ext>
+            </a:extLst>
+          </p:cNvPr>
+          <p:cNvPicPr>
+            <a:picLocks noChangeAspect="1"/>
+          </p:cNvPicPr>
+          <p:nvPr/>
+        </p:nvPicPr>
+        <p:blipFill>
+          <a:blip r:embed="rId2">
+            <a:extLst>
+              <a:ext uri="{28A0092B-C50C-407E-A947-70E740481C1C}">
+                <a14:useLocalDpi xmlns:a14="http://schemas.microsoft.com/office/drawing/2010/main" val="0"/>
+              </a:ext>
+            </a:extLst>
+          </a:blip>
+          <a:stretch>
+            <a:fillRect/>
+          </a:stretch>
+        </p:blipFill>
+        <p:spPr>
+          <a:xfrm>
+            <a:off x="0" y="2286000"/>
+            <a:ext cx="3657600" cy="4572000"/>
+          </a:xfrm>
+          <a:prstGeom prst="rect">
+            <a:avLst/>
+          </a:prstGeom>
+        </p:spPr>
+      </p:pic>
+      <p:pic>
+        <p:nvPicPr>
+          <p:cNvPr id="5" name="그림 4">
+            <a:extLst>
+              <a:ext uri="{FF2B5EF4-FFF2-40B4-BE49-F238E27FC236}">
+                <a16:creationId xmlns:a16="http://schemas.microsoft.com/office/drawing/2014/main" id="{B3F75FF3-6714-4283-AF21-027196A7D7BE}"/>
+              </a:ext>
+            </a:extLst>
+          </p:cNvPr>
+          <p:cNvPicPr>
+            <a:picLocks noChangeAspect="1"/>
+          </p:cNvPicPr>
+          <p:nvPr/>
+        </p:nvPicPr>
+        <p:blipFill rotWithShape="1">
+          <a:blip r:embed="rId3">
+            <a:extLst>
+              <a:ext uri="{28A0092B-C50C-407E-A947-70E740481C1C}">
+                <a14:useLocalDpi xmlns:a14="http://schemas.microsoft.com/office/drawing/2010/main" val="0"/>
+              </a:ext>
+            </a:extLst>
+          </a:blip>
+          <a:srcRect r="35505"/>
+          <a:stretch/>
+        </p:blipFill>
+        <p:spPr>
+          <a:xfrm>
+            <a:off x="5208460" y="0"/>
+            <a:ext cx="5897461" cy="6858000"/>
+          </a:xfrm>
+          <a:prstGeom prst="rect">
+            <a:avLst/>
+          </a:prstGeom>
+          <a:effectLst>
+            <a:softEdge rad="139700"/>
+          </a:effectLst>
+        </p:spPr>
+      </p:pic>
+    </p:spTree>
+    <p:extLst>
+      <p:ext uri="{BB962C8B-B14F-4D97-AF65-F5344CB8AC3E}">
+        <p14:creationId xmlns:p14="http://schemas.microsoft.com/office/powerpoint/2010/main" val="914126224"/>
+      </p:ext>
+    </p:extLst>
+  </p:cSld>
+  <p:clrMapOvr>
+    <a:masterClrMapping/>
+  </p:clrMapOvr>
 </p:sld>
 </file>
 
@@ -8266,40 +8406,6 @@
 <file path=ppt/slides/slide8.xml><?xml version="1.0" encoding="utf-8"?>
 <p:sld xmlns:a="http://schemas.openxmlformats.org/drawingml/2006/main" xmlns:r="http://schemas.openxmlformats.org/officeDocument/2006/relationships" xmlns:p="http://schemas.openxmlformats.org/presentationml/2006/main">
   <p:cSld>
-    <p:bg>
-      <p:bgPr>
-        <a:gradFill>
-          <a:gsLst>
-            <a:gs pos="0">
-              <a:srgbClr val="A603AB"/>
-            </a:gs>
-            <a:gs pos="21001">
-              <a:srgbClr val="0819FB"/>
-            </a:gs>
-            <a:gs pos="35001">
-              <a:srgbClr val="1A8D48"/>
-            </a:gs>
-            <a:gs pos="52000">
-              <a:srgbClr val="FFFF00"/>
-            </a:gs>
-            <a:gs pos="73000">
-              <a:srgbClr val="EE3F17"/>
-            </a:gs>
-            <a:gs pos="88000">
-              <a:srgbClr val="E81766"/>
-            </a:gs>
-            <a:gs pos="95416">
-              <a:srgbClr val="BF0B91"/>
-            </a:gs>
-            <a:gs pos="100000">
-              <a:srgbClr val="A603AB"/>
-            </a:gs>
-          </a:gsLst>
-          <a:lin ang="2700000" scaled="1"/>
-        </a:gradFill>
-        <a:effectLst/>
-      </p:bgPr>
-    </p:bg>
     <p:spTree>
       <p:nvGrpSpPr>
         <p:cNvPr id="1" name=""/>
@@ -8314,12 +8420,504 @@
           <a:chExt cx="0" cy="0"/>
         </a:xfrm>
       </p:grpSpPr>
+      <p:sp>
+        <p:nvSpPr>
+          <p:cNvPr id="2" name="TextBox 1">
+            <a:extLst>
+              <a:ext uri="{FF2B5EF4-FFF2-40B4-BE49-F238E27FC236}">
+                <a16:creationId xmlns:a16="http://schemas.microsoft.com/office/drawing/2014/main" id="{000DC9E8-54F2-4D10-85E7-6C62ED80C499}"/>
+              </a:ext>
+            </a:extLst>
+          </p:cNvPr>
+          <p:cNvSpPr txBox="1"/>
+          <p:nvPr/>
+        </p:nvSpPr>
+        <p:spPr>
+          <a:xfrm>
+            <a:off x="354127" y="458956"/>
+            <a:ext cx="11483746" cy="5940088"/>
+          </a:xfrm>
+          <a:prstGeom prst="rect">
+            <a:avLst/>
+          </a:prstGeom>
+          <a:noFill/>
+        </p:spPr>
+        <p:txBody>
+          <a:bodyPr wrap="square" rtlCol="0" anchor="t">
+            <a:spAutoFit/>
+          </a:bodyPr>
+          <a:lstStyle/>
+          <a:p>
+            <a:r>
+              <a:rPr lang="ko-KR" altLang="en-US" sz="3600" b="1" dirty="0">
+                <a:solidFill>
+                  <a:schemeClr val="accent2">
+                    <a:lumMod val="75000"/>
+                  </a:schemeClr>
+                </a:solidFill>
+                <a:ea typeface="맑은 고딕"/>
+              </a:rPr>
+              <a:t>도덕적 의무</a:t>
+            </a:r>
+            <a:r>
+              <a:rPr lang="en-US" altLang="ko-KR" sz="3600" b="1" dirty="0">
+                <a:solidFill>
+                  <a:schemeClr val="accent2">
+                    <a:lumMod val="75000"/>
+                  </a:schemeClr>
+                </a:solidFill>
+                <a:ea typeface="맑은 고딕"/>
+              </a:rPr>
+              <a:t>.</a:t>
+            </a:r>
+          </a:p>
+          <a:p>
+            <a:endParaRPr lang="en-US" altLang="ko-KR" sz="2800" dirty="0">
+              <a:ea typeface="맑은 고딕"/>
+            </a:endParaRPr>
+          </a:p>
+          <a:p>
+            <a:r>
+              <a:rPr lang="ko-KR" altLang="en-US" sz="2800" dirty="0">
+                <a:ea typeface="맑은 고딕"/>
+              </a:rPr>
+              <a:t>책임은 도덕적으로 필수적인 의무 형태를 갖는 행위</a:t>
+            </a:r>
+            <a:endParaRPr lang="en-US" altLang="ko-KR" sz="2800" dirty="0">
+              <a:ea typeface="맑은 고딕"/>
+            </a:endParaRPr>
+          </a:p>
+          <a:p>
+            <a:r>
+              <a:rPr lang="ko-KR" altLang="en-US" sz="2800" dirty="0">
+                <a:ea typeface="맑은 고딕"/>
+              </a:rPr>
+              <a:t>위험물질을 정기적으로 점검</a:t>
+            </a:r>
+            <a:r>
+              <a:rPr lang="en-US" altLang="ko-KR" sz="2800" dirty="0">
+                <a:ea typeface="맑은 고딕"/>
+              </a:rPr>
+              <a:t>, </a:t>
+            </a:r>
+            <a:r>
+              <a:rPr lang="ko-KR" altLang="en-US" sz="2800" dirty="0">
+                <a:ea typeface="맑은 고딕"/>
+              </a:rPr>
+              <a:t>잠재적인 위험성을 점검할 책임이 있다</a:t>
+            </a:r>
+            <a:r>
+              <a:rPr lang="en-US" altLang="ko-KR" sz="2800" dirty="0">
+                <a:ea typeface="맑은 고딕"/>
+              </a:rPr>
+              <a:t>.</a:t>
+            </a:r>
+          </a:p>
+          <a:p>
+            <a:endParaRPr lang="en-US" altLang="ko-KR" sz="3600" b="1" dirty="0">
+              <a:solidFill>
+                <a:schemeClr val="accent2">
+                  <a:lumMod val="75000"/>
+                </a:schemeClr>
+              </a:solidFill>
+              <a:ea typeface="맑은 고딕"/>
+            </a:endParaRPr>
+          </a:p>
+          <a:p>
+            <a:r>
+              <a:rPr lang="ko-KR" altLang="en-US" sz="3600" b="1" dirty="0">
+                <a:solidFill>
+                  <a:schemeClr val="accent2">
+                    <a:lumMod val="75000"/>
+                  </a:schemeClr>
+                </a:solidFill>
+                <a:ea typeface="맑은 고딕"/>
+              </a:rPr>
+              <a:t>도덕적 책임</a:t>
+            </a:r>
+            <a:r>
+              <a:rPr lang="en-US" altLang="ko-KR" sz="3600" b="1" dirty="0">
+                <a:solidFill>
+                  <a:schemeClr val="accent2">
+                    <a:lumMod val="75000"/>
+                  </a:schemeClr>
+                </a:solidFill>
+                <a:ea typeface="맑은 고딕"/>
+              </a:rPr>
+              <a:t>.</a:t>
+            </a:r>
+          </a:p>
+          <a:p>
+            <a:endParaRPr lang="ko-KR" sz="2000" b="1" dirty="0">
+              <a:solidFill>
+                <a:schemeClr val="accent2">
+                  <a:lumMod val="75000"/>
+                </a:schemeClr>
+              </a:solidFill>
+              <a:ea typeface="맑은 고딕"/>
+            </a:endParaRPr>
+          </a:p>
+          <a:p>
+            <a:r>
+              <a:rPr lang="ko-KR" altLang="en-US" sz="2800" b="1" dirty="0">
+                <a:solidFill>
+                  <a:srgbClr val="000000"/>
+                </a:solidFill>
+                <a:latin typeface="맑은 고딕"/>
+                <a:ea typeface="맑은 고딕"/>
+              </a:rPr>
+              <a:t>인과 관계에 의한 책임</a:t>
+            </a:r>
+            <a:r>
+              <a:rPr lang="en-US" altLang="ko-KR" sz="2800" b="1" dirty="0">
+                <a:solidFill>
+                  <a:srgbClr val="000000"/>
+                </a:solidFill>
+                <a:latin typeface="맑은 고딕"/>
+                <a:ea typeface="맑은 고딕"/>
+              </a:rPr>
+              <a:t>: </a:t>
+            </a:r>
+            <a:r>
+              <a:rPr lang="ko-KR" altLang="en-US" sz="2800" dirty="0">
+                <a:solidFill>
+                  <a:srgbClr val="000000"/>
+                </a:solidFill>
+                <a:latin typeface="맑은 고딕"/>
+                <a:ea typeface="맑은 고딕"/>
+              </a:rPr>
+              <a:t>위험물질을 공식적인 절차에 의하여 직접 처리하지 않았다</a:t>
+            </a:r>
+            <a:r>
+              <a:rPr lang="en-US" altLang="ko-KR" sz="2800" dirty="0">
+                <a:solidFill>
+                  <a:srgbClr val="000000"/>
+                </a:solidFill>
+                <a:latin typeface="맑은 고딕"/>
+                <a:ea typeface="맑은 고딕"/>
+              </a:rPr>
+              <a:t>.</a:t>
+            </a:r>
+          </a:p>
+          <a:p>
+            <a:endParaRPr lang="en-US" altLang="ko-KR" sz="2800" dirty="0">
+              <a:solidFill>
+                <a:srgbClr val="000000"/>
+              </a:solidFill>
+              <a:latin typeface="맑은 고딕"/>
+              <a:ea typeface="맑은 고딕"/>
+            </a:endParaRPr>
+          </a:p>
+          <a:p>
+            <a:r>
+              <a:rPr lang="ko-KR" altLang="en-US" sz="2800" b="1" dirty="0">
+                <a:solidFill>
+                  <a:srgbClr val="000000"/>
+                </a:solidFill>
+                <a:latin typeface="맑은 고딕"/>
+                <a:ea typeface="맑은 고딕"/>
+              </a:rPr>
+              <a:t>직업적인 책임</a:t>
+            </a:r>
+            <a:r>
+              <a:rPr lang="en-US" altLang="ko-KR" sz="2800" b="1" dirty="0">
+                <a:solidFill>
+                  <a:srgbClr val="000000"/>
+                </a:solidFill>
+                <a:latin typeface="맑은 고딕"/>
+                <a:ea typeface="맑은 고딕"/>
+              </a:rPr>
+              <a:t>: </a:t>
+            </a:r>
+            <a:r>
+              <a:rPr lang="ko-KR" altLang="en-US" sz="2800" dirty="0">
+                <a:solidFill>
+                  <a:srgbClr val="000000"/>
+                </a:solidFill>
+                <a:latin typeface="맑은 고딕"/>
+                <a:ea typeface="맑은 고딕"/>
+              </a:rPr>
+              <a:t>고용된 상황에서 한 개인에게 할당된 과업으로 구성</a:t>
+            </a:r>
+            <a:endParaRPr lang="en-US" altLang="ko-KR" sz="2800" dirty="0">
+              <a:solidFill>
+                <a:srgbClr val="000000"/>
+              </a:solidFill>
+              <a:latin typeface="맑은 고딕"/>
+              <a:ea typeface="맑은 고딕"/>
+            </a:endParaRPr>
+          </a:p>
+          <a:p>
+            <a:endParaRPr lang="en-US" altLang="ko-KR" sz="2800" dirty="0">
+              <a:solidFill>
+                <a:srgbClr val="000000"/>
+              </a:solidFill>
+              <a:latin typeface="맑은 고딕"/>
+              <a:ea typeface="맑은 고딕"/>
+            </a:endParaRPr>
+          </a:p>
+          <a:p>
+            <a:r>
+              <a:rPr lang="ko-KR" altLang="en-US" sz="2800" b="1" dirty="0">
+                <a:solidFill>
+                  <a:srgbClr val="000000"/>
+                </a:solidFill>
+                <a:latin typeface="맑은 고딕"/>
+                <a:ea typeface="맑은 고딕"/>
+              </a:rPr>
+              <a:t>법적 책임</a:t>
+            </a:r>
+            <a:r>
+              <a:rPr lang="en-US" altLang="ko-KR" sz="2800" b="1" dirty="0">
+                <a:solidFill>
+                  <a:srgbClr val="000000"/>
+                </a:solidFill>
+                <a:latin typeface="맑은 고딕"/>
+                <a:ea typeface="맑은 고딕"/>
+              </a:rPr>
+              <a:t>: </a:t>
+            </a:r>
+            <a:r>
+              <a:rPr lang="ko-KR" altLang="en-US" sz="2800" dirty="0">
+                <a:solidFill>
+                  <a:srgbClr val="000000"/>
+                </a:solidFill>
+                <a:latin typeface="맑은 고딕"/>
+                <a:ea typeface="맑은 고딕"/>
+              </a:rPr>
+              <a:t>책임을 지기 위해 법적인 의무를 다해야 한다</a:t>
+            </a:r>
+            <a:r>
+              <a:rPr lang="en-US" altLang="ko-KR" sz="2800" dirty="0">
+                <a:solidFill>
+                  <a:srgbClr val="000000"/>
+                </a:solidFill>
+                <a:latin typeface="맑은 고딕"/>
+                <a:ea typeface="맑은 고딕"/>
+              </a:rPr>
+              <a:t>.</a:t>
+            </a:r>
+            <a:endParaRPr lang="ko-KR" sz="2800" dirty="0">
+              <a:ea typeface="맑은 고딕"/>
+            </a:endParaRPr>
+          </a:p>
+        </p:txBody>
+      </p:sp>
+    </p:spTree>
+    <p:extLst>
+      <p:ext uri="{BB962C8B-B14F-4D97-AF65-F5344CB8AC3E}">
+        <p14:creationId xmlns:p14="http://schemas.microsoft.com/office/powerpoint/2010/main" val="1296807714"/>
+      </p:ext>
+    </p:extLst>
+  </p:cSld>
+  <p:clrMapOvr>
+    <a:masterClrMapping/>
+  </p:clrMapOvr>
+  <p:timing>
+    <p:tnLst>
+      <p:par>
+        <p:cTn id="1" dur="indefinite" restart="never" nodeType="tmRoot">
+          <p:childTnLst>
+            <p:seq concurrent="1" nextAc="seek">
+              <p:cTn id="2" dur="indefinite" nodeType="mainSeq">
+                <p:childTnLst>
+                  <p:par>
+                    <p:cTn id="3" fill="hold">
+                      <p:stCondLst>
+                        <p:cond delay="indefinite"/>
+                        <p:cond evt="onBegin" delay="0">
+                          <p:tn val="2"/>
+                        </p:cond>
+                      </p:stCondLst>
+                      <p:childTnLst>
+                        <p:par>
+                          <p:cTn id="4" fill="hold">
+                            <p:stCondLst>
+                              <p:cond delay="0"/>
+                            </p:stCondLst>
+                            <p:childTnLst>
+                              <p:par>
+                                <p:cTn id="5" presetID="23" presetClass="entr" presetSubtype="16" fill="hold" grpId="0" nodeType="afterEffect">
+                                  <p:stCondLst>
+                                    <p:cond delay="0"/>
+                                  </p:stCondLst>
+                                  <p:childTnLst>
+                                    <p:set>
+                                      <p:cBhvr>
+                                        <p:cTn id="6" dur="1" fill="hold">
+                                          <p:stCondLst>
+                                            <p:cond delay="0"/>
+                                          </p:stCondLst>
+                                        </p:cTn>
+                                        <p:tgtEl>
+                                          <p:spTgt spid="2"/>
+                                        </p:tgtEl>
+                                        <p:attrNameLst>
+                                          <p:attrName>style.visibility</p:attrName>
+                                        </p:attrNameLst>
+                                      </p:cBhvr>
+                                      <p:to>
+                                        <p:strVal val="visible"/>
+                                      </p:to>
+                                    </p:set>
+                                    <p:anim calcmode="lin" valueType="num">
+                                      <p:cBhvr>
+                                        <p:cTn id="7" dur="500" fill="hold"/>
+                                        <p:tgtEl>
+                                          <p:spTgt spid="2"/>
+                                        </p:tgtEl>
+                                        <p:attrNameLst>
+                                          <p:attrName>ppt_w</p:attrName>
+                                        </p:attrNameLst>
+                                      </p:cBhvr>
+                                      <p:tavLst>
+                                        <p:tav tm="0">
+                                          <p:val>
+                                            <p:fltVal val="0"/>
+                                          </p:val>
+                                        </p:tav>
+                                        <p:tav tm="100000">
+                                          <p:val>
+                                            <p:strVal val="#ppt_w"/>
+                                          </p:val>
+                                        </p:tav>
+                                      </p:tavLst>
+                                    </p:anim>
+                                    <p:anim calcmode="lin" valueType="num">
+                                      <p:cBhvr>
+                                        <p:cTn id="8" dur="500" fill="hold"/>
+                                        <p:tgtEl>
+                                          <p:spTgt spid="2"/>
+                                        </p:tgtEl>
+                                        <p:attrNameLst>
+                                          <p:attrName>ppt_h</p:attrName>
+                                        </p:attrNameLst>
+                                      </p:cBhvr>
+                                      <p:tavLst>
+                                        <p:tav tm="0">
+                                          <p:val>
+                                            <p:fltVal val="0"/>
+                                          </p:val>
+                                        </p:tav>
+                                        <p:tav tm="100000">
+                                          <p:val>
+                                            <p:strVal val="#ppt_h"/>
+                                          </p:val>
+                                        </p:tav>
+                                      </p:tavLst>
+                                    </p:anim>
+                                  </p:childTnLst>
+                                </p:cTn>
+                              </p:par>
+                            </p:childTnLst>
+                          </p:cTn>
+                        </p:par>
+                      </p:childTnLst>
+                    </p:cTn>
+                  </p:par>
+                </p:childTnLst>
+              </p:cTn>
+              <p:prevCondLst>
+                <p:cond evt="onPrev" delay="0">
+                  <p:tgtEl>
+                    <p:sldTgt/>
+                  </p:tgtEl>
+                </p:cond>
+              </p:prevCondLst>
+              <p:nextCondLst>
+                <p:cond evt="onNext" delay="0">
+                  <p:tgtEl>
+                    <p:sldTgt/>
+                  </p:tgtEl>
+                </p:cond>
+              </p:nextCondLst>
+            </p:seq>
+          </p:childTnLst>
+        </p:cTn>
+      </p:par>
+    </p:tnLst>
+    <p:bldLst>
+      <p:bldP spid="2" grpId="0"/>
+    </p:bldLst>
+  </p:timing>
+</p:sld>
+</file>
+
+<file path=ppt/slides/slide9.xml><?xml version="1.0" encoding="utf-8"?>
+<p:sld xmlns:a="http://schemas.openxmlformats.org/drawingml/2006/main" xmlns:r="http://schemas.openxmlformats.org/officeDocument/2006/relationships" xmlns:p="http://schemas.openxmlformats.org/presentationml/2006/main">
+  <p:cSld>
+    <p:spTree>
+      <p:nvGrpSpPr>
+        <p:cNvPr id="1" name=""/>
+        <p:cNvGrpSpPr/>
+        <p:nvPr/>
+      </p:nvGrpSpPr>
+      <p:grpSpPr>
+        <a:xfrm>
+          <a:off x="0" y="0"/>
+          <a:ext cx="0" cy="0"/>
+          <a:chOff x="0" y="0"/>
+          <a:chExt cx="0" cy="0"/>
+        </a:xfrm>
+      </p:grpSpPr>
+      <p:sp>
+        <p:nvSpPr>
+          <p:cNvPr id="6" name="직사각형 5">
+            <a:extLst>
+              <a:ext uri="{FF2B5EF4-FFF2-40B4-BE49-F238E27FC236}">
+                <a16:creationId xmlns:a16="http://schemas.microsoft.com/office/drawing/2014/main" id="{FAB6ABAB-0C95-457A-8F6F-3D7AE1A41A1A}"/>
+              </a:ext>
+            </a:extLst>
+          </p:cNvPr>
+          <p:cNvSpPr/>
+          <p:nvPr/>
+        </p:nvSpPr>
+        <p:spPr>
+          <a:xfrm>
+            <a:off x="-113122" y="0"/>
+            <a:ext cx="12509369" cy="7070103"/>
+          </a:xfrm>
+          <a:prstGeom prst="rect">
+            <a:avLst/>
+          </a:prstGeom>
+          <a:solidFill>
+            <a:srgbClr val="F2F2F2"/>
+          </a:solidFill>
+          <a:ln>
+            <a:noFill/>
+          </a:ln>
+        </p:spPr>
+        <p:style>
+          <a:lnRef idx="2">
+            <a:schemeClr val="accent1">
+              <a:shade val="50000"/>
+            </a:schemeClr>
+          </a:lnRef>
+          <a:fillRef idx="1">
+            <a:schemeClr val="accent1"/>
+          </a:fillRef>
+          <a:effectRef idx="0">
+            <a:schemeClr val="accent1"/>
+          </a:effectRef>
+          <a:fontRef idx="minor">
+            <a:schemeClr val="lt1"/>
+          </a:fontRef>
+        </p:style>
+        <p:txBody>
+          <a:bodyPr rtlCol="0" anchor="ctr"/>
+          <a:lstStyle/>
+          <a:p>
+            <a:pPr algn="ctr"/>
+            <a:endParaRPr lang="ko-KR" altLang="en-US" dirty="0"/>
+          </a:p>
+        </p:txBody>
+      </p:sp>
       <p:pic>
         <p:nvPicPr>
-          <p:cNvPr id="4" name="그림 3">
-            <a:extLst>
-              <a:ext uri="{FF2B5EF4-FFF2-40B4-BE49-F238E27FC236}">
-                <a16:creationId xmlns:a16="http://schemas.microsoft.com/office/drawing/2014/main" id="{4D8BD8D3-68AB-4E26-B1EB-A42E350DE573}"/>
+          <p:cNvPr id="2" name="그림 1">
+            <a:extLst>
+              <a:ext uri="{FF2B5EF4-FFF2-40B4-BE49-F238E27FC236}">
+                <a16:creationId xmlns:a16="http://schemas.microsoft.com/office/drawing/2014/main" id="{1943876F-3E44-44EA-9E91-0C3F064D87E6}"/>
               </a:ext>
             </a:extLst>
           </p:cNvPr>
@@ -8329,21 +8927,15 @@
           <p:nvPr/>
         </p:nvPicPr>
         <p:blipFill>
-          <a:blip r:embed="rId2">
-            <a:extLst>
-              <a:ext uri="{28A0092B-C50C-407E-A947-70E740481C1C}">
-                <a14:useLocalDpi xmlns:a14="http://schemas.microsoft.com/office/drawing/2010/main" val="0"/>
-              </a:ext>
-            </a:extLst>
-          </a:blip>
+          <a:blip r:embed="rId2"/>
           <a:stretch>
             <a:fillRect/>
           </a:stretch>
         </p:blipFill>
         <p:spPr>
           <a:xfrm>
-            <a:off x="0" y="2286000"/>
-            <a:ext cx="3657600" cy="4572000"/>
+            <a:off x="804208" y="1476114"/>
+            <a:ext cx="8496300" cy="723900"/>
           </a:xfrm>
           <a:prstGeom prst="rect">
             <a:avLst/>
@@ -8352,10 +8944,10 @@
       </p:pic>
       <p:pic>
         <p:nvPicPr>
-          <p:cNvPr id="5" name="그림 4">
-            <a:extLst>
-              <a:ext uri="{FF2B5EF4-FFF2-40B4-BE49-F238E27FC236}">
-                <a16:creationId xmlns:a16="http://schemas.microsoft.com/office/drawing/2014/main" id="{B3F75FF3-6714-4283-AF21-027196A7D7BE}"/>
+          <p:cNvPr id="3" name="그림 2">
+            <a:extLst>
+              <a:ext uri="{FF2B5EF4-FFF2-40B4-BE49-F238E27FC236}">
+                <a16:creationId xmlns:a16="http://schemas.microsoft.com/office/drawing/2014/main" id="{74E6710E-1C80-4B81-8CB1-2D2B4EECD464}"/>
               </a:ext>
             </a:extLst>
           </p:cNvPr>
@@ -8364,40 +8956,245 @@
           </p:cNvPicPr>
           <p:nvPr/>
         </p:nvPicPr>
-        <p:blipFill rotWithShape="1">
-          <a:blip r:embed="rId3">
-            <a:extLst>
-              <a:ext uri="{28A0092B-C50C-407E-A947-70E740481C1C}">
-                <a14:useLocalDpi xmlns:a14="http://schemas.microsoft.com/office/drawing/2010/main" val="0"/>
-              </a:ext>
-            </a:extLst>
-          </a:blip>
-          <a:srcRect r="35505"/>
-          <a:stretch/>
+        <p:blipFill>
+          <a:blip r:embed="rId3"/>
+          <a:stretch>
+            <a:fillRect/>
+          </a:stretch>
         </p:blipFill>
         <p:spPr>
           <a:xfrm>
-            <a:off x="5208460" y="0"/>
-            <a:ext cx="5897461" cy="6858000"/>
-          </a:xfrm>
-          <a:prstGeom prst="rect">
-            <a:avLst/>
-          </a:prstGeom>
-          <a:effectLst>
-            <a:softEdge rad="139700"/>
-          </a:effectLst>
+            <a:off x="708860" y="2600064"/>
+            <a:ext cx="8982075" cy="1428750"/>
+          </a:xfrm>
+          <a:prstGeom prst="rect">
+            <a:avLst/>
+          </a:prstGeom>
         </p:spPr>
       </p:pic>
+      <p:pic>
+        <p:nvPicPr>
+          <p:cNvPr id="4" name="그림 3">
+            <a:extLst>
+              <a:ext uri="{FF2B5EF4-FFF2-40B4-BE49-F238E27FC236}">
+                <a16:creationId xmlns:a16="http://schemas.microsoft.com/office/drawing/2014/main" id="{79204526-0ABB-4C72-ADD6-940EB0843579}"/>
+              </a:ext>
+            </a:extLst>
+          </p:cNvPr>
+          <p:cNvPicPr>
+            <a:picLocks noChangeAspect="1"/>
+          </p:cNvPicPr>
+          <p:nvPr/>
+        </p:nvPicPr>
+        <p:blipFill>
+          <a:blip r:embed="rId4"/>
+          <a:stretch>
+            <a:fillRect/>
+          </a:stretch>
+        </p:blipFill>
+        <p:spPr>
+          <a:xfrm>
+            <a:off x="746568" y="4597306"/>
+            <a:ext cx="8705850" cy="762000"/>
+          </a:xfrm>
+          <a:prstGeom prst="rect">
+            <a:avLst/>
+          </a:prstGeom>
+        </p:spPr>
+      </p:pic>
+      <p:sp>
+        <p:nvSpPr>
+          <p:cNvPr id="8" name="TextBox 7">
+            <a:extLst>
+              <a:ext uri="{FF2B5EF4-FFF2-40B4-BE49-F238E27FC236}">
+                <a16:creationId xmlns:a16="http://schemas.microsoft.com/office/drawing/2014/main" id="{E783DB3B-E213-4936-9A6B-0C9E78511C6B}"/>
+              </a:ext>
+            </a:extLst>
+          </p:cNvPr>
+          <p:cNvSpPr txBox="1"/>
+          <p:nvPr/>
+        </p:nvSpPr>
+        <p:spPr>
+          <a:xfrm>
+            <a:off x="354127" y="581506"/>
+            <a:ext cx="11483746" cy="646331"/>
+          </a:xfrm>
+          <a:prstGeom prst="rect">
+            <a:avLst/>
+          </a:prstGeom>
+          <a:noFill/>
+        </p:spPr>
+        <p:txBody>
+          <a:bodyPr wrap="square" rtlCol="0" anchor="t">
+            <a:spAutoFit/>
+          </a:bodyPr>
+          <a:lstStyle/>
+          <a:p>
+            <a:r>
+              <a:rPr lang="en-US" altLang="ko-KR" sz="3600" b="1" dirty="0">
+                <a:solidFill>
+                  <a:schemeClr val="accent2">
+                    <a:lumMod val="75000"/>
+                  </a:schemeClr>
+                </a:solidFill>
+                <a:ea typeface="맑은 고딕"/>
+              </a:rPr>
+              <a:t>NSPE</a:t>
+            </a:r>
+            <a:r>
+              <a:rPr lang="ko-KR" altLang="en-US" sz="3600" b="1" dirty="0">
+                <a:solidFill>
+                  <a:schemeClr val="accent2">
+                    <a:lumMod val="75000"/>
+                  </a:schemeClr>
+                </a:solidFill>
+                <a:ea typeface="맑은 고딕"/>
+              </a:rPr>
+              <a:t>의 윤리 규범</a:t>
+            </a:r>
+            <a:endParaRPr lang="ko-KR" sz="2800" dirty="0">
+              <a:ea typeface="맑은 고딕"/>
+            </a:endParaRPr>
+          </a:p>
+        </p:txBody>
+      </p:sp>
     </p:spTree>
     <p:extLst>
       <p:ext uri="{BB962C8B-B14F-4D97-AF65-F5344CB8AC3E}">
-        <p14:creationId xmlns:p14="http://schemas.microsoft.com/office/powerpoint/2010/main" val="914126224"/>
+        <p14:creationId xmlns:p14="http://schemas.microsoft.com/office/powerpoint/2010/main" val="2742993508"/>
       </p:ext>
     </p:extLst>
   </p:cSld>
   <p:clrMapOvr>
     <a:masterClrMapping/>
   </p:clrMapOvr>
+  <p:timing>
+    <p:tnLst>
+      <p:par>
+        <p:cTn id="1" dur="indefinite" restart="never" nodeType="tmRoot">
+          <p:childTnLst>
+            <p:seq concurrent="1" nextAc="seek">
+              <p:cTn id="2" dur="indefinite" nodeType="mainSeq">
+                <p:childTnLst>
+                  <p:par>
+                    <p:cTn id="3" fill="hold">
+                      <p:stCondLst>
+                        <p:cond delay="indefinite"/>
+                        <p:cond evt="onBegin" delay="0">
+                          <p:tn val="2"/>
+                        </p:cond>
+                      </p:stCondLst>
+                      <p:childTnLst>
+                        <p:par>
+                          <p:cTn id="4" fill="hold">
+                            <p:stCondLst>
+                              <p:cond delay="0"/>
+                            </p:stCondLst>
+                            <p:childTnLst>
+                              <p:par>
+                                <p:cTn id="5" presetID="23" presetClass="entr" presetSubtype="16" fill="hold" grpId="0" nodeType="afterEffect">
+                                  <p:stCondLst>
+                                    <p:cond delay="0"/>
+                                  </p:stCondLst>
+                                  <p:childTnLst>
+                                    <p:set>
+                                      <p:cBhvr>
+                                        <p:cTn id="6" dur="1" fill="hold">
+                                          <p:stCondLst>
+                                            <p:cond delay="0"/>
+                                          </p:stCondLst>
+                                        </p:cTn>
+                                        <p:tgtEl>
+                                          <p:spTgt spid="8"/>
+                                        </p:tgtEl>
+                                        <p:attrNameLst>
+                                          <p:attrName>style.visibility</p:attrName>
+                                        </p:attrNameLst>
+                                      </p:cBhvr>
+                                      <p:to>
+                                        <p:strVal val="visible"/>
+                                      </p:to>
+                                    </p:set>
+                                    <p:anim calcmode="lin" valueType="num">
+                                      <p:cBhvr>
+                                        <p:cTn id="7" dur="500" fill="hold"/>
+                                        <p:tgtEl>
+                                          <p:spTgt spid="8"/>
+                                        </p:tgtEl>
+                                        <p:attrNameLst>
+                                          <p:attrName>ppt_w</p:attrName>
+                                        </p:attrNameLst>
+                                      </p:cBhvr>
+                                      <p:tavLst>
+                                        <p:tav tm="0">
+                                          <p:val>
+                                            <p:fltVal val="0"/>
+                                          </p:val>
+                                        </p:tav>
+                                        <p:tav tm="100000">
+                                          <p:val>
+                                            <p:strVal val="#ppt_w"/>
+                                          </p:val>
+                                        </p:tav>
+                                      </p:tavLst>
+                                    </p:anim>
+                                    <p:anim calcmode="lin" valueType="num">
+                                      <p:cBhvr>
+                                        <p:cTn id="8" dur="500" fill="hold"/>
+                                        <p:tgtEl>
+                                          <p:spTgt spid="8"/>
+                                        </p:tgtEl>
+                                        <p:attrNameLst>
+                                          <p:attrName>ppt_h</p:attrName>
+                                        </p:attrNameLst>
+                                      </p:cBhvr>
+                                      <p:tavLst>
+                                        <p:tav tm="0">
+                                          <p:val>
+                                            <p:fltVal val="0"/>
+                                          </p:val>
+                                        </p:tav>
+                                        <p:tav tm="100000">
+                                          <p:val>
+                                            <p:strVal val="#ppt_h"/>
+                                          </p:val>
+                                        </p:tav>
+                                      </p:tavLst>
+                                    </p:anim>
+                                  </p:childTnLst>
+                                </p:cTn>
+                              </p:par>
+                            </p:childTnLst>
+                          </p:cTn>
+                        </p:par>
+                      </p:childTnLst>
+                    </p:cTn>
+                  </p:par>
+                </p:childTnLst>
+              </p:cTn>
+              <p:prevCondLst>
+                <p:cond evt="onPrev" delay="0">
+                  <p:tgtEl>
+                    <p:sldTgt/>
+                  </p:tgtEl>
+                </p:cond>
+              </p:prevCondLst>
+              <p:nextCondLst>
+                <p:cond evt="onNext" delay="0">
+                  <p:tgtEl>
+                    <p:sldTgt/>
+                  </p:tgtEl>
+                </p:cond>
+              </p:nextCondLst>
+            </p:seq>
+          </p:childTnLst>
+        </p:cTn>
+      </p:par>
+    </p:tnLst>
+    <p:bldLst>
+      <p:bldP spid="8" grpId="0"/>
+    </p:bldLst>
+  </p:timing>
 </p:sld>
 </file>
 

--- a/3차과제_1조(이겼조)_[사례8]공학자의 윤리적 의무_20181640안세홍, 20181644우정헌.pptx
+++ b/3차과제_1조(이겼조)_[사례8]공학자의 윤리적 의무_20181640안세홍, 20181644우정헌.pptx
@@ -14,7 +14,8 @@
     <p:sldId id="337" r:id="rId8"/>
     <p:sldId id="338" r:id="rId9"/>
     <p:sldId id="339" r:id="rId10"/>
-    <p:sldId id="328" r:id="rId11"/>
+    <p:sldId id="340" r:id="rId11"/>
+    <p:sldId id="328" r:id="rId12"/>
   </p:sldIdLst>
   <p:sldSz cx="12192000" cy="6858000"/>
   <p:notesSz cx="6858000" cy="9144000"/>
@@ -311,7 +312,7 @@
           <a:p>
             <a:fld id="{CAFBD626-7868-4573-9C94-072F39000BA8}" type="datetimeFigureOut">
               <a:rPr lang="ko-KR" altLang="en-US" smtClean="0"/>
-              <a:t>2018-11-12</a:t>
+              <a:t>2018-11-14</a:t>
             </a:fld>
             <a:endParaRPr lang="ko-KR" altLang="en-US"/>
           </a:p>
@@ -549,7 +550,7 @@
           <a:p>
             <a:fld id="{CAFBD626-7868-4573-9C94-072F39000BA8}" type="datetimeFigureOut">
               <a:rPr lang="ko-KR" altLang="en-US" smtClean="0"/>
-              <a:t>2018-11-12</a:t>
+              <a:t>2018-11-14</a:t>
             </a:fld>
             <a:endParaRPr lang="ko-KR" altLang="en-US"/>
           </a:p>
@@ -884,7 +885,7 @@
           <a:p>
             <a:fld id="{CAFBD626-7868-4573-9C94-072F39000BA8}" type="datetimeFigureOut">
               <a:rPr lang="ko-KR" altLang="en-US" smtClean="0"/>
-              <a:t>2018-11-12</a:t>
+              <a:t>2018-11-14</a:t>
             </a:fld>
             <a:endParaRPr lang="ko-KR" altLang="en-US"/>
           </a:p>
@@ -1187,7 +1188,7 @@
           <a:p>
             <a:fld id="{CAFBD626-7868-4573-9C94-072F39000BA8}" type="datetimeFigureOut">
               <a:rPr lang="ko-KR" altLang="en-US" smtClean="0"/>
-              <a:t>2018-11-12</a:t>
+              <a:t>2018-11-14</a:t>
             </a:fld>
             <a:endParaRPr lang="ko-KR" altLang="en-US"/>
           </a:p>
@@ -1638,7 +1639,7 @@
           <a:p>
             <a:fld id="{CAFBD626-7868-4573-9C94-072F39000BA8}" type="datetimeFigureOut">
               <a:rPr lang="ko-KR" altLang="en-US" smtClean="0"/>
-              <a:t>2018-11-12</a:t>
+              <a:t>2018-11-14</a:t>
             </a:fld>
             <a:endParaRPr lang="ko-KR" altLang="en-US"/>
           </a:p>
@@ -1811,7 +1812,7 @@
           <a:p>
             <a:fld id="{CAFBD626-7868-4573-9C94-072F39000BA8}" type="datetimeFigureOut">
               <a:rPr lang="ko-KR" altLang="en-US" smtClean="0"/>
-              <a:t>2018-11-12</a:t>
+              <a:t>2018-11-14</a:t>
             </a:fld>
             <a:endParaRPr lang="ko-KR" altLang="en-US"/>
           </a:p>
@@ -1948,7 +1949,7 @@
           <a:p>
             <a:fld id="{CAFBD626-7868-4573-9C94-072F39000BA8}" type="datetimeFigureOut">
               <a:rPr lang="ko-KR" altLang="en-US" smtClean="0"/>
-              <a:t>2018-11-12</a:t>
+              <a:t>2018-11-14</a:t>
             </a:fld>
             <a:endParaRPr lang="ko-KR" altLang="en-US"/>
           </a:p>
@@ -2292,7 +2293,7 @@
           <a:p>
             <a:fld id="{CAFBD626-7868-4573-9C94-072F39000BA8}" type="datetimeFigureOut">
               <a:rPr lang="ko-KR" altLang="en-US" smtClean="0"/>
-              <a:t>2018-11-12</a:t>
+              <a:t>2018-11-14</a:t>
             </a:fld>
             <a:endParaRPr lang="ko-KR" altLang="en-US"/>
           </a:p>
@@ -2616,7 +2617,7 @@
           <a:p>
             <a:fld id="{CAFBD626-7868-4573-9C94-072F39000BA8}" type="datetimeFigureOut">
               <a:rPr lang="ko-KR" altLang="en-US" smtClean="0"/>
-              <a:t>2018-11-12</a:t>
+              <a:t>2018-11-14</a:t>
             </a:fld>
             <a:endParaRPr lang="ko-KR" altLang="en-US"/>
           </a:p>
@@ -3486,6 +3487,656 @@
 <file path=ppt/slides/slide10.xml><?xml version="1.0" encoding="utf-8"?>
 <p:sld xmlns:a="http://schemas.openxmlformats.org/drawingml/2006/main" xmlns:r="http://schemas.openxmlformats.org/officeDocument/2006/relationships" xmlns:p="http://schemas.openxmlformats.org/presentationml/2006/main">
   <p:cSld>
+    <p:spTree>
+      <p:nvGrpSpPr>
+        <p:cNvPr id="1" name=""/>
+        <p:cNvGrpSpPr/>
+        <p:nvPr/>
+      </p:nvGrpSpPr>
+      <p:grpSpPr>
+        <a:xfrm>
+          <a:off x="0" y="0"/>
+          <a:ext cx="0" cy="0"/>
+          <a:chOff x="0" y="0"/>
+          <a:chExt cx="0" cy="0"/>
+        </a:xfrm>
+      </p:grpSpPr>
+      <p:sp>
+        <p:nvSpPr>
+          <p:cNvPr id="2" name="TextBox 1">
+            <a:extLst>
+              <a:ext uri="{FF2B5EF4-FFF2-40B4-BE49-F238E27FC236}">
+                <a16:creationId xmlns:a16="http://schemas.microsoft.com/office/drawing/2014/main" id="{A35AA273-DC02-41EB-A87F-6D845B7024A5}"/>
+              </a:ext>
+            </a:extLst>
+          </p:cNvPr>
+          <p:cNvSpPr txBox="1"/>
+          <p:nvPr/>
+        </p:nvSpPr>
+        <p:spPr>
+          <a:xfrm>
+            <a:off x="354127" y="172338"/>
+            <a:ext cx="11483746" cy="646331"/>
+          </a:xfrm>
+          <a:prstGeom prst="rect">
+            <a:avLst/>
+          </a:prstGeom>
+          <a:noFill/>
+        </p:spPr>
+        <p:txBody>
+          <a:bodyPr wrap="square" rtlCol="0" anchor="t">
+            <a:spAutoFit/>
+          </a:bodyPr>
+          <a:lstStyle/>
+          <a:p>
+            <a:r>
+              <a:rPr lang="ko-KR" altLang="en-US" sz="3600" b="1" dirty="0">
+                <a:solidFill>
+                  <a:schemeClr val="accent2">
+                    <a:lumMod val="75000"/>
+                  </a:schemeClr>
+                </a:solidFill>
+                <a:ea typeface="맑은 고딕"/>
+              </a:rPr>
+              <a:t>실제 사례</a:t>
+            </a:r>
+            <a:endParaRPr lang="ko-KR" sz="2800" dirty="0">
+              <a:ea typeface="맑은 고딕"/>
+            </a:endParaRPr>
+          </a:p>
+        </p:txBody>
+      </p:sp>
+      <p:pic>
+        <p:nvPicPr>
+          <p:cNvPr id="3" name="그림 2">
+            <a:extLst>
+              <a:ext uri="{FF2B5EF4-FFF2-40B4-BE49-F238E27FC236}">
+                <a16:creationId xmlns:a16="http://schemas.microsoft.com/office/drawing/2014/main" id="{8C4384E1-67D7-42EB-90A8-8D3FA2083274}"/>
+              </a:ext>
+            </a:extLst>
+          </p:cNvPr>
+          <p:cNvPicPr>
+            <a:picLocks noChangeAspect="1"/>
+          </p:cNvPicPr>
+          <p:nvPr/>
+        </p:nvPicPr>
+        <p:blipFill>
+          <a:blip r:embed="rId2"/>
+          <a:stretch>
+            <a:fillRect/>
+          </a:stretch>
+        </p:blipFill>
+        <p:spPr>
+          <a:xfrm>
+            <a:off x="529177" y="992859"/>
+            <a:ext cx="6457950" cy="781050"/>
+          </a:xfrm>
+          <a:prstGeom prst="rect">
+            <a:avLst/>
+          </a:prstGeom>
+        </p:spPr>
+      </p:pic>
+      <p:pic>
+        <p:nvPicPr>
+          <p:cNvPr id="4" name="그림 3">
+            <a:extLst>
+              <a:ext uri="{FF2B5EF4-FFF2-40B4-BE49-F238E27FC236}">
+                <a16:creationId xmlns:a16="http://schemas.microsoft.com/office/drawing/2014/main" id="{37B641FA-60D3-4218-AD8A-3D082654A043}"/>
+              </a:ext>
+            </a:extLst>
+          </p:cNvPr>
+          <p:cNvPicPr>
+            <a:picLocks noChangeAspect="1"/>
+          </p:cNvPicPr>
+          <p:nvPr/>
+        </p:nvPicPr>
+        <p:blipFill>
+          <a:blip r:embed="rId3"/>
+          <a:stretch>
+            <a:fillRect/>
+          </a:stretch>
+        </p:blipFill>
+        <p:spPr>
+          <a:xfrm>
+            <a:off x="400794" y="1850018"/>
+            <a:ext cx="6714716" cy="4745066"/>
+          </a:xfrm>
+          <a:prstGeom prst="rect">
+            <a:avLst/>
+          </a:prstGeom>
+        </p:spPr>
+      </p:pic>
+      <p:pic>
+        <p:nvPicPr>
+          <p:cNvPr id="5" name="그림 4">
+            <a:extLst>
+              <a:ext uri="{FF2B5EF4-FFF2-40B4-BE49-F238E27FC236}">
+                <a16:creationId xmlns:a16="http://schemas.microsoft.com/office/drawing/2014/main" id="{BCD53587-7D6F-47F3-9DAC-2E9142D8136B}"/>
+              </a:ext>
+            </a:extLst>
+          </p:cNvPr>
+          <p:cNvPicPr>
+            <a:picLocks noChangeAspect="1"/>
+          </p:cNvPicPr>
+          <p:nvPr/>
+        </p:nvPicPr>
+        <p:blipFill>
+          <a:blip r:embed="rId4"/>
+          <a:stretch>
+            <a:fillRect/>
+          </a:stretch>
+        </p:blipFill>
+        <p:spPr>
+          <a:xfrm>
+            <a:off x="7495333" y="2363939"/>
+            <a:ext cx="4305300" cy="2438400"/>
+          </a:xfrm>
+          <a:prstGeom prst="rect">
+            <a:avLst/>
+          </a:prstGeom>
+        </p:spPr>
+      </p:pic>
+      <p:pic>
+        <p:nvPicPr>
+          <p:cNvPr id="1026" name="Picture 2" descr="http://linkback.hani.co.kr/images/onebyone.gif?action_id=d450511e4a9489bb95a029ab892f4b4">
+            <a:extLst>
+              <a:ext uri="{FF2B5EF4-FFF2-40B4-BE49-F238E27FC236}">
+                <a16:creationId xmlns:a16="http://schemas.microsoft.com/office/drawing/2014/main" id="{599FDA88-47BE-4AF6-B0A3-863B5486DA8E}"/>
+              </a:ext>
+            </a:extLst>
+          </p:cNvPr>
+          <p:cNvPicPr>
+            <a:picLocks noChangeAspect="1" noChangeArrowheads="1"/>
+          </p:cNvPicPr>
+          <p:nvPr/>
+        </p:nvPicPr>
+        <p:blipFill>
+          <a:blip r:embed="rId5">
+            <a:extLst>
+              <a:ext uri="{28A0092B-C50C-407E-A947-70E740481C1C}">
+                <a14:useLocalDpi xmlns:a14="http://schemas.microsoft.com/office/drawing/2010/main" val="0"/>
+              </a:ext>
+            </a:extLst>
+          </a:blip>
+          <a:srcRect/>
+          <a:stretch>
+            <a:fillRect/>
+          </a:stretch>
+        </p:blipFill>
+        <p:spPr bwMode="auto">
+          <a:xfrm>
+            <a:off x="2403475" y="136525"/>
+            <a:ext cx="9525" cy="9525"/>
+          </a:xfrm>
+          <a:prstGeom prst="rect">
+            <a:avLst/>
+          </a:prstGeom>
+          <a:noFill/>
+          <a:extLst>
+            <a:ext uri="{909E8E84-426E-40DD-AFC4-6F175D3DCCD1}">
+              <a14:hiddenFill xmlns:a14="http://schemas.microsoft.com/office/drawing/2010/main">
+                <a:solidFill>
+                  <a:srgbClr val="FFFFFF"/>
+                </a:solidFill>
+              </a14:hiddenFill>
+            </a:ext>
+          </a:extLst>
+        </p:spPr>
+      </p:pic>
+      <p:sp>
+        <p:nvSpPr>
+          <p:cNvPr id="7" name="직사각형 6">
+            <a:extLst>
+              <a:ext uri="{FF2B5EF4-FFF2-40B4-BE49-F238E27FC236}">
+                <a16:creationId xmlns:a16="http://schemas.microsoft.com/office/drawing/2014/main" id="{A9DA3A0D-2486-41E6-BF54-7186AE132D9C}"/>
+              </a:ext>
+            </a:extLst>
+          </p:cNvPr>
+          <p:cNvSpPr/>
+          <p:nvPr/>
+        </p:nvSpPr>
+        <p:spPr>
+          <a:xfrm>
+            <a:off x="9030511" y="5777356"/>
+            <a:ext cx="3060970" cy="946413"/>
+          </a:xfrm>
+          <a:prstGeom prst="rect">
+            <a:avLst/>
+          </a:prstGeom>
+        </p:spPr>
+        <p:txBody>
+          <a:bodyPr wrap="square">
+            <a:spAutoFit/>
+          </a:bodyPr>
+          <a:lstStyle/>
+          <a:p>
+            <a:br>
+              <a:rPr lang="ko-KR" altLang="ko-KR" sz="2400" dirty="0">
+                <a:latin typeface="Arial" panose="020B0604020202020204" pitchFamily="34" charset="0"/>
+              </a:rPr>
+            </a:br>
+            <a:r>
+              <a:rPr lang="ko-KR" altLang="ko-KR" sz="1050" dirty="0">
+                <a:solidFill>
+                  <a:srgbClr val="222222"/>
+                </a:solidFill>
+                <a:latin typeface="Arial" panose="020B0604020202020204" pitchFamily="34" charset="0"/>
+                <a:ea typeface="Nanum Gothic"/>
+              </a:rPr>
+              <a:t>원문보기: </a:t>
+            </a:r>
+            <a:br>
+              <a:rPr lang="ko-KR" altLang="ko-KR" sz="1000" dirty="0">
+                <a:latin typeface="Arial" panose="020B0604020202020204" pitchFamily="34" charset="0"/>
+              </a:rPr>
+            </a:br>
+            <a:r>
+              <a:rPr lang="ko-KR" altLang="ko-KR" sz="1050" dirty="0">
+                <a:solidFill>
+                  <a:srgbClr val="222222"/>
+                </a:solidFill>
+                <a:latin typeface="Arial" panose="020B0604020202020204" pitchFamily="34" charset="0"/>
+                <a:ea typeface="Nanum Gothic"/>
+                <a:hlinkClick r:id="rId6"/>
+              </a:rPr>
+              <a:t>http://www.hani.co.kr/arti/society/labor/698947.html#csidxd450511e4a9489bb95a029ab892f4b4 </a:t>
+            </a:r>
+            <a:r>
+              <a:rPr lang="ko-KR" altLang="ko-KR" sz="1000" dirty="0">
+                <a:latin typeface="Arial" panose="020B0604020202020204" pitchFamily="34" charset="0"/>
+              </a:rPr>
+              <a:t> </a:t>
+            </a:r>
+            <a:endParaRPr lang="ko-KR" altLang="en-US" sz="1050" dirty="0"/>
+          </a:p>
+        </p:txBody>
+      </p:sp>
+      <p:pic>
+        <p:nvPicPr>
+          <p:cNvPr id="8" name="그림 7">
+            <a:extLst>
+              <a:ext uri="{FF2B5EF4-FFF2-40B4-BE49-F238E27FC236}">
+                <a16:creationId xmlns:a16="http://schemas.microsoft.com/office/drawing/2014/main" id="{986DFA1F-07ED-4BF8-808A-3BAC548996E3}"/>
+              </a:ext>
+            </a:extLst>
+          </p:cNvPr>
+          <p:cNvPicPr>
+            <a:picLocks noChangeAspect="1"/>
+          </p:cNvPicPr>
+          <p:nvPr/>
+        </p:nvPicPr>
+        <p:blipFill>
+          <a:blip r:embed="rId7"/>
+          <a:stretch>
+            <a:fillRect/>
+          </a:stretch>
+        </p:blipFill>
+        <p:spPr>
+          <a:xfrm>
+            <a:off x="3957640" y="3544855"/>
+            <a:ext cx="7934325" cy="2676525"/>
+          </a:xfrm>
+          <a:prstGeom prst="rect">
+            <a:avLst/>
+          </a:prstGeom>
+        </p:spPr>
+      </p:pic>
+      <p:cxnSp>
+        <p:nvCxnSpPr>
+          <p:cNvPr id="10" name="직선 연결선 9">
+            <a:extLst>
+              <a:ext uri="{FF2B5EF4-FFF2-40B4-BE49-F238E27FC236}">
+                <a16:creationId xmlns:a16="http://schemas.microsoft.com/office/drawing/2014/main" id="{FAE30896-4CA8-4411-BE3E-410AB0C4533B}"/>
+              </a:ext>
+            </a:extLst>
+          </p:cNvPr>
+          <p:cNvCxnSpPr>
+            <a:cxnSpLocks/>
+          </p:cNvCxnSpPr>
+          <p:nvPr/>
+        </p:nvCxnSpPr>
+        <p:spPr>
+          <a:xfrm>
+            <a:off x="4115949" y="4627903"/>
+            <a:ext cx="3246385" cy="0"/>
+          </a:xfrm>
+          <a:prstGeom prst="line">
+            <a:avLst/>
+          </a:prstGeom>
+          <a:ln w="28575">
+            <a:solidFill>
+              <a:srgbClr val="FF0000"/>
+            </a:solidFill>
+          </a:ln>
+        </p:spPr>
+        <p:style>
+          <a:lnRef idx="1">
+            <a:schemeClr val="accent1"/>
+          </a:lnRef>
+          <a:fillRef idx="0">
+            <a:schemeClr val="accent1"/>
+          </a:fillRef>
+          <a:effectRef idx="0">
+            <a:schemeClr val="accent1"/>
+          </a:effectRef>
+          <a:fontRef idx="minor">
+            <a:schemeClr val="tx1"/>
+          </a:fontRef>
+        </p:style>
+      </p:cxnSp>
+      <p:cxnSp>
+        <p:nvCxnSpPr>
+          <p:cNvPr id="12" name="직선 연결선 11">
+            <a:extLst>
+              <a:ext uri="{FF2B5EF4-FFF2-40B4-BE49-F238E27FC236}">
+                <a16:creationId xmlns:a16="http://schemas.microsoft.com/office/drawing/2014/main" id="{2D9E2FD2-7279-4825-B64E-A36FE992739F}"/>
+              </a:ext>
+            </a:extLst>
+          </p:cNvPr>
+          <p:cNvCxnSpPr/>
+          <p:nvPr/>
+        </p:nvCxnSpPr>
+        <p:spPr>
+          <a:xfrm>
+            <a:off x="5505855" y="4222551"/>
+            <a:ext cx="1980051" cy="0"/>
+          </a:xfrm>
+          <a:prstGeom prst="line">
+            <a:avLst/>
+          </a:prstGeom>
+          <a:ln w="28575">
+            <a:solidFill>
+              <a:srgbClr val="FF0000"/>
+            </a:solidFill>
+          </a:ln>
+        </p:spPr>
+        <p:style>
+          <a:lnRef idx="1">
+            <a:schemeClr val="accent1"/>
+          </a:lnRef>
+          <a:fillRef idx="0">
+            <a:schemeClr val="accent1"/>
+          </a:fillRef>
+          <a:effectRef idx="0">
+            <a:schemeClr val="accent1"/>
+          </a:effectRef>
+          <a:fontRef idx="minor">
+            <a:schemeClr val="tx1"/>
+          </a:fontRef>
+        </p:style>
+      </p:cxnSp>
+      <p:cxnSp>
+        <p:nvCxnSpPr>
+          <p:cNvPr id="13" name="직선 연결선 12">
+            <a:extLst>
+              <a:ext uri="{FF2B5EF4-FFF2-40B4-BE49-F238E27FC236}">
+                <a16:creationId xmlns:a16="http://schemas.microsoft.com/office/drawing/2014/main" id="{0EE720D2-039B-48A6-96F7-1E42508A5B5C}"/>
+              </a:ext>
+            </a:extLst>
+          </p:cNvPr>
+          <p:cNvCxnSpPr>
+            <a:cxnSpLocks/>
+          </p:cNvCxnSpPr>
+          <p:nvPr/>
+        </p:nvCxnSpPr>
+        <p:spPr>
+          <a:xfrm>
+            <a:off x="4115949" y="5033256"/>
+            <a:ext cx="3246385" cy="0"/>
+          </a:xfrm>
+          <a:prstGeom prst="line">
+            <a:avLst/>
+          </a:prstGeom>
+          <a:ln w="28575">
+            <a:solidFill>
+              <a:srgbClr val="FF0000"/>
+            </a:solidFill>
+          </a:ln>
+        </p:spPr>
+        <p:style>
+          <a:lnRef idx="1">
+            <a:schemeClr val="accent1"/>
+          </a:lnRef>
+          <a:fillRef idx="0">
+            <a:schemeClr val="accent1"/>
+          </a:fillRef>
+          <a:effectRef idx="0">
+            <a:schemeClr val="accent1"/>
+          </a:effectRef>
+          <a:fontRef idx="minor">
+            <a:schemeClr val="tx1"/>
+          </a:fontRef>
+        </p:style>
+      </p:cxnSp>
+      <p:cxnSp>
+        <p:nvCxnSpPr>
+          <p:cNvPr id="18" name="직선 연결선 17">
+            <a:extLst>
+              <a:ext uri="{FF2B5EF4-FFF2-40B4-BE49-F238E27FC236}">
+                <a16:creationId xmlns:a16="http://schemas.microsoft.com/office/drawing/2014/main" id="{FEE40BD0-47F4-4A7B-AAFB-5EE5DCF900B0}"/>
+              </a:ext>
+            </a:extLst>
+          </p:cNvPr>
+          <p:cNvCxnSpPr>
+            <a:cxnSpLocks/>
+          </p:cNvCxnSpPr>
+          <p:nvPr/>
+        </p:nvCxnSpPr>
+        <p:spPr>
+          <a:xfrm>
+            <a:off x="4115949" y="5391475"/>
+            <a:ext cx="3246385" cy="0"/>
+          </a:xfrm>
+          <a:prstGeom prst="line">
+            <a:avLst/>
+          </a:prstGeom>
+          <a:ln w="28575">
+            <a:solidFill>
+              <a:srgbClr val="FF0000"/>
+            </a:solidFill>
+          </a:ln>
+        </p:spPr>
+        <p:style>
+          <a:lnRef idx="1">
+            <a:schemeClr val="accent1"/>
+          </a:lnRef>
+          <a:fillRef idx="0">
+            <a:schemeClr val="accent1"/>
+          </a:fillRef>
+          <a:effectRef idx="0">
+            <a:schemeClr val="accent1"/>
+          </a:effectRef>
+          <a:fontRef idx="minor">
+            <a:schemeClr val="tx1"/>
+          </a:fontRef>
+        </p:style>
+      </p:cxnSp>
+      <p:cxnSp>
+        <p:nvCxnSpPr>
+          <p:cNvPr id="19" name="직선 연결선 18">
+            <a:extLst>
+              <a:ext uri="{FF2B5EF4-FFF2-40B4-BE49-F238E27FC236}">
+                <a16:creationId xmlns:a16="http://schemas.microsoft.com/office/drawing/2014/main" id="{ACE53C59-52F4-46A5-A9A0-BEE651EEE64F}"/>
+              </a:ext>
+            </a:extLst>
+          </p:cNvPr>
+          <p:cNvCxnSpPr>
+            <a:cxnSpLocks/>
+          </p:cNvCxnSpPr>
+          <p:nvPr/>
+        </p:nvCxnSpPr>
+        <p:spPr>
+          <a:xfrm>
+            <a:off x="4115949" y="5767272"/>
+            <a:ext cx="7281057" cy="0"/>
+          </a:xfrm>
+          <a:prstGeom prst="line">
+            <a:avLst/>
+          </a:prstGeom>
+          <a:ln w="28575">
+            <a:solidFill>
+              <a:srgbClr val="FF0000"/>
+            </a:solidFill>
+          </a:ln>
+        </p:spPr>
+        <p:style>
+          <a:lnRef idx="1">
+            <a:schemeClr val="accent1"/>
+          </a:lnRef>
+          <a:fillRef idx="0">
+            <a:schemeClr val="accent1"/>
+          </a:fillRef>
+          <a:effectRef idx="0">
+            <a:schemeClr val="accent1"/>
+          </a:effectRef>
+          <a:fontRef idx="minor">
+            <a:schemeClr val="tx1"/>
+          </a:fontRef>
+        </p:style>
+      </p:cxnSp>
+    </p:spTree>
+    <p:extLst>
+      <p:ext uri="{BB962C8B-B14F-4D97-AF65-F5344CB8AC3E}">
+        <p14:creationId xmlns:p14="http://schemas.microsoft.com/office/powerpoint/2010/main" val="615393782"/>
+      </p:ext>
+    </p:extLst>
+  </p:cSld>
+  <p:clrMapOvr>
+    <a:masterClrMapping/>
+  </p:clrMapOvr>
+  <p:timing>
+    <p:tnLst>
+      <p:par>
+        <p:cTn id="1" dur="indefinite" restart="never" nodeType="tmRoot">
+          <p:childTnLst>
+            <p:seq concurrent="1" nextAc="seek">
+              <p:cTn id="2" dur="indefinite" nodeType="mainSeq">
+                <p:childTnLst>
+                  <p:par>
+                    <p:cTn id="3" fill="hold">
+                      <p:stCondLst>
+                        <p:cond delay="indefinite"/>
+                        <p:cond evt="onBegin" delay="0">
+                          <p:tn val="2"/>
+                        </p:cond>
+                      </p:stCondLst>
+                      <p:childTnLst>
+                        <p:par>
+                          <p:cTn id="4" fill="hold">
+                            <p:stCondLst>
+                              <p:cond delay="0"/>
+                            </p:stCondLst>
+                            <p:childTnLst>
+                              <p:par>
+                                <p:cTn id="5" presetID="23" presetClass="entr" presetSubtype="16" fill="hold" grpId="0" nodeType="afterEffect">
+                                  <p:stCondLst>
+                                    <p:cond delay="0"/>
+                                  </p:stCondLst>
+                                  <p:childTnLst>
+                                    <p:set>
+                                      <p:cBhvr>
+                                        <p:cTn id="6" dur="1" fill="hold">
+                                          <p:stCondLst>
+                                            <p:cond delay="0"/>
+                                          </p:stCondLst>
+                                        </p:cTn>
+                                        <p:tgtEl>
+                                          <p:spTgt spid="2"/>
+                                        </p:tgtEl>
+                                        <p:attrNameLst>
+                                          <p:attrName>style.visibility</p:attrName>
+                                        </p:attrNameLst>
+                                      </p:cBhvr>
+                                      <p:to>
+                                        <p:strVal val="visible"/>
+                                      </p:to>
+                                    </p:set>
+                                    <p:anim calcmode="lin" valueType="num">
+                                      <p:cBhvr>
+                                        <p:cTn id="7" dur="500" fill="hold"/>
+                                        <p:tgtEl>
+                                          <p:spTgt spid="2"/>
+                                        </p:tgtEl>
+                                        <p:attrNameLst>
+                                          <p:attrName>ppt_w</p:attrName>
+                                        </p:attrNameLst>
+                                      </p:cBhvr>
+                                      <p:tavLst>
+                                        <p:tav tm="0">
+                                          <p:val>
+                                            <p:fltVal val="0"/>
+                                          </p:val>
+                                        </p:tav>
+                                        <p:tav tm="100000">
+                                          <p:val>
+                                            <p:strVal val="#ppt_w"/>
+                                          </p:val>
+                                        </p:tav>
+                                      </p:tavLst>
+                                    </p:anim>
+                                    <p:anim calcmode="lin" valueType="num">
+                                      <p:cBhvr>
+                                        <p:cTn id="8" dur="500" fill="hold"/>
+                                        <p:tgtEl>
+                                          <p:spTgt spid="2"/>
+                                        </p:tgtEl>
+                                        <p:attrNameLst>
+                                          <p:attrName>ppt_h</p:attrName>
+                                        </p:attrNameLst>
+                                      </p:cBhvr>
+                                      <p:tavLst>
+                                        <p:tav tm="0">
+                                          <p:val>
+                                            <p:fltVal val="0"/>
+                                          </p:val>
+                                        </p:tav>
+                                        <p:tav tm="100000">
+                                          <p:val>
+                                            <p:strVal val="#ppt_h"/>
+                                          </p:val>
+                                        </p:tav>
+                                      </p:tavLst>
+                                    </p:anim>
+                                  </p:childTnLst>
+                                </p:cTn>
+                              </p:par>
+                            </p:childTnLst>
+                          </p:cTn>
+                        </p:par>
+                      </p:childTnLst>
+                    </p:cTn>
+                  </p:par>
+                </p:childTnLst>
+              </p:cTn>
+              <p:prevCondLst>
+                <p:cond evt="onPrev" delay="0">
+                  <p:tgtEl>
+                    <p:sldTgt/>
+                  </p:tgtEl>
+                </p:cond>
+              </p:prevCondLst>
+              <p:nextCondLst>
+                <p:cond evt="onNext" delay="0">
+                  <p:tgtEl>
+                    <p:sldTgt/>
+                  </p:tgtEl>
+                </p:cond>
+              </p:nextCondLst>
+            </p:seq>
+          </p:childTnLst>
+        </p:cTn>
+      </p:par>
+    </p:tnLst>
+    <p:bldLst>
+      <p:bldP spid="2" grpId="0"/>
+    </p:bldLst>
+  </p:timing>
+</p:sld>
+</file>
+
+<file path=ppt/slides/slide11.xml><?xml version="1.0" encoding="utf-8"?>
+<p:sld xmlns:a="http://schemas.openxmlformats.org/drawingml/2006/main" xmlns:r="http://schemas.openxmlformats.org/officeDocument/2006/relationships" xmlns:p="http://schemas.openxmlformats.org/presentationml/2006/main">
+  <p:cSld>
     <p:bg>
       <p:bgPr>
         <a:gradFill>
@@ -3570,44 +4221,6 @@
           </a:prstGeom>
         </p:spPr>
       </p:pic>
-      <p:pic>
-        <p:nvPicPr>
-          <p:cNvPr id="5" name="그림 4">
-            <a:extLst>
-              <a:ext uri="{FF2B5EF4-FFF2-40B4-BE49-F238E27FC236}">
-                <a16:creationId xmlns:a16="http://schemas.microsoft.com/office/drawing/2014/main" id="{B3F75FF3-6714-4283-AF21-027196A7D7BE}"/>
-              </a:ext>
-            </a:extLst>
-          </p:cNvPr>
-          <p:cNvPicPr>
-            <a:picLocks noChangeAspect="1"/>
-          </p:cNvPicPr>
-          <p:nvPr/>
-        </p:nvPicPr>
-        <p:blipFill rotWithShape="1">
-          <a:blip r:embed="rId3">
-            <a:extLst>
-              <a:ext uri="{28A0092B-C50C-407E-A947-70E740481C1C}">
-                <a14:useLocalDpi xmlns:a14="http://schemas.microsoft.com/office/drawing/2010/main" val="0"/>
-              </a:ext>
-            </a:extLst>
-          </a:blip>
-          <a:srcRect r="35505"/>
-          <a:stretch/>
-        </p:blipFill>
-        <p:spPr>
-          <a:xfrm>
-            <a:off x="5208460" y="0"/>
-            <a:ext cx="5897461" cy="6858000"/>
-          </a:xfrm>
-          <a:prstGeom prst="rect">
-            <a:avLst/>
-          </a:prstGeom>
-          <a:effectLst>
-            <a:softEdge rad="139700"/>
-          </a:effectLst>
-        </p:spPr>
-      </p:pic>
     </p:spTree>
     <p:extLst>
       <p:ext uri="{BB962C8B-B14F-4D97-AF65-F5344CB8AC3E}">
@@ -3733,7 +4346,7 @@
         </p:nvSpPr>
         <p:spPr>
           <a:xfrm>
-            <a:off x="1173559" y="1475939"/>
+            <a:off x="8770861" y="4131590"/>
             <a:ext cx="1838965" cy="707886"/>
           </a:xfrm>
           <a:prstGeom prst="rect">
@@ -3747,7 +4360,7 @@
           <a:lstStyle/>
           <a:p>
             <a:r>
-              <a:rPr lang="ko-KR" altLang="en-US" sz="4000" spc="300" err="1">
+              <a:rPr lang="ko-KR" altLang="en-US" sz="4000" spc="300" dirty="0" err="1">
                 <a:solidFill>
                   <a:schemeClr val="bg1">
                     <a:lumMod val="95000"/>
@@ -3758,7 +4371,80 @@
               </a:rPr>
               <a:t>이겼조</a:t>
             </a:r>
-            <a:endParaRPr lang="ko-KR" altLang="en-US" sz="4000">
+            <a:endParaRPr lang="ko-KR" altLang="en-US" sz="4000" dirty="0">
+              <a:solidFill>
+                <a:schemeClr val="bg1">
+                  <a:lumMod val="95000"/>
+                </a:schemeClr>
+              </a:solidFill>
+            </a:endParaRPr>
+          </a:p>
+        </p:txBody>
+      </p:sp>
+      <p:sp>
+        <p:nvSpPr>
+          <p:cNvPr id="7" name="직사각형 6">
+            <a:extLst>
+              <a:ext uri="{FF2B5EF4-FFF2-40B4-BE49-F238E27FC236}">
+                <a16:creationId xmlns:a16="http://schemas.microsoft.com/office/drawing/2014/main" id="{E0BDB3B2-931A-4E08-B024-D798B9D51C93}"/>
+              </a:ext>
+            </a:extLst>
+          </p:cNvPr>
+          <p:cNvSpPr/>
+          <p:nvPr/>
+        </p:nvSpPr>
+        <p:spPr>
+          <a:xfrm>
+            <a:off x="886080" y="1437028"/>
+            <a:ext cx="2060179" cy="707886"/>
+          </a:xfrm>
+          <a:prstGeom prst="rect">
+            <a:avLst/>
+          </a:prstGeom>
+        </p:spPr>
+        <p:txBody>
+          <a:bodyPr wrap="none">
+            <a:spAutoFit/>
+          </a:bodyPr>
+          <a:lstStyle/>
+          <a:p>
+            <a:r>
+              <a:rPr lang="en-US" altLang="ko-KR" sz="4000" spc="300" dirty="0">
+                <a:solidFill>
+                  <a:schemeClr val="bg1">
+                    <a:lumMod val="95000"/>
+                  </a:schemeClr>
+                </a:solidFill>
+                <a:latin typeface="나눔스퀘어 ExtraBold" panose="020B0600000101010101" pitchFamily="50" charset="-127"/>
+                <a:ea typeface="나눔스퀘어 ExtraBold" panose="020B0600000101010101" pitchFamily="50" charset="-127"/>
+              </a:rPr>
+              <a:t>[</a:t>
+            </a:r>
+            <a:r>
+              <a:rPr lang="ko-KR" altLang="en-US" sz="4000" spc="300" dirty="0">
+                <a:solidFill>
+                  <a:schemeClr val="bg1">
+                    <a:lumMod val="95000"/>
+                  </a:schemeClr>
+                </a:solidFill>
+                <a:latin typeface="나눔스퀘어 ExtraBold" panose="020B0600000101010101" pitchFamily="50" charset="-127"/>
+                <a:ea typeface="나눔스퀘어 ExtraBold" panose="020B0600000101010101" pitchFamily="50" charset="-127"/>
+              </a:rPr>
+              <a:t>사례</a:t>
+            </a:r>
+            <a:r>
+              <a:rPr lang="en-US" altLang="ko-KR" sz="4000" spc="300" dirty="0">
+                <a:solidFill>
+                  <a:schemeClr val="bg1">
+                    <a:lumMod val="95000"/>
+                  </a:schemeClr>
+                </a:solidFill>
+                <a:latin typeface="나눔스퀘어 ExtraBold" panose="020B0600000101010101" pitchFamily="50" charset="-127"/>
+                <a:ea typeface="나눔스퀘어 ExtraBold" panose="020B0600000101010101" pitchFamily="50" charset="-127"/>
+              </a:rPr>
+              <a:t>8]</a:t>
+            </a:r>
+            <a:endParaRPr lang="ko-KR" altLang="en-US" sz="4000" dirty="0">
               <a:solidFill>
                 <a:schemeClr val="bg1">
                   <a:lumMod val="95000"/>

--- a/3차과제_1조(이겼조)_[사례8]공학자의 윤리적 의무_20181640안세홍, 20181644우정헌.pptx
+++ b/3차과제_1조(이겼조)_[사례8]공학자의 윤리적 의무_20181640안세홍, 20181644우정헌.pptx
@@ -4097,6 +4097,545 @@
                                         </p:tav>
                                       </p:tavLst>
                                     </p:anim>
+                                  </p:childTnLst>
+                                </p:cTn>
+                              </p:par>
+                            </p:childTnLst>
+                          </p:cTn>
+                        </p:par>
+                        <p:par>
+                          <p:cTn id="9" fill="hold">
+                            <p:stCondLst>
+                              <p:cond delay="500"/>
+                            </p:stCondLst>
+                            <p:childTnLst>
+                              <p:par>
+                                <p:cTn id="10" presetID="2" presetClass="entr" presetSubtype="4" fill="hold" nodeType="afterEffect">
+                                  <p:stCondLst>
+                                    <p:cond delay="0"/>
+                                  </p:stCondLst>
+                                  <p:childTnLst>
+                                    <p:set>
+                                      <p:cBhvr>
+                                        <p:cTn id="11" dur="1" fill="hold">
+                                          <p:stCondLst>
+                                            <p:cond delay="0"/>
+                                          </p:stCondLst>
+                                        </p:cTn>
+                                        <p:tgtEl>
+                                          <p:spTgt spid="3"/>
+                                        </p:tgtEl>
+                                        <p:attrNameLst>
+                                          <p:attrName>style.visibility</p:attrName>
+                                        </p:attrNameLst>
+                                      </p:cBhvr>
+                                      <p:to>
+                                        <p:strVal val="visible"/>
+                                      </p:to>
+                                    </p:set>
+                                    <p:anim calcmode="lin" valueType="num">
+                                      <p:cBhvr additive="base">
+                                        <p:cTn id="12" dur="500" fill="hold"/>
+                                        <p:tgtEl>
+                                          <p:spTgt spid="3"/>
+                                        </p:tgtEl>
+                                        <p:attrNameLst>
+                                          <p:attrName>ppt_x</p:attrName>
+                                        </p:attrNameLst>
+                                      </p:cBhvr>
+                                      <p:tavLst>
+                                        <p:tav tm="0">
+                                          <p:val>
+                                            <p:strVal val="#ppt_x"/>
+                                          </p:val>
+                                        </p:tav>
+                                        <p:tav tm="100000">
+                                          <p:val>
+                                            <p:strVal val="#ppt_x"/>
+                                          </p:val>
+                                        </p:tav>
+                                      </p:tavLst>
+                                    </p:anim>
+                                    <p:anim calcmode="lin" valueType="num">
+                                      <p:cBhvr additive="base">
+                                        <p:cTn id="13" dur="500" fill="hold"/>
+                                        <p:tgtEl>
+                                          <p:spTgt spid="3"/>
+                                        </p:tgtEl>
+                                        <p:attrNameLst>
+                                          <p:attrName>ppt_y</p:attrName>
+                                        </p:attrNameLst>
+                                      </p:cBhvr>
+                                      <p:tavLst>
+                                        <p:tav tm="0">
+                                          <p:val>
+                                            <p:strVal val="1+#ppt_h/2"/>
+                                          </p:val>
+                                        </p:tav>
+                                        <p:tav tm="100000">
+                                          <p:val>
+                                            <p:strVal val="#ppt_y"/>
+                                          </p:val>
+                                        </p:tav>
+                                      </p:tavLst>
+                                    </p:anim>
+                                  </p:childTnLst>
+                                </p:cTn>
+                              </p:par>
+                              <p:par>
+                                <p:cTn id="14" presetID="2" presetClass="entr" presetSubtype="4" fill="hold" nodeType="withEffect">
+                                  <p:stCondLst>
+                                    <p:cond delay="0"/>
+                                  </p:stCondLst>
+                                  <p:childTnLst>
+                                    <p:set>
+                                      <p:cBhvr>
+                                        <p:cTn id="15" dur="1" fill="hold">
+                                          <p:stCondLst>
+                                            <p:cond delay="0"/>
+                                          </p:stCondLst>
+                                        </p:cTn>
+                                        <p:tgtEl>
+                                          <p:spTgt spid="4"/>
+                                        </p:tgtEl>
+                                        <p:attrNameLst>
+                                          <p:attrName>style.visibility</p:attrName>
+                                        </p:attrNameLst>
+                                      </p:cBhvr>
+                                      <p:to>
+                                        <p:strVal val="visible"/>
+                                      </p:to>
+                                    </p:set>
+                                    <p:anim calcmode="lin" valueType="num">
+                                      <p:cBhvr additive="base">
+                                        <p:cTn id="16" dur="500" fill="hold"/>
+                                        <p:tgtEl>
+                                          <p:spTgt spid="4"/>
+                                        </p:tgtEl>
+                                        <p:attrNameLst>
+                                          <p:attrName>ppt_x</p:attrName>
+                                        </p:attrNameLst>
+                                      </p:cBhvr>
+                                      <p:tavLst>
+                                        <p:tav tm="0">
+                                          <p:val>
+                                            <p:strVal val="#ppt_x"/>
+                                          </p:val>
+                                        </p:tav>
+                                        <p:tav tm="100000">
+                                          <p:val>
+                                            <p:strVal val="#ppt_x"/>
+                                          </p:val>
+                                        </p:tav>
+                                      </p:tavLst>
+                                    </p:anim>
+                                    <p:anim calcmode="lin" valueType="num">
+                                      <p:cBhvr additive="base">
+                                        <p:cTn id="17" dur="500" fill="hold"/>
+                                        <p:tgtEl>
+                                          <p:spTgt spid="4"/>
+                                        </p:tgtEl>
+                                        <p:attrNameLst>
+                                          <p:attrName>ppt_y</p:attrName>
+                                        </p:attrNameLst>
+                                      </p:cBhvr>
+                                      <p:tavLst>
+                                        <p:tav tm="0">
+                                          <p:val>
+                                            <p:strVal val="1+#ppt_h/2"/>
+                                          </p:val>
+                                        </p:tav>
+                                        <p:tav tm="100000">
+                                          <p:val>
+                                            <p:strVal val="#ppt_y"/>
+                                          </p:val>
+                                        </p:tav>
+                                      </p:tavLst>
+                                    </p:anim>
+                                  </p:childTnLst>
+                                </p:cTn>
+                              </p:par>
+                              <p:par>
+                                <p:cTn id="18" presetID="2" presetClass="entr" presetSubtype="4" fill="hold" nodeType="withEffect">
+                                  <p:stCondLst>
+                                    <p:cond delay="0"/>
+                                  </p:stCondLst>
+                                  <p:childTnLst>
+                                    <p:set>
+                                      <p:cBhvr>
+                                        <p:cTn id="19" dur="1" fill="hold">
+                                          <p:stCondLst>
+                                            <p:cond delay="0"/>
+                                          </p:stCondLst>
+                                        </p:cTn>
+                                        <p:tgtEl>
+                                          <p:spTgt spid="5"/>
+                                        </p:tgtEl>
+                                        <p:attrNameLst>
+                                          <p:attrName>style.visibility</p:attrName>
+                                        </p:attrNameLst>
+                                      </p:cBhvr>
+                                      <p:to>
+                                        <p:strVal val="visible"/>
+                                      </p:to>
+                                    </p:set>
+                                    <p:anim calcmode="lin" valueType="num">
+                                      <p:cBhvr additive="base">
+                                        <p:cTn id="20" dur="500" fill="hold"/>
+                                        <p:tgtEl>
+                                          <p:spTgt spid="5"/>
+                                        </p:tgtEl>
+                                        <p:attrNameLst>
+                                          <p:attrName>ppt_x</p:attrName>
+                                        </p:attrNameLst>
+                                      </p:cBhvr>
+                                      <p:tavLst>
+                                        <p:tav tm="0">
+                                          <p:val>
+                                            <p:strVal val="#ppt_x"/>
+                                          </p:val>
+                                        </p:tav>
+                                        <p:tav tm="100000">
+                                          <p:val>
+                                            <p:strVal val="#ppt_x"/>
+                                          </p:val>
+                                        </p:tav>
+                                      </p:tavLst>
+                                    </p:anim>
+                                    <p:anim calcmode="lin" valueType="num">
+                                      <p:cBhvr additive="base">
+                                        <p:cTn id="21" dur="500" fill="hold"/>
+                                        <p:tgtEl>
+                                          <p:spTgt spid="5"/>
+                                        </p:tgtEl>
+                                        <p:attrNameLst>
+                                          <p:attrName>ppt_y</p:attrName>
+                                        </p:attrNameLst>
+                                      </p:cBhvr>
+                                      <p:tavLst>
+                                        <p:tav tm="0">
+                                          <p:val>
+                                            <p:strVal val="1+#ppt_h/2"/>
+                                          </p:val>
+                                        </p:tav>
+                                        <p:tav tm="100000">
+                                          <p:val>
+                                            <p:strVal val="#ppt_y"/>
+                                          </p:val>
+                                        </p:tav>
+                                      </p:tavLst>
+                                    </p:anim>
+                                  </p:childTnLst>
+                                </p:cTn>
+                              </p:par>
+                            </p:childTnLst>
+                          </p:cTn>
+                        </p:par>
+                      </p:childTnLst>
+                    </p:cTn>
+                  </p:par>
+                  <p:par>
+                    <p:cTn id="22" fill="hold">
+                      <p:stCondLst>
+                        <p:cond delay="indefinite"/>
+                      </p:stCondLst>
+                      <p:childTnLst>
+                        <p:par>
+                          <p:cTn id="23" fill="hold">
+                            <p:stCondLst>
+                              <p:cond delay="0"/>
+                            </p:stCondLst>
+                            <p:childTnLst>
+                              <p:par>
+                                <p:cTn id="24" presetID="2" presetClass="entr" presetSubtype="4" fill="hold" nodeType="clickEffect">
+                                  <p:stCondLst>
+                                    <p:cond delay="0"/>
+                                  </p:stCondLst>
+                                  <p:childTnLst>
+                                    <p:set>
+                                      <p:cBhvr>
+                                        <p:cTn id="25" dur="1" fill="hold">
+                                          <p:stCondLst>
+                                            <p:cond delay="0"/>
+                                          </p:stCondLst>
+                                        </p:cTn>
+                                        <p:tgtEl>
+                                          <p:spTgt spid="8"/>
+                                        </p:tgtEl>
+                                        <p:attrNameLst>
+                                          <p:attrName>style.visibility</p:attrName>
+                                        </p:attrNameLst>
+                                      </p:cBhvr>
+                                      <p:to>
+                                        <p:strVal val="visible"/>
+                                      </p:to>
+                                    </p:set>
+                                    <p:anim calcmode="lin" valueType="num">
+                                      <p:cBhvr additive="base">
+                                        <p:cTn id="26" dur="500" fill="hold"/>
+                                        <p:tgtEl>
+                                          <p:spTgt spid="8"/>
+                                        </p:tgtEl>
+                                        <p:attrNameLst>
+                                          <p:attrName>ppt_x</p:attrName>
+                                        </p:attrNameLst>
+                                      </p:cBhvr>
+                                      <p:tavLst>
+                                        <p:tav tm="0">
+                                          <p:val>
+                                            <p:strVal val="#ppt_x"/>
+                                          </p:val>
+                                        </p:tav>
+                                        <p:tav tm="100000">
+                                          <p:val>
+                                            <p:strVal val="#ppt_x"/>
+                                          </p:val>
+                                        </p:tav>
+                                      </p:tavLst>
+                                    </p:anim>
+                                    <p:anim calcmode="lin" valueType="num">
+                                      <p:cBhvr additive="base">
+                                        <p:cTn id="27" dur="500" fill="hold"/>
+                                        <p:tgtEl>
+                                          <p:spTgt spid="8"/>
+                                        </p:tgtEl>
+                                        <p:attrNameLst>
+                                          <p:attrName>ppt_y</p:attrName>
+                                        </p:attrNameLst>
+                                      </p:cBhvr>
+                                      <p:tavLst>
+                                        <p:tav tm="0">
+                                          <p:val>
+                                            <p:strVal val="1+#ppt_h/2"/>
+                                          </p:val>
+                                        </p:tav>
+                                        <p:tav tm="100000">
+                                          <p:val>
+                                            <p:strVal val="#ppt_y"/>
+                                          </p:val>
+                                        </p:tav>
+                                      </p:tavLst>
+                                    </p:anim>
+                                  </p:childTnLst>
+                                </p:cTn>
+                              </p:par>
+                            </p:childTnLst>
+                          </p:cTn>
+                        </p:par>
+                        <p:par>
+                          <p:cTn id="28" fill="hold">
+                            <p:stCondLst>
+                              <p:cond delay="500"/>
+                            </p:stCondLst>
+                            <p:childTnLst>
+                              <p:par>
+                                <p:cTn id="29" presetID="22" presetClass="entr" presetSubtype="8" fill="hold" nodeType="afterEffect">
+                                  <p:stCondLst>
+                                    <p:cond delay="0"/>
+                                  </p:stCondLst>
+                                  <p:childTnLst>
+                                    <p:set>
+                                      <p:cBhvr>
+                                        <p:cTn id="30" dur="1" fill="hold">
+                                          <p:stCondLst>
+                                            <p:cond delay="0"/>
+                                          </p:stCondLst>
+                                        </p:cTn>
+                                        <p:tgtEl>
+                                          <p:spTgt spid="12"/>
+                                        </p:tgtEl>
+                                        <p:attrNameLst>
+                                          <p:attrName>style.visibility</p:attrName>
+                                        </p:attrNameLst>
+                                      </p:cBhvr>
+                                      <p:to>
+                                        <p:strVal val="visible"/>
+                                      </p:to>
+                                    </p:set>
+                                    <p:animEffect transition="in" filter="wipe(left)">
+                                      <p:cBhvr>
+                                        <p:cTn id="31" dur="500"/>
+                                        <p:tgtEl>
+                                          <p:spTgt spid="12"/>
+                                        </p:tgtEl>
+                                      </p:cBhvr>
+                                    </p:animEffect>
+                                  </p:childTnLst>
+                                </p:cTn>
+                              </p:par>
+                            </p:childTnLst>
+                          </p:cTn>
+                        </p:par>
+                        <p:par>
+                          <p:cTn id="32" fill="hold">
+                            <p:stCondLst>
+                              <p:cond delay="1000"/>
+                            </p:stCondLst>
+                            <p:childTnLst>
+                              <p:par>
+                                <p:cTn id="33" presetID="22" presetClass="entr" presetSubtype="8" fill="hold" nodeType="afterEffect">
+                                  <p:stCondLst>
+                                    <p:cond delay="0"/>
+                                  </p:stCondLst>
+                                  <p:childTnLst>
+                                    <p:set>
+                                      <p:cBhvr>
+                                        <p:cTn id="34" dur="1" fill="hold">
+                                          <p:stCondLst>
+                                            <p:cond delay="0"/>
+                                          </p:stCondLst>
+                                        </p:cTn>
+                                        <p:tgtEl>
+                                          <p:spTgt spid="10"/>
+                                        </p:tgtEl>
+                                        <p:attrNameLst>
+                                          <p:attrName>style.visibility</p:attrName>
+                                        </p:attrNameLst>
+                                      </p:cBhvr>
+                                      <p:to>
+                                        <p:strVal val="visible"/>
+                                      </p:to>
+                                    </p:set>
+                                    <p:animEffect transition="in" filter="wipe(left)">
+                                      <p:cBhvr>
+                                        <p:cTn id="35" dur="500"/>
+                                        <p:tgtEl>
+                                          <p:spTgt spid="10"/>
+                                        </p:tgtEl>
+                                      </p:cBhvr>
+                                    </p:animEffect>
+                                  </p:childTnLst>
+                                </p:cTn>
+                              </p:par>
+                            </p:childTnLst>
+                          </p:cTn>
+                        </p:par>
+                        <p:par>
+                          <p:cTn id="36" fill="hold">
+                            <p:stCondLst>
+                              <p:cond delay="1500"/>
+                            </p:stCondLst>
+                            <p:childTnLst>
+                              <p:par>
+                                <p:cTn id="37" presetID="22" presetClass="entr" presetSubtype="8" fill="hold" nodeType="afterEffect">
+                                  <p:stCondLst>
+                                    <p:cond delay="0"/>
+                                  </p:stCondLst>
+                                  <p:childTnLst>
+                                    <p:set>
+                                      <p:cBhvr>
+                                        <p:cTn id="38" dur="1" fill="hold">
+                                          <p:stCondLst>
+                                            <p:cond delay="0"/>
+                                          </p:stCondLst>
+                                        </p:cTn>
+                                        <p:tgtEl>
+                                          <p:spTgt spid="13"/>
+                                        </p:tgtEl>
+                                        <p:attrNameLst>
+                                          <p:attrName>style.visibility</p:attrName>
+                                        </p:attrNameLst>
+                                      </p:cBhvr>
+                                      <p:to>
+                                        <p:strVal val="visible"/>
+                                      </p:to>
+                                    </p:set>
+                                    <p:animEffect transition="in" filter="wipe(left)">
+                                      <p:cBhvr>
+                                        <p:cTn id="39" dur="500"/>
+                                        <p:tgtEl>
+                                          <p:spTgt spid="13"/>
+                                        </p:tgtEl>
+                                      </p:cBhvr>
+                                    </p:animEffect>
+                                  </p:childTnLst>
+                                </p:cTn>
+                              </p:par>
+                            </p:childTnLst>
+                          </p:cTn>
+                        </p:par>
+                        <p:par>
+                          <p:cTn id="40" fill="hold">
+                            <p:stCondLst>
+                              <p:cond delay="2000"/>
+                            </p:stCondLst>
+                            <p:childTnLst>
+                              <p:par>
+                                <p:cTn id="41" presetID="22" presetClass="entr" presetSubtype="8" fill="hold" nodeType="afterEffect">
+                                  <p:stCondLst>
+                                    <p:cond delay="0"/>
+                                  </p:stCondLst>
+                                  <p:childTnLst>
+                                    <p:set>
+                                      <p:cBhvr>
+                                        <p:cTn id="42" dur="1" fill="hold">
+                                          <p:stCondLst>
+                                            <p:cond delay="0"/>
+                                          </p:stCondLst>
+                                        </p:cTn>
+                                        <p:tgtEl>
+                                          <p:spTgt spid="18"/>
+                                        </p:tgtEl>
+                                        <p:attrNameLst>
+                                          <p:attrName>style.visibility</p:attrName>
+                                        </p:attrNameLst>
+                                      </p:cBhvr>
+                                      <p:to>
+                                        <p:strVal val="visible"/>
+                                      </p:to>
+                                    </p:set>
+                                    <p:animEffect transition="in" filter="wipe(left)">
+                                      <p:cBhvr>
+                                        <p:cTn id="43" dur="500"/>
+                                        <p:tgtEl>
+                                          <p:spTgt spid="18"/>
+                                        </p:tgtEl>
+                                      </p:cBhvr>
+                                    </p:animEffect>
+                                  </p:childTnLst>
+                                </p:cTn>
+                              </p:par>
+                            </p:childTnLst>
+                          </p:cTn>
+                        </p:par>
+                        <p:par>
+                          <p:cTn id="44" fill="hold">
+                            <p:stCondLst>
+                              <p:cond delay="2500"/>
+                            </p:stCondLst>
+                            <p:childTnLst>
+                              <p:par>
+                                <p:cTn id="45" presetID="22" presetClass="entr" presetSubtype="8" fill="hold" nodeType="afterEffect">
+                                  <p:stCondLst>
+                                    <p:cond delay="0"/>
+                                  </p:stCondLst>
+                                  <p:childTnLst>
+                                    <p:set>
+                                      <p:cBhvr>
+                                        <p:cTn id="46" dur="1" fill="hold">
+                                          <p:stCondLst>
+                                            <p:cond delay="0"/>
+                                          </p:stCondLst>
+                                        </p:cTn>
+                                        <p:tgtEl>
+                                          <p:spTgt spid="19"/>
+                                        </p:tgtEl>
+                                        <p:attrNameLst>
+                                          <p:attrName>style.visibility</p:attrName>
+                                        </p:attrNameLst>
+                                      </p:cBhvr>
+                                      <p:to>
+                                        <p:strVal val="visible"/>
+                                      </p:to>
+                                    </p:set>
+                                    <p:animEffect transition="in" filter="wipe(left)">
+                                      <p:cBhvr>
+                                        <p:cTn id="47" dur="500"/>
+                                        <p:tgtEl>
+                                          <p:spTgt spid="19"/>
+                                        </p:tgtEl>
+                                      </p:cBhvr>
+                                    </p:animEffect>
                                   </p:childTnLst>
                                 </p:cTn>
                               </p:par>
@@ -9853,6 +10392,234 @@
                             </p:childTnLst>
                           </p:cTn>
                         </p:par>
+                        <p:par>
+                          <p:cTn id="9" fill="hold">
+                            <p:stCondLst>
+                              <p:cond delay="500"/>
+                            </p:stCondLst>
+                            <p:childTnLst>
+                              <p:par>
+                                <p:cTn id="10" presetID="2" presetClass="entr" presetSubtype="4" fill="hold" nodeType="afterEffect">
+                                  <p:stCondLst>
+                                    <p:cond delay="0"/>
+                                  </p:stCondLst>
+                                  <p:childTnLst>
+                                    <p:set>
+                                      <p:cBhvr>
+                                        <p:cTn id="11" dur="1" fill="hold">
+                                          <p:stCondLst>
+                                            <p:cond delay="0"/>
+                                          </p:stCondLst>
+                                        </p:cTn>
+                                        <p:tgtEl>
+                                          <p:spTgt spid="2"/>
+                                        </p:tgtEl>
+                                        <p:attrNameLst>
+                                          <p:attrName>style.visibility</p:attrName>
+                                        </p:attrNameLst>
+                                      </p:cBhvr>
+                                      <p:to>
+                                        <p:strVal val="visible"/>
+                                      </p:to>
+                                    </p:set>
+                                    <p:anim calcmode="lin" valueType="num">
+                                      <p:cBhvr additive="base">
+                                        <p:cTn id="12" dur="500" fill="hold"/>
+                                        <p:tgtEl>
+                                          <p:spTgt spid="2"/>
+                                        </p:tgtEl>
+                                        <p:attrNameLst>
+                                          <p:attrName>ppt_x</p:attrName>
+                                        </p:attrNameLst>
+                                      </p:cBhvr>
+                                      <p:tavLst>
+                                        <p:tav tm="0">
+                                          <p:val>
+                                            <p:strVal val="#ppt_x"/>
+                                          </p:val>
+                                        </p:tav>
+                                        <p:tav tm="100000">
+                                          <p:val>
+                                            <p:strVal val="#ppt_x"/>
+                                          </p:val>
+                                        </p:tav>
+                                      </p:tavLst>
+                                    </p:anim>
+                                    <p:anim calcmode="lin" valueType="num">
+                                      <p:cBhvr additive="base">
+                                        <p:cTn id="13" dur="500" fill="hold"/>
+                                        <p:tgtEl>
+                                          <p:spTgt spid="2"/>
+                                        </p:tgtEl>
+                                        <p:attrNameLst>
+                                          <p:attrName>ppt_y</p:attrName>
+                                        </p:attrNameLst>
+                                      </p:cBhvr>
+                                      <p:tavLst>
+                                        <p:tav tm="0">
+                                          <p:val>
+                                            <p:strVal val="1+#ppt_h/2"/>
+                                          </p:val>
+                                        </p:tav>
+                                        <p:tav tm="100000">
+                                          <p:val>
+                                            <p:strVal val="#ppt_y"/>
+                                          </p:val>
+                                        </p:tav>
+                                      </p:tavLst>
+                                    </p:anim>
+                                  </p:childTnLst>
+                                </p:cTn>
+                              </p:par>
+                              <p:par>
+                                <p:cTn id="14" presetID="2" presetClass="entr" presetSubtype="4" fill="hold" nodeType="withEffect">
+                                  <p:stCondLst>
+                                    <p:cond delay="0"/>
+                                  </p:stCondLst>
+                                  <p:childTnLst>
+                                    <p:set>
+                                      <p:cBhvr>
+                                        <p:cTn id="15" dur="1" fill="hold">
+                                          <p:stCondLst>
+                                            <p:cond delay="0"/>
+                                          </p:stCondLst>
+                                        </p:cTn>
+                                        <p:tgtEl>
+                                          <p:spTgt spid="3"/>
+                                        </p:tgtEl>
+                                        <p:attrNameLst>
+                                          <p:attrName>style.visibility</p:attrName>
+                                        </p:attrNameLst>
+                                      </p:cBhvr>
+                                      <p:to>
+                                        <p:strVal val="visible"/>
+                                      </p:to>
+                                    </p:set>
+                                    <p:anim calcmode="lin" valueType="num">
+                                      <p:cBhvr additive="base">
+                                        <p:cTn id="16" dur="500" fill="hold"/>
+                                        <p:tgtEl>
+                                          <p:spTgt spid="3"/>
+                                        </p:tgtEl>
+                                        <p:attrNameLst>
+                                          <p:attrName>ppt_x</p:attrName>
+                                        </p:attrNameLst>
+                                      </p:cBhvr>
+                                      <p:tavLst>
+                                        <p:tav tm="0">
+                                          <p:val>
+                                            <p:strVal val="#ppt_x"/>
+                                          </p:val>
+                                        </p:tav>
+                                        <p:tav tm="100000">
+                                          <p:val>
+                                            <p:strVal val="#ppt_x"/>
+                                          </p:val>
+                                        </p:tav>
+                                      </p:tavLst>
+                                    </p:anim>
+                                    <p:anim calcmode="lin" valueType="num">
+                                      <p:cBhvr additive="base">
+                                        <p:cTn id="17" dur="500" fill="hold"/>
+                                        <p:tgtEl>
+                                          <p:spTgt spid="3"/>
+                                        </p:tgtEl>
+                                        <p:attrNameLst>
+                                          <p:attrName>ppt_y</p:attrName>
+                                        </p:attrNameLst>
+                                      </p:cBhvr>
+                                      <p:tavLst>
+                                        <p:tav tm="0">
+                                          <p:val>
+                                            <p:strVal val="1+#ppt_h/2"/>
+                                          </p:val>
+                                        </p:tav>
+                                        <p:tav tm="100000">
+                                          <p:val>
+                                            <p:strVal val="#ppt_y"/>
+                                          </p:val>
+                                        </p:tav>
+                                      </p:tavLst>
+                                    </p:anim>
+                                  </p:childTnLst>
+                                </p:cTn>
+                              </p:par>
+                              <p:par>
+                                <p:cTn id="18" presetID="2" presetClass="entr" presetSubtype="4" fill="hold" nodeType="withEffect">
+                                  <p:stCondLst>
+                                    <p:cond delay="0"/>
+                                  </p:stCondLst>
+                                  <p:childTnLst>
+                                    <p:set>
+                                      <p:cBhvr>
+                                        <p:cTn id="19" dur="1" fill="hold">
+                                          <p:stCondLst>
+                                            <p:cond delay="0"/>
+                                          </p:stCondLst>
+                                        </p:cTn>
+                                        <p:tgtEl>
+                                          <p:spTgt spid="4"/>
+                                        </p:tgtEl>
+                                        <p:attrNameLst>
+                                          <p:attrName>style.visibility</p:attrName>
+                                        </p:attrNameLst>
+                                      </p:cBhvr>
+                                      <p:to>
+                                        <p:strVal val="visible"/>
+                                      </p:to>
+                                    </p:set>
+                                    <p:anim calcmode="lin" valueType="num">
+                                      <p:cBhvr additive="base">
+                                        <p:cTn id="20" dur="500" fill="hold"/>
+                                        <p:tgtEl>
+                                          <p:spTgt spid="4"/>
+                                        </p:tgtEl>
+                                        <p:attrNameLst>
+                                          <p:attrName>ppt_x</p:attrName>
+                                        </p:attrNameLst>
+                                      </p:cBhvr>
+                                      <p:tavLst>
+                                        <p:tav tm="0">
+                                          <p:val>
+                                            <p:strVal val="#ppt_x"/>
+                                          </p:val>
+                                        </p:tav>
+                                        <p:tav tm="100000">
+                                          <p:val>
+                                            <p:strVal val="#ppt_x"/>
+                                          </p:val>
+                                        </p:tav>
+                                      </p:tavLst>
+                                    </p:anim>
+                                    <p:anim calcmode="lin" valueType="num">
+                                      <p:cBhvr additive="base">
+                                        <p:cTn id="21" dur="500" fill="hold"/>
+                                        <p:tgtEl>
+                                          <p:spTgt spid="4"/>
+                                        </p:tgtEl>
+                                        <p:attrNameLst>
+                                          <p:attrName>ppt_y</p:attrName>
+                                        </p:attrNameLst>
+                                      </p:cBhvr>
+                                      <p:tavLst>
+                                        <p:tav tm="0">
+                                          <p:val>
+                                            <p:strVal val="1+#ppt_h/2"/>
+                                          </p:val>
+                                        </p:tav>
+                                        <p:tav tm="100000">
+                                          <p:val>
+                                            <p:strVal val="#ppt_y"/>
+                                          </p:val>
+                                        </p:tav>
+                                      </p:tavLst>
+                                    </p:anim>
+                                  </p:childTnLst>
+                                </p:cTn>
+                              </p:par>
+                            </p:childTnLst>
+                          </p:cTn>
+                        </p:par>
                       </p:childTnLst>
                     </p:cTn>
                   </p:par>
